--- a/kubernetes/10_administration.pptx
+++ b/kubernetes/10_administration.pptx
@@ -20783,47 +20783,6 @@
           </a:extLst>
         </p:spPr>
       </p:pic>
-      <p:pic>
-        <p:nvPicPr>
-          <p:cNvPr id="1048" name="Picture 24" descr="logo@2x.png"/>
-          <p:cNvPicPr>
-            <a:picLocks noChangeAspect="1" noChangeArrowheads="1"/>
-          </p:cNvPicPr>
-          <p:nvPr/>
-        </p:nvPicPr>
-        <p:blipFill>
-          <a:blip r:embed="rId6">
-            <a:extLst>
-              <a:ext uri="{28A0092B-C50C-407E-A947-70E740481C1C}">
-                <a14:useLocalDpi xmlns:a14="http://schemas.microsoft.com/office/drawing/2010/main" val="0"/>
-              </a:ext>
-            </a:extLst>
-          </a:blip>
-          <a:srcRect/>
-          <a:stretch>
-            <a:fillRect/>
-          </a:stretch>
-        </p:blipFill>
-        <p:spPr bwMode="auto">
-          <a:xfrm>
-            <a:off x="3536923" y="2057890"/>
-            <a:ext cx="2352093" cy="2352093"/>
-          </a:xfrm>
-          <a:prstGeom prst="rect">
-            <a:avLst/>
-          </a:prstGeom>
-          <a:noFill/>
-          <a:extLst>
-            <a:ext uri="{909E8E84-426E-40DD-AFC4-6F175D3DCCD1}">
-              <a14:hiddenFill xmlns:a14="http://schemas.microsoft.com/office/drawing/2010/main">
-                <a:solidFill>
-                  <a:srgbClr val="FFFFFF"/>
-                </a:solidFill>
-              </a14:hiddenFill>
-            </a:ext>
-          </a:extLst>
-        </p:spPr>
-      </p:pic>
       <p:sp>
         <p:nvSpPr>
           <p:cNvPr id="3" name="Rectangle 2"/>
@@ -20847,7 +20806,7 @@
           <a:p>
             <a:r>
               <a:rPr lang="en-US" dirty="0">
-                <a:hlinkClick r:id="rId7"/>
+                <a:hlinkClick r:id="rId6"/>
               </a:rPr>
               <a:t>https://github.com/kubernetes/minikube</a:t>
             </a:r>
@@ -20867,7 +20826,7 @@
           <p:nvPr/>
         </p:nvPicPr>
         <p:blipFill>
-          <a:blip r:embed="rId8">
+          <a:blip r:embed="rId7">
             <a:extLst>
               <a:ext uri="{28A0092B-C50C-407E-A947-70E740481C1C}">
                 <a14:useLocalDpi xmlns:a14="http://schemas.microsoft.com/office/drawing/2010/main" val="0"/>
@@ -20899,6 +20858,88 @@
           </a:extLst>
         </p:spPr>
       </p:pic>
+      <p:pic>
+        <p:nvPicPr>
+          <p:cNvPr id="1048" name="Picture 24" descr="logo@2x.png"/>
+          <p:cNvPicPr>
+            <a:picLocks noChangeAspect="1" noChangeArrowheads="1"/>
+          </p:cNvPicPr>
+          <p:nvPr/>
+        </p:nvPicPr>
+        <p:blipFill>
+          <a:blip r:embed="rId8">
+            <a:extLst>
+              <a:ext uri="{28A0092B-C50C-407E-A947-70E740481C1C}">
+                <a14:useLocalDpi xmlns:a14="http://schemas.microsoft.com/office/drawing/2010/main" val="0"/>
+              </a:ext>
+            </a:extLst>
+          </a:blip>
+          <a:srcRect/>
+          <a:stretch>
+            <a:fillRect/>
+          </a:stretch>
+        </p:blipFill>
+        <p:spPr bwMode="auto">
+          <a:xfrm>
+            <a:off x="4053343" y="1330277"/>
+            <a:ext cx="4299387" cy="4299387"/>
+          </a:xfrm>
+          <a:prstGeom prst="rect">
+            <a:avLst/>
+          </a:prstGeom>
+          <a:noFill/>
+          <a:extLst>
+            <a:ext uri="{909E8E84-426E-40DD-AFC4-6F175D3DCCD1}">
+              <a14:hiddenFill xmlns:a14="http://schemas.microsoft.com/office/drawing/2010/main">
+                <a:solidFill>
+                  <a:srgbClr val="FFFFFF"/>
+                </a:solidFill>
+              </a14:hiddenFill>
+            </a:ext>
+          </a:extLst>
+        </p:spPr>
+      </p:pic>
+      <p:sp>
+        <p:nvSpPr>
+          <p:cNvPr id="4" name="Rectangle 3">
+            <a:extLst>
+              <a:ext uri="{FF2B5EF4-FFF2-40B4-BE49-F238E27FC236}">
+                <a16:creationId xmlns:a16="http://schemas.microsoft.com/office/drawing/2014/main" id="{A1956F51-7F19-4FA4-88E2-3D4AAC0272EF}"/>
+              </a:ext>
+            </a:extLst>
+          </p:cNvPr>
+          <p:cNvSpPr/>
+          <p:nvPr/>
+        </p:nvSpPr>
+        <p:spPr>
+          <a:xfrm>
+            <a:off x="3085567" y="5710510"/>
+            <a:ext cx="6812167" cy="415498"/>
+          </a:xfrm>
+          <a:prstGeom prst="rect">
+            <a:avLst/>
+          </a:prstGeom>
+        </p:spPr>
+        <p:txBody>
+          <a:bodyPr wrap="square">
+            <a:spAutoFit/>
+          </a:bodyPr>
+          <a:lstStyle/>
+          <a:p>
+            <a:r>
+              <a:rPr lang="en-US" u="sng" dirty="0">
+                <a:hlinkClick r:id="rId9"/>
+              </a:rPr>
+              <a:t>https://github.wdf.sap.corp/pages/kubernetes/gardener</a:t>
+            </a:r>
+            <a:r>
+              <a:rPr lang="en-US" u="sng" dirty="0"/>
+              <a:t> </a:t>
+            </a:r>
+            <a:endParaRPr lang="en-US" dirty="0"/>
+          </a:p>
+        </p:txBody>
+      </p:sp>
     </p:spTree>
     <p:extLst>
       <p:ext uri="{BB962C8B-B14F-4D97-AF65-F5344CB8AC3E}">
@@ -20930,7 +20971,7 @@
                             </p:stCondLst>
                             <p:childTnLst>
                               <p:par>
-                                <p:cTn id="5" presetID="1" presetClass="exit" presetSubtype="0" fill="hold" nodeType="clickEffect">
+                                <p:cTn id="5" presetID="1" presetClass="exit" presetSubtype="0" fill="hold" grpId="0" nodeType="clickEffect">
                                   <p:stCondLst>
                                     <p:cond delay="0"/>
                                   </p:stCondLst>
@@ -20943,7 +20984,7 @@
                                           </p:stCondLst>
                                         </p:cTn>
                                         <p:tgtEl>
-                                          <p:spTgt spid="1034"/>
+                                          <p:spTgt spid="3"/>
                                         </p:tgtEl>
                                         <p:attrNameLst>
                                           <p:attrName>style.visibility</p:attrName>
@@ -20970,7 +21011,7 @@
                                           </p:stCondLst>
                                         </p:cTn>
                                         <p:tgtEl>
-                                          <p:spTgt spid="1028"/>
+                                          <p:spTgt spid="1026"/>
                                         </p:tgtEl>
                                         <p:attrNameLst>
                                           <p:attrName>style.visibility</p:attrName>
@@ -20983,102 +21024,30 @@
                                   </p:childTnLst>
                                 </p:cTn>
                               </p:par>
+                            </p:childTnLst>
+                          </p:cTn>
+                        </p:par>
+                        <p:par>
+                          <p:cTn id="9" fill="hold">
+                            <p:stCondLst>
+                              <p:cond delay="0"/>
+                            </p:stCondLst>
+                            <p:childTnLst>
                               <p:par>
-                                <p:cTn id="9" presetID="1" presetClass="exit" presetSubtype="0" fill="hold" nodeType="withEffect">
+                                <p:cTn id="10" presetID="1" presetClass="entr" presetSubtype="0" fill="hold" nodeType="afterEffect">
                                   <p:stCondLst>
                                     <p:cond delay="0"/>
                                   </p:stCondLst>
                                   <p:childTnLst>
                                     <p:set>
                                       <p:cBhvr>
-                                        <p:cTn id="10" dur="1" fill="hold">
+                                        <p:cTn id="11" dur="1" fill="hold">
                                           <p:stCondLst>
                                             <p:cond delay="0"/>
                                           </p:stCondLst>
                                         </p:cTn>
                                         <p:tgtEl>
-                                          <p:spTgt spid="1040"/>
-                                        </p:tgtEl>
-                                        <p:attrNameLst>
-                                          <p:attrName>style.visibility</p:attrName>
-                                        </p:attrNameLst>
-                                      </p:cBhvr>
-                                      <p:to>
-                                        <p:strVal val="hidden"/>
-                                      </p:to>
-                                    </p:set>
-                                  </p:childTnLst>
-                                </p:cTn>
-                              </p:par>
-                              <p:par>
-                                <p:cTn id="11" presetID="1" presetClass="exit" presetSubtype="0" fill="hold" nodeType="withEffect">
-                                  <p:stCondLst>
-                                    <p:cond delay="0"/>
-                                  </p:stCondLst>
-                                  <p:childTnLst>
-                                    <p:set>
-                                      <p:cBhvr>
-                                        <p:cTn id="12" dur="1" fill="hold">
-                                          <p:stCondLst>
-                                            <p:cond delay="0"/>
-                                          </p:stCondLst>
-                                        </p:cTn>
-                                        <p:tgtEl>
-                                          <p:spTgt spid="1042"/>
-                                        </p:tgtEl>
-                                        <p:attrNameLst>
-                                          <p:attrName>style.visibility</p:attrName>
-                                        </p:attrNameLst>
-                                      </p:cBhvr>
-                                      <p:to>
-                                        <p:strVal val="hidden"/>
-                                      </p:to>
-                                    </p:set>
-                                  </p:childTnLst>
-                                </p:cTn>
-                              </p:par>
-                              <p:par>
-                                <p:cTn id="13" presetID="1" presetClass="exit" presetSubtype="0" fill="hold" nodeType="withEffect">
-                                  <p:stCondLst>
-                                    <p:cond delay="0"/>
-                                  </p:stCondLst>
-                                  <p:childTnLst>
-                                    <p:set>
-                                      <p:cBhvr>
-                                        <p:cTn id="14" dur="1" fill="hold">
-                                          <p:stCondLst>
-                                            <p:cond delay="0"/>
-                                          </p:stCondLst>
-                                        </p:cTn>
-                                        <p:tgtEl>
-                                          <p:spTgt spid="1048"/>
-                                        </p:tgtEl>
-                                        <p:attrNameLst>
-                                          <p:attrName>style.visibility</p:attrName>
-                                        </p:attrNameLst>
-                                      </p:cBhvr>
-                                      <p:to>
-                                        <p:strVal val="hidden"/>
-                                      </p:to>
-                                    </p:set>
-                                  </p:childTnLst>
-                                </p:cTn>
-                              </p:par>
-                              <p:par>
-                                <p:cTn id="15" presetID="1" presetClass="entr" presetSubtype="0" fill="hold" grpId="0" nodeType="withEffect">
-                                  <p:stCondLst>
-                                    <p:cond delay="0"/>
-                                  </p:stCondLst>
-                                  <p:childTnLst>
-                                    <p:set>
-                                      <p:cBhvr>
-                                        <p:cTn id="16" dur="1" fill="hold">
-                                          <p:stCondLst>
-                                            <p:cond delay="0"/>
-                                          </p:stCondLst>
-                                        </p:cTn>
-                                        <p:tgtEl>
-                                          <p:spTgt spid="3"/>
+                                          <p:spTgt spid="1034"/>
                                         </p:tgtEl>
                                         <p:attrNameLst>
                                           <p:attrName>style.visibility</p:attrName>
@@ -21092,20 +21061,146 @@
                                 </p:cTn>
                               </p:par>
                               <p:par>
-                                <p:cTn id="17" presetID="1" presetClass="entr" presetSubtype="0" fill="hold" nodeType="withEffect">
+                                <p:cTn id="12" presetID="1" presetClass="entr" presetSubtype="0" fill="hold" nodeType="withEffect">
                                   <p:stCondLst>
                                     <p:cond delay="0"/>
                                   </p:stCondLst>
                                   <p:childTnLst>
                                     <p:set>
                                       <p:cBhvr>
-                                        <p:cTn id="18" dur="1" fill="hold">
+                                        <p:cTn id="13" dur="1" fill="hold">
                                           <p:stCondLst>
                                             <p:cond delay="0"/>
                                           </p:stCondLst>
                                         </p:cTn>
                                         <p:tgtEl>
-                                          <p:spTgt spid="1026"/>
+                                          <p:spTgt spid="1028"/>
+                                        </p:tgtEl>
+                                        <p:attrNameLst>
+                                          <p:attrName>style.visibility</p:attrName>
+                                        </p:attrNameLst>
+                                      </p:cBhvr>
+                                      <p:to>
+                                        <p:strVal val="visible"/>
+                                      </p:to>
+                                    </p:set>
+                                  </p:childTnLst>
+                                </p:cTn>
+                              </p:par>
+                              <p:par>
+                                <p:cTn id="14" presetID="1" presetClass="entr" presetSubtype="0" fill="hold" nodeType="withEffect">
+                                  <p:stCondLst>
+                                    <p:cond delay="0"/>
+                                  </p:stCondLst>
+                                  <p:childTnLst>
+                                    <p:set>
+                                      <p:cBhvr>
+                                        <p:cTn id="15" dur="1" fill="hold">
+                                          <p:stCondLst>
+                                            <p:cond delay="0"/>
+                                          </p:stCondLst>
+                                        </p:cTn>
+                                        <p:tgtEl>
+                                          <p:spTgt spid="1040"/>
+                                        </p:tgtEl>
+                                        <p:attrNameLst>
+                                          <p:attrName>style.visibility</p:attrName>
+                                        </p:attrNameLst>
+                                      </p:cBhvr>
+                                      <p:to>
+                                        <p:strVal val="visible"/>
+                                      </p:to>
+                                    </p:set>
+                                  </p:childTnLst>
+                                </p:cTn>
+                              </p:par>
+                              <p:par>
+                                <p:cTn id="16" presetID="1" presetClass="entr" presetSubtype="0" fill="hold" nodeType="withEffect">
+                                  <p:stCondLst>
+                                    <p:cond delay="0"/>
+                                  </p:stCondLst>
+                                  <p:childTnLst>
+                                    <p:set>
+                                      <p:cBhvr>
+                                        <p:cTn id="17" dur="1" fill="hold">
+                                          <p:stCondLst>
+                                            <p:cond delay="0"/>
+                                          </p:stCondLst>
+                                        </p:cTn>
+                                        <p:tgtEl>
+                                          <p:spTgt spid="1042"/>
+                                        </p:tgtEl>
+                                        <p:attrNameLst>
+                                          <p:attrName>style.visibility</p:attrName>
+                                        </p:attrNameLst>
+                                      </p:cBhvr>
+                                      <p:to>
+                                        <p:strVal val="visible"/>
+                                      </p:to>
+                                    </p:set>
+                                  </p:childTnLst>
+                                </p:cTn>
+                              </p:par>
+                            </p:childTnLst>
+                          </p:cTn>
+                        </p:par>
+                      </p:childTnLst>
+                    </p:cTn>
+                  </p:par>
+                  <p:par>
+                    <p:cTn id="18" fill="hold">
+                      <p:stCondLst>
+                        <p:cond delay="indefinite"/>
+                      </p:stCondLst>
+                      <p:childTnLst>
+                        <p:par>
+                          <p:cTn id="19" fill="hold">
+                            <p:stCondLst>
+                              <p:cond delay="0"/>
+                            </p:stCondLst>
+                            <p:childTnLst>
+                              <p:par>
+                                <p:cTn id="20" presetID="1" presetClass="entr" presetSubtype="0" fill="hold" nodeType="clickEffect">
+                                  <p:stCondLst>
+                                    <p:cond delay="0"/>
+                                  </p:stCondLst>
+                                  <p:childTnLst>
+                                    <p:set>
+                                      <p:cBhvr>
+                                        <p:cTn id="21" dur="1" fill="hold">
+                                          <p:stCondLst>
+                                            <p:cond delay="0"/>
+                                          </p:stCondLst>
+                                        </p:cTn>
+                                        <p:tgtEl>
+                                          <p:spTgt spid="1048"/>
+                                        </p:tgtEl>
+                                        <p:attrNameLst>
+                                          <p:attrName>style.visibility</p:attrName>
+                                        </p:attrNameLst>
+                                      </p:cBhvr>
+                                      <p:to>
+                                        <p:strVal val="visible"/>
+                                      </p:to>
+                                    </p:set>
+                                  </p:childTnLst>
+                                </p:cTn>
+                              </p:par>
+                              <p:par>
+                                <p:cTn id="22" presetID="1" presetClass="entr" presetSubtype="0" fill="hold" grpId="0" nodeType="withEffect">
+                                  <p:stCondLst>
+                                    <p:cond delay="0"/>
+                                  </p:stCondLst>
+                                  <p:childTnLst>
+                                    <p:set>
+                                      <p:cBhvr>
+                                        <p:cTn id="23" dur="1" fill="hold">
+                                          <p:stCondLst>
+                                            <p:cond delay="0"/>
+                                          </p:stCondLst>
+                                        </p:cTn>
+                                        <p:tgtEl>
+                                          <p:spTgt spid="4"/>
                                         </p:tgtEl>
                                         <p:attrNameLst>
                                           <p:attrName>style.visibility</p:attrName>
@@ -21147,6 +21242,7 @@
     </p:tnLst>
     <p:bldLst>
       <p:bldP spid="3" grpId="0"/>
+      <p:bldP spid="4" grpId="0"/>
     </p:bldLst>
   </p:timing>
 </p:sld>

--- a/kubernetes/10_administration.pptx
+++ b/kubernetes/10_administration.pptx
@@ -15707,6 +15707,66 @@
           </a:stretch>
         </p:blipFill>
         <p:spPr/>
+      </p:pic>
+      <p:pic>
+        <p:nvPicPr>
+          <p:cNvPr id="4" name="Picture 3" descr="cid:image003.png@01D31CC6.A08B1C50">
+            <a:extLst>
+              <a:ext uri="{FF2B5EF4-FFF2-40B4-BE49-F238E27FC236}">
+                <a16:creationId xmlns:a16="http://schemas.microsoft.com/office/drawing/2014/main" id="{CE860390-F50F-48A8-AA1A-AE0217946FC1}"/>
+              </a:ext>
+            </a:extLst>
+          </p:cNvPr>
+          <p:cNvPicPr>
+            <a:picLocks noChangeAspect="1" noChangeArrowheads="1"/>
+          </p:cNvPicPr>
+          <p:nvPr/>
+        </p:nvPicPr>
+        <p:blipFill>
+          <a:blip r:embed="rId4">
+            <a:extLst>
+              <a:ext uri="{28A0092B-C50C-407E-A947-70E740481C1C}">
+                <a14:useLocalDpi xmlns:a14="http://schemas.microsoft.com/office/drawing/2010/main" val="0"/>
+              </a:ext>
+            </a:extLst>
+          </a:blip>
+          <a:srcRect/>
+          <a:stretch>
+            <a:fillRect/>
+          </a:stretch>
+        </p:blipFill>
+        <p:spPr bwMode="auto">
+          <a:xfrm>
+            <a:off x="10780712" y="5721975"/>
+            <a:ext cx="1414463" cy="1136025"/>
+          </a:xfrm>
+          <a:prstGeom prst="rect">
+            <a:avLst/>
+          </a:prstGeom>
+          <a:noFill/>
+          <a:ln>
+            <a:noFill/>
+          </a:ln>
+          <a:extLst>
+            <a:ext uri="{909E8E84-426E-40DD-AFC4-6F175D3DCCD1}">
+              <a14:hiddenFill xmlns:a14="http://schemas.microsoft.com/office/drawing/2010/main">
+                <a:solidFill>
+                  <a:srgbClr val="FFFFFF"/>
+                </a:solidFill>
+              </a14:hiddenFill>
+            </a:ext>
+            <a:ext uri="{91240B29-F687-4F45-9708-019B960494DF}">
+              <a14:hiddenLine xmlns:a14="http://schemas.microsoft.com/office/drawing/2010/main" w="9525">
+                <a:solidFill>
+                  <a:srgbClr val="000000"/>
+                </a:solidFill>
+                <a:miter lim="800000"/>
+                <a:headEnd/>
+                <a:tailEnd/>
+              </a14:hiddenLine>
+            </a:ext>
+          </a:extLst>
+        </p:spPr>
       </p:pic>
     </p:spTree>
     <p:extLst>

--- a/kubernetes/10_administration.pptx
+++ b/kubernetes/10_administration.pptx
@@ -5,10 +5,10 @@
     <p:sldMasterId id="2147483733" r:id="rId1"/>
   </p:sldMasterIdLst>
   <p:notesMasterIdLst>
-    <p:notesMasterId r:id="rId19"/>
+    <p:notesMasterId r:id="rId20"/>
   </p:notesMasterIdLst>
   <p:handoutMasterIdLst>
-    <p:handoutMasterId r:id="rId20"/>
+    <p:handoutMasterId r:id="rId21"/>
   </p:handoutMasterIdLst>
   <p:sldIdLst>
     <p:sldId id="433" r:id="rId2"/>
@@ -20,14 +20,15 @@
     <p:sldId id="452" r:id="rId8"/>
     <p:sldId id="453" r:id="rId9"/>
     <p:sldId id="454" r:id="rId10"/>
-    <p:sldId id="446" r:id="rId11"/>
-    <p:sldId id="458" r:id="rId12"/>
-    <p:sldId id="445" r:id="rId13"/>
-    <p:sldId id="450" r:id="rId14"/>
-    <p:sldId id="457" r:id="rId15"/>
-    <p:sldId id="456" r:id="rId16"/>
-    <p:sldId id="449" r:id="rId17"/>
-    <p:sldId id="265" r:id="rId18"/>
+    <p:sldId id="459" r:id="rId11"/>
+    <p:sldId id="446" r:id="rId12"/>
+    <p:sldId id="458" r:id="rId13"/>
+    <p:sldId id="445" r:id="rId14"/>
+    <p:sldId id="450" r:id="rId15"/>
+    <p:sldId id="457" r:id="rId16"/>
+    <p:sldId id="456" r:id="rId17"/>
+    <p:sldId id="449" r:id="rId18"/>
+    <p:sldId id="265" r:id="rId19"/>
   </p:sldIdLst>
   <p:sldSz cx="12195175" cy="6858000"/>
   <p:notesSz cx="6858000" cy="9144000"/>
@@ -665,30 +666,247 @@
           <a:lstStyle/>
           <a:p>
             <a:r>
+              <a:rPr lang="en-US" noProof="0" dirty="0"/>
+              <a:t>Network policies are </a:t>
+            </a:r>
+            <a:r>
+              <a:rPr lang="en-US" noProof="0" dirty="0" err="1"/>
+              <a:t>kubernetes</a:t>
+            </a:r>
+            <a:r>
+              <a:rPr lang="en-US" noProof="0" dirty="0"/>
+              <a:t> object just as pods. The need an overlay network that supports the enforcement of their rules, like Calico. </a:t>
+            </a:r>
+          </a:p>
+          <a:p>
+            <a:r>
+              <a:rPr lang="en-US" noProof="0" dirty="0"/>
+              <a:t>Basically they define rules for incoming (ingress) and outgoing (egress) traffic to pods. As filter rules you can set IP addresses or use labels. Filter actions are deny or allow.</a:t>
+            </a:r>
+          </a:p>
+          <a:p>
+            <a:r>
+              <a:rPr lang="en-US" noProof="0" dirty="0"/>
+              <a:t>In the example above, the network policy is enforced for access to “Pod A”, determined by its label and the corresponding selector.</a:t>
+            </a:r>
+          </a:p>
+          <a:p>
+            <a:r>
+              <a:rPr lang="en-US" noProof="0" dirty="0"/>
+              <a:t>Pod B is allowed to access pod A since it has the correct label. Traffic from pod M will be blocked.</a:t>
+            </a:r>
+          </a:p>
+          <a:p>
+            <a:r>
+              <a:rPr lang="de-DE" dirty="0"/>
+              <a:t>Demo:</a:t>
+            </a:r>
+          </a:p>
+          <a:p>
+            <a:r>
+              <a:rPr lang="de-DE" dirty="0" err="1"/>
+              <a:t>kubectl</a:t>
+            </a:r>
+            <a:r>
+              <a:rPr lang="de-DE" dirty="0"/>
+              <a:t> </a:t>
+            </a:r>
+            <a:r>
+              <a:rPr lang="de-DE" dirty="0" err="1"/>
+              <a:t>run</a:t>
+            </a:r>
+            <a:r>
+              <a:rPr lang="de-DE" dirty="0"/>
+              <a:t> </a:t>
+            </a:r>
+            <a:r>
+              <a:rPr lang="de-DE" dirty="0" err="1"/>
+              <a:t>nginx</a:t>
+            </a:r>
+            <a:r>
+              <a:rPr lang="de-DE" dirty="0"/>
+              <a:t> --image</a:t>
+            </a:r>
+            <a:r>
+              <a:rPr lang="de-DE" b="1" dirty="0"/>
+              <a:t>=</a:t>
+            </a:r>
+            <a:r>
+              <a:rPr lang="de-DE" dirty="0" err="1"/>
+              <a:t>nginx</a:t>
+            </a:r>
+            <a:r>
+              <a:rPr lang="de-DE" dirty="0"/>
+              <a:t> --</a:t>
+            </a:r>
+            <a:r>
+              <a:rPr lang="de-DE" dirty="0" err="1"/>
+              <a:t>replicas</a:t>
+            </a:r>
+            <a:r>
+              <a:rPr lang="de-DE" b="1" dirty="0"/>
+              <a:t>=</a:t>
+            </a:r>
+            <a:r>
+              <a:rPr lang="de-DE" dirty="0"/>
+              <a:t>2 </a:t>
+            </a:r>
+          </a:p>
+          <a:p>
+            <a:r>
+              <a:rPr lang="de-DE" dirty="0" err="1"/>
+              <a:t>kubectl</a:t>
+            </a:r>
+            <a:r>
+              <a:rPr lang="de-DE" dirty="0"/>
+              <a:t> </a:t>
+            </a:r>
+            <a:r>
+              <a:rPr lang="de-DE" dirty="0" err="1"/>
+              <a:t>expose</a:t>
+            </a:r>
+            <a:r>
+              <a:rPr lang="de-DE" dirty="0"/>
+              <a:t> </a:t>
+            </a:r>
+            <a:r>
+              <a:rPr lang="de-DE" dirty="0" err="1"/>
+              <a:t>deployment</a:t>
+            </a:r>
+            <a:r>
+              <a:rPr lang="de-DE" dirty="0"/>
+              <a:t> </a:t>
+            </a:r>
+            <a:r>
+              <a:rPr lang="de-DE" dirty="0" err="1"/>
+              <a:t>nginx</a:t>
+            </a:r>
+            <a:r>
+              <a:rPr lang="de-DE" dirty="0"/>
+              <a:t> --</a:t>
+            </a:r>
+            <a:r>
+              <a:rPr lang="de-DE" dirty="0" err="1"/>
+              <a:t>port</a:t>
+            </a:r>
+            <a:r>
+              <a:rPr lang="de-DE" b="1" dirty="0"/>
+              <a:t>=</a:t>
+            </a:r>
+            <a:r>
+              <a:rPr lang="de-DE" dirty="0"/>
+              <a:t>80</a:t>
+            </a:r>
+          </a:p>
+          <a:p>
+            <a:r>
+              <a:rPr lang="de-DE" dirty="0" err="1"/>
+              <a:t>kubectl</a:t>
+            </a:r>
+            <a:r>
+              <a:rPr lang="de-DE" dirty="0"/>
+              <a:t> </a:t>
+            </a:r>
+            <a:r>
+              <a:rPr lang="de-DE" dirty="0" err="1"/>
+              <a:t>run</a:t>
+            </a:r>
+            <a:r>
+              <a:rPr lang="de-DE" dirty="0"/>
+              <a:t> </a:t>
+            </a:r>
+            <a:r>
+              <a:rPr lang="de-DE" dirty="0" err="1"/>
+              <a:t>busybox</a:t>
+            </a:r>
+            <a:r>
+              <a:rPr lang="de-DE" dirty="0"/>
+              <a:t> --</a:t>
+            </a:r>
+            <a:r>
+              <a:rPr lang="de-DE" dirty="0" err="1"/>
+              <a:t>rm</a:t>
+            </a:r>
+            <a:r>
+              <a:rPr lang="de-DE" dirty="0"/>
+              <a:t> -</a:t>
+            </a:r>
+            <a:r>
+              <a:rPr lang="de-DE" dirty="0" err="1"/>
+              <a:t>ti</a:t>
+            </a:r>
+            <a:r>
+              <a:rPr lang="de-DE" dirty="0"/>
+              <a:t> --image</a:t>
+            </a:r>
+            <a:r>
+              <a:rPr lang="de-DE" b="1" dirty="0"/>
+              <a:t>=</a:t>
+            </a:r>
+            <a:r>
+              <a:rPr lang="de-DE" dirty="0" err="1"/>
+              <a:t>busybox</a:t>
+            </a:r>
+            <a:r>
+              <a:rPr lang="de-DE" dirty="0"/>
+              <a:t> /bin/sh</a:t>
+            </a:r>
+          </a:p>
+          <a:p>
+            <a:r>
+              <a:rPr lang="de-DE" dirty="0"/>
+              <a:t> # </a:t>
+            </a:r>
+            <a:r>
+              <a:rPr lang="de-DE" dirty="0" err="1"/>
+              <a:t>wget</a:t>
+            </a:r>
+            <a:r>
+              <a:rPr lang="de-DE" dirty="0"/>
+              <a:t> --spider --timeout=1 </a:t>
+            </a:r>
+            <a:r>
+              <a:rPr lang="de-DE" dirty="0" err="1"/>
+              <a:t>nginx</a:t>
+            </a:r>
+            <a:endParaRPr lang="en-US" dirty="0"/>
+          </a:p>
+          <a:p>
+            <a:r>
               <a:rPr lang="en-US" dirty="0" err="1"/>
-              <a:t>kubectl</a:t>
-            </a:r>
-            <a:r>
-              <a:rPr lang="en-US" baseline="0" dirty="0"/>
-              <a:t> drain &lt;node&gt; --ignore-</a:t>
-            </a:r>
-            <a:r>
-              <a:rPr lang="en-US" baseline="0" dirty="0" err="1"/>
-              <a:t>daemonset</a:t>
-            </a:r>
-            <a:r>
-              <a:rPr lang="en-US" baseline="0" dirty="0"/>
-              <a:t>=true</a:t>
-            </a:r>
-          </a:p>
-          <a:p>
-            <a:endParaRPr lang="en-US" baseline="0" dirty="0"/>
-          </a:p>
-          <a:p>
-            <a:r>
-              <a:rPr lang="en-US" baseline="0" dirty="0"/>
-              <a:t>To evict pods from a node, e.g. for maintenance, you can “drain” it. To mark it, so no new pods are scheduled to it, “cordon” the node. </a:t>
-            </a:r>
+              <a:t>Kubectl</a:t>
+            </a:r>
+            <a:r>
+              <a:rPr lang="en-US" dirty="0"/>
+              <a:t> create –f network-</a:t>
+            </a:r>
+            <a:r>
+              <a:rPr lang="en-US" dirty="0" err="1"/>
+              <a:t>policy.yaml</a:t>
+            </a:r>
+            <a:endParaRPr lang="en-US" dirty="0"/>
+          </a:p>
+          <a:p>
+            <a:r>
+              <a:rPr lang="en-US" dirty="0" err="1"/>
+              <a:t>Kubectl</a:t>
+            </a:r>
+            <a:r>
+              <a:rPr lang="en-US" dirty="0"/>
+              <a:t> run ..</a:t>
+            </a:r>
+          </a:p>
+          <a:p>
+            <a:r>
+              <a:rPr lang="en-US" dirty="0" err="1"/>
+              <a:t>Kubectl</a:t>
+            </a:r>
+            <a:r>
+              <a:rPr lang="en-US" dirty="0"/>
+              <a:t> run … -l access=true</a:t>
+            </a:r>
+          </a:p>
+          <a:p>
             <a:endParaRPr lang="en-US" dirty="0"/>
           </a:p>
         </p:txBody>
@@ -709,18 +927,18 @@
           <a:lstStyle/>
           <a:p>
             <a:fld id="{7D8C2C35-2B8A-446E-BEC0-FD36716C29AC}" type="slidenum">
-              <a:rPr lang="de-DE" smtClean="0"/>
+              <a:rPr lang="en-US" smtClean="0"/>
               <a:pPr/>
-              <a:t>12</a:t>
+              <a:t>11</a:t>
             </a:fld>
-            <a:endParaRPr lang="de-DE" dirty="0"/>
+            <a:endParaRPr lang="en-US" dirty="0"/>
           </a:p>
         </p:txBody>
       </p:sp>
     </p:spTree>
     <p:extLst>
       <p:ext uri="{BB962C8B-B14F-4D97-AF65-F5344CB8AC3E}">
-        <p14:creationId xmlns:p14="http://schemas.microsoft.com/office/powerpoint/2010/main" val="4167137068"/>
+        <p14:creationId xmlns:p14="http://schemas.microsoft.com/office/powerpoint/2010/main" val="3747275599"/>
       </p:ext>
     </p:extLst>
   </p:cSld>
@@ -775,49 +993,31 @@
           <a:lstStyle/>
           <a:p>
             <a:r>
-              <a:rPr lang="en-US" dirty="0"/>
-              <a:t>There are multiple ways, to influence where pods are scheduled:</a:t>
-            </a:r>
-          </a:p>
-          <a:p>
-            <a:pPr marL="285750" indent="-285750">
-              <a:buFontTx/>
-              <a:buChar char="-"/>
-            </a:pPr>
-            <a:r>
-              <a:rPr lang="en-US" dirty="0"/>
-              <a:t>Taints &amp; tolerations: a node is tainted and only pods explicitly tolerating the taint will be scheduled</a:t>
-            </a:r>
-          </a:p>
-          <a:p>
-            <a:pPr marL="285750" indent="-285750">
-              <a:buFontTx/>
-              <a:buChar char="-"/>
-            </a:pPr>
-            <a:r>
-              <a:rPr lang="en-US" dirty="0"/>
-              <a:t>Node selector: specify a node “type” by label to assign a pod to certain node pool</a:t>
-            </a:r>
-          </a:p>
-          <a:p>
-            <a:pPr marL="285750" indent="-285750">
-              <a:buFontTx/>
-              <a:buChar char="-"/>
-            </a:pPr>
-            <a:r>
-              <a:rPr lang="en-US" dirty="0"/>
-              <a:t>Pod affinity: explicitly schedule a pod on a node where certain pod is already running</a:t>
-            </a:r>
-          </a:p>
-          <a:p>
-            <a:pPr marL="285750" indent="-285750">
-              <a:buFontTx/>
-              <a:buChar char="-"/>
-            </a:pPr>
-            <a:r>
-              <a:rPr lang="en-US" dirty="0"/>
-              <a:t>Pod anti-affinity: don’t schedule on a node, where a certain pod is already running</a:t>
-            </a:r>
+              <a:rPr lang="en-US" dirty="0" err="1"/>
+              <a:t>kubectl</a:t>
+            </a:r>
+            <a:r>
+              <a:rPr lang="en-US" baseline="0" dirty="0"/>
+              <a:t> drain &lt;node&gt; --ignore-</a:t>
+            </a:r>
+            <a:r>
+              <a:rPr lang="en-US" baseline="0" dirty="0" err="1"/>
+              <a:t>daemonset</a:t>
+            </a:r>
+            <a:r>
+              <a:rPr lang="en-US" baseline="0" dirty="0"/>
+              <a:t>=true</a:t>
+            </a:r>
+          </a:p>
+          <a:p>
+            <a:endParaRPr lang="en-US" baseline="0" dirty="0"/>
+          </a:p>
+          <a:p>
+            <a:r>
+              <a:rPr lang="en-US" baseline="0" dirty="0"/>
+              <a:t>To evict pods from a node, e.g. for maintenance, you can “drain” it. To mark it, so no new pods are scheduled to it, “cordon” the node. </a:t>
+            </a:r>
+            <a:endParaRPr lang="en-US" dirty="0"/>
           </a:p>
         </p:txBody>
       </p:sp>
@@ -848,7 +1048,7 @@
     </p:spTree>
     <p:extLst>
       <p:ext uri="{BB962C8B-B14F-4D97-AF65-F5344CB8AC3E}">
-        <p14:creationId xmlns:p14="http://schemas.microsoft.com/office/powerpoint/2010/main" val="195966228"/>
+        <p14:creationId xmlns:p14="http://schemas.microsoft.com/office/powerpoint/2010/main" val="4167137068"/>
       </p:ext>
     </p:extLst>
   </p:cSld>
@@ -902,7 +1102,50 @@
           <a:bodyPr/>
           <a:lstStyle/>
           <a:p>
-            <a:endParaRPr lang="en-US" dirty="0"/>
+            <a:r>
+              <a:rPr lang="en-US" dirty="0"/>
+              <a:t>There are multiple ways, to influence where pods are scheduled:</a:t>
+            </a:r>
+          </a:p>
+          <a:p>
+            <a:pPr marL="285750" indent="-285750">
+              <a:buFontTx/>
+              <a:buChar char="-"/>
+            </a:pPr>
+            <a:r>
+              <a:rPr lang="en-US" dirty="0"/>
+              <a:t>Taints &amp; tolerations: a node is tainted and only pods explicitly tolerating the taint will be scheduled</a:t>
+            </a:r>
+          </a:p>
+          <a:p>
+            <a:pPr marL="285750" indent="-285750">
+              <a:buFontTx/>
+              <a:buChar char="-"/>
+            </a:pPr>
+            <a:r>
+              <a:rPr lang="en-US" dirty="0"/>
+              <a:t>Node selector: specify a node “type” by label to assign a pod to certain node pool</a:t>
+            </a:r>
+          </a:p>
+          <a:p>
+            <a:pPr marL="285750" indent="-285750">
+              <a:buFontTx/>
+              <a:buChar char="-"/>
+            </a:pPr>
+            <a:r>
+              <a:rPr lang="en-US" dirty="0"/>
+              <a:t>Pod affinity: explicitly schedule a pod on a node where certain pod is already running</a:t>
+            </a:r>
+          </a:p>
+          <a:p>
+            <a:pPr marL="285750" indent="-285750">
+              <a:buFontTx/>
+              <a:buChar char="-"/>
+            </a:pPr>
+            <a:r>
+              <a:rPr lang="en-US" dirty="0"/>
+              <a:t>Pod anti-affinity: don’t schedule on a node, where a certain pod is already running</a:t>
+            </a:r>
           </a:p>
         </p:txBody>
       </p:sp>
@@ -933,7 +1176,7 @@
     </p:spTree>
     <p:extLst>
       <p:ext uri="{BB962C8B-B14F-4D97-AF65-F5344CB8AC3E}">
-        <p14:creationId xmlns:p14="http://schemas.microsoft.com/office/powerpoint/2010/main" val="3466716593"/>
+        <p14:creationId xmlns:p14="http://schemas.microsoft.com/office/powerpoint/2010/main" val="195966228"/>
       </p:ext>
     </p:extLst>
   </p:cSld>
@@ -987,79 +1230,6 @@
           <a:bodyPr/>
           <a:lstStyle/>
           <a:p>
-            <a:r>
-              <a:rPr lang="en-US" dirty="0"/>
-              <a:t>Works only with localhost – hence, run</a:t>
-            </a:r>
-            <a:r>
-              <a:rPr lang="en-US" baseline="0" dirty="0"/>
-              <a:t> commands on a machine, where you have a UI /can access a browser:</a:t>
-            </a:r>
-          </a:p>
-          <a:p>
-            <a:r>
-              <a:rPr lang="en-US" baseline="0" dirty="0"/>
-              <a:t>- </a:t>
-            </a:r>
-            <a:r>
-              <a:rPr lang="en-US" baseline="0" dirty="0" err="1"/>
-              <a:t>kubectl</a:t>
-            </a:r>
-            <a:r>
-              <a:rPr lang="en-US" baseline="0" dirty="0"/>
-              <a:t> proxy</a:t>
-            </a:r>
-          </a:p>
-          <a:p>
-            <a:r>
-              <a:rPr lang="en-US" dirty="0"/>
-              <a:t>- Open browser</a:t>
-            </a:r>
-            <a:r>
-              <a:rPr lang="en-US" baseline="0" dirty="0"/>
-              <a:t> on localhost:8001 (port may vary) and show the API</a:t>
-            </a:r>
-          </a:p>
-          <a:p>
-            <a:r>
-              <a:rPr lang="en-US" baseline="0" dirty="0"/>
-              <a:t>- Open browser on localhost:8001:ui, logon with token from </a:t>
-            </a:r>
-            <a:r>
-              <a:rPr lang="en-US" baseline="0" dirty="0" err="1"/>
-              <a:t>kubeconfig</a:t>
-            </a:r>
-            <a:endParaRPr lang="en-US" baseline="0" dirty="0"/>
-          </a:p>
-          <a:p>
-            <a:r>
-              <a:rPr lang="en-US" baseline="0" dirty="0"/>
-              <a:t>Demo the dashboard</a:t>
-            </a:r>
-          </a:p>
-          <a:p>
-            <a:r>
-              <a:rPr lang="en-US" baseline="0" dirty="0"/>
-              <a:t>- Show status info &amp; utilization of nodes</a:t>
-            </a:r>
-          </a:p>
-          <a:p>
-            <a:r>
-              <a:rPr lang="en-US" dirty="0"/>
-              <a:t>- Show deployments</a:t>
-            </a:r>
-            <a:r>
-              <a:rPr lang="en-US" baseline="0" dirty="0"/>
-              <a:t> </a:t>
-            </a:r>
-            <a:r>
-              <a:rPr lang="en-US" dirty="0"/>
-              <a:t>&amp; services and how to create a new</a:t>
-            </a:r>
-            <a:r>
-              <a:rPr lang="en-US" baseline="0" dirty="0"/>
-              <a:t> deployment</a:t>
-            </a:r>
             <a:endParaRPr lang="en-US" dirty="0"/>
           </a:p>
         </p:txBody>
@@ -1091,6 +1261,164 @@
     </p:spTree>
     <p:extLst>
       <p:ext uri="{BB962C8B-B14F-4D97-AF65-F5344CB8AC3E}">
+        <p14:creationId xmlns:p14="http://schemas.microsoft.com/office/powerpoint/2010/main" val="3466716593"/>
+      </p:ext>
+    </p:extLst>
+  </p:cSld>
+  <p:clrMapOvr>
+    <a:masterClrMapping/>
+  </p:clrMapOvr>
+</p:notes>
+</file>
+
+<file path=ppt/notesSlides/notesSlide14.xml><?xml version="1.0" encoding="utf-8"?>
+<p:notes xmlns:a="http://schemas.openxmlformats.org/drawingml/2006/main" xmlns:r="http://schemas.openxmlformats.org/officeDocument/2006/relationships" xmlns:p="http://schemas.openxmlformats.org/presentationml/2006/main">
+  <p:cSld>
+    <p:spTree>
+      <p:nvGrpSpPr>
+        <p:cNvPr id="1" name=""/>
+        <p:cNvGrpSpPr/>
+        <p:nvPr/>
+      </p:nvGrpSpPr>
+      <p:grpSpPr>
+        <a:xfrm>
+          <a:off x="0" y="0"/>
+          <a:ext cx="0" cy="0"/>
+          <a:chOff x="0" y="0"/>
+          <a:chExt cx="0" cy="0"/>
+        </a:xfrm>
+      </p:grpSpPr>
+      <p:sp>
+        <p:nvSpPr>
+          <p:cNvPr id="2" name="Slide Image Placeholder 1"/>
+          <p:cNvSpPr>
+            <a:spLocks noGrp="1" noRot="1" noChangeAspect="1"/>
+          </p:cNvSpPr>
+          <p:nvPr>
+            <p:ph type="sldImg"/>
+          </p:nvPr>
+        </p:nvSpPr>
+        <p:spPr/>
+      </p:sp>
+      <p:sp>
+        <p:nvSpPr>
+          <p:cNvPr id="3" name="Notes Placeholder 2"/>
+          <p:cNvSpPr>
+            <a:spLocks noGrp="1"/>
+          </p:cNvSpPr>
+          <p:nvPr>
+            <p:ph type="body" idx="1"/>
+          </p:nvPr>
+        </p:nvSpPr>
+        <p:spPr/>
+        <p:txBody>
+          <a:bodyPr/>
+          <a:lstStyle/>
+          <a:p>
+            <a:r>
+              <a:rPr lang="en-US" dirty="0"/>
+              <a:t>Works only with localhost – hence, run</a:t>
+            </a:r>
+            <a:r>
+              <a:rPr lang="en-US" baseline="0" dirty="0"/>
+              <a:t> commands on a machine, where you have a UI /can access a browser:</a:t>
+            </a:r>
+          </a:p>
+          <a:p>
+            <a:r>
+              <a:rPr lang="en-US" baseline="0" dirty="0"/>
+              <a:t>- </a:t>
+            </a:r>
+            <a:r>
+              <a:rPr lang="en-US" baseline="0" dirty="0" err="1"/>
+              <a:t>kubectl</a:t>
+            </a:r>
+            <a:r>
+              <a:rPr lang="en-US" baseline="0" dirty="0"/>
+              <a:t> proxy</a:t>
+            </a:r>
+          </a:p>
+          <a:p>
+            <a:r>
+              <a:rPr lang="en-US" dirty="0"/>
+              <a:t>- Open browser</a:t>
+            </a:r>
+            <a:r>
+              <a:rPr lang="en-US" baseline="0" dirty="0"/>
+              <a:t> on localhost:8001 (port may vary) and show the API</a:t>
+            </a:r>
+          </a:p>
+          <a:p>
+            <a:r>
+              <a:rPr lang="en-US" baseline="0" dirty="0"/>
+              <a:t>- Open browser on localhost:8001:ui, logon with token from </a:t>
+            </a:r>
+            <a:r>
+              <a:rPr lang="en-US" baseline="0" dirty="0" err="1"/>
+              <a:t>kubeconfig</a:t>
+            </a:r>
+            <a:endParaRPr lang="en-US" baseline="0" dirty="0"/>
+          </a:p>
+          <a:p>
+            <a:r>
+              <a:rPr lang="en-US" baseline="0" dirty="0"/>
+              <a:t>Demo the dashboard</a:t>
+            </a:r>
+          </a:p>
+          <a:p>
+            <a:r>
+              <a:rPr lang="en-US" baseline="0" dirty="0"/>
+              <a:t>- Show status info &amp; utilization of nodes</a:t>
+            </a:r>
+          </a:p>
+          <a:p>
+            <a:r>
+              <a:rPr lang="en-US" dirty="0"/>
+              <a:t>- Show deployments</a:t>
+            </a:r>
+            <a:r>
+              <a:rPr lang="en-US" baseline="0" dirty="0"/>
+              <a:t> </a:t>
+            </a:r>
+            <a:r>
+              <a:rPr lang="en-US" dirty="0"/>
+              <a:t>&amp; services and how to create a new</a:t>
+            </a:r>
+            <a:r>
+              <a:rPr lang="en-US" baseline="0" dirty="0"/>
+              <a:t> deployment</a:t>
+            </a:r>
+            <a:endParaRPr lang="en-US" dirty="0"/>
+          </a:p>
+        </p:txBody>
+      </p:sp>
+      <p:sp>
+        <p:nvSpPr>
+          <p:cNvPr id="4" name="Slide Number Placeholder 3"/>
+          <p:cNvSpPr>
+            <a:spLocks noGrp="1"/>
+          </p:cNvSpPr>
+          <p:nvPr>
+            <p:ph type="sldNum" sz="quarter" idx="10"/>
+          </p:nvPr>
+        </p:nvSpPr>
+        <p:spPr/>
+        <p:txBody>
+          <a:bodyPr/>
+          <a:lstStyle/>
+          <a:p>
+            <a:fld id="{7D8C2C35-2B8A-446E-BEC0-FD36716C29AC}" type="slidenum">
+              <a:rPr lang="de-DE" smtClean="0"/>
+              <a:pPr/>
+              <a:t>16</a:t>
+            </a:fld>
+            <a:endParaRPr lang="de-DE" dirty="0"/>
+          </a:p>
+        </p:txBody>
+      </p:sp>
+    </p:spTree>
+    <p:extLst>
+      <p:ext uri="{BB962C8B-B14F-4D97-AF65-F5344CB8AC3E}">
         <p14:creationId xmlns:p14="http://schemas.microsoft.com/office/powerpoint/2010/main" val="157809321"/>
       </p:ext>
     </p:extLst>
@@ -1101,7 +1429,7 @@
 </p:notes>
 </file>
 
-<file path=ppt/notesSlides/notesSlide14.xml><?xml version="1.0" encoding="utf-8"?>
+<file path=ppt/notesSlides/notesSlide15.xml><?xml version="1.0" encoding="utf-8"?>
 <p:notes xmlns:a="http://schemas.openxmlformats.org/drawingml/2006/main" xmlns:r="http://schemas.openxmlformats.org/officeDocument/2006/relationships" xmlns:p="http://schemas.openxmlformats.org/presentationml/2006/main">
   <p:cSld>
     <p:spTree>
@@ -1136,7 +1464,7 @@
             <a:fld id="{7D8C2C35-2B8A-446E-BEC0-FD36716C29AC}" type="slidenum">
               <a:rPr lang="en-US" smtClean="0"/>
               <a:pPr/>
-              <a:t>17</a:t>
+              <a:t>18</a:t>
             </a:fld>
             <a:endParaRPr lang="en-US" dirty="0"/>
           </a:p>
@@ -2068,7 +2396,9 @@
         </p:nvSpPr>
         <p:spPr/>
         <p:txBody>
-          <a:bodyPr/>
+          <a:bodyPr>
+            <a:normAutofit lnSpcReduction="10000"/>
+          </a:bodyPr>
           <a:lstStyle/>
           <a:p>
             <a:r>
@@ -2091,16 +2421,24 @@
             </a:r>
           </a:p>
           <a:p>
+            <a:endParaRPr lang="en-US" noProof="0" dirty="0"/>
+          </a:p>
+          <a:p>
             <a:r>
               <a:rPr lang="en-US" noProof="0" dirty="0"/>
-              <a:t>In the example above, the network policy is enforced for access to “Pod A”, determined by its label and the corresponding selector.</a:t>
-            </a:r>
-          </a:p>
-          <a:p>
+              <a:t>In the example above, let’s assume princess Peach is at her castle (pod). She has created a service in order to be callable, but only as long as her location = castle. That works quite well, only that Bowser keeps calling her all the time. So Peach decides to allow only calls from Mario and puts a network policy in place. The policy filters incoming calls when she has her “location: castle” label and allows only those to pass, that have a label “caller: </a:t>
+            </a:r>
+            <a:r>
+              <a:rPr lang="en-US" noProof="0" dirty="0" err="1"/>
+              <a:t>mario</a:t>
+            </a:r>
             <a:r>
               <a:rPr lang="en-US" noProof="0" dirty="0"/>
-              <a:t>Pod B is allowed to access pod A since it has the correct label. Traffic from pod M will be blocked.</a:t>
-            </a:r>
+              <a:t>” attached. As a result Bowser is no longer able to call her.</a:t>
+            </a:r>
+          </a:p>
+          <a:p>
+            <a:endParaRPr lang="en-US" noProof="0" dirty="0"/>
           </a:p>
           <a:p>
             <a:r>
@@ -2344,7 +2682,7 @@
     </p:spTree>
     <p:extLst>
       <p:ext uri="{BB962C8B-B14F-4D97-AF65-F5344CB8AC3E}">
-        <p14:creationId xmlns:p14="http://schemas.microsoft.com/office/powerpoint/2010/main" val="3747275599"/>
+        <p14:creationId xmlns:p14="http://schemas.microsoft.com/office/powerpoint/2010/main" val="325304950"/>
       </p:ext>
     </p:extLst>
   </p:cSld>
@@ -15830,6 +16168,1089 @@
         <p:spPr>
           <a:xfrm>
             <a:off x="504000" y="1223190"/>
+            <a:ext cx="10918380" cy="738664"/>
+          </a:xfrm>
+          <a:prstGeom prst="rect">
+            <a:avLst/>
+          </a:prstGeom>
+        </p:spPr>
+        <p:txBody>
+          <a:bodyPr wrap="square">
+            <a:spAutoFit/>
+          </a:bodyPr>
+          <a:lstStyle/>
+          <a:p>
+            <a:pPr marL="342900" indent="-342900">
+              <a:buFont typeface="Wingdings" panose="05000000000000000000" pitchFamily="2" charset="2"/>
+              <a:buChar char="§"/>
+            </a:pPr>
+            <a:r>
+              <a:rPr lang="en-US" dirty="0"/>
+              <a:t>“Firewall”-like restrictions</a:t>
+            </a:r>
+          </a:p>
+          <a:p>
+            <a:pPr marL="342900" indent="-342900">
+              <a:buFont typeface="Wingdings" panose="05000000000000000000" pitchFamily="2" charset="2"/>
+              <a:buChar char="§"/>
+            </a:pPr>
+            <a:r>
+              <a:rPr lang="en-US" dirty="0"/>
+              <a:t>Define egress and ingress rules for a service</a:t>
+            </a:r>
+          </a:p>
+        </p:txBody>
+      </p:sp>
+      <p:sp>
+        <p:nvSpPr>
+          <p:cNvPr id="7" name="Rectangle 6"/>
+          <p:cNvSpPr/>
+          <p:nvPr/>
+        </p:nvSpPr>
+        <p:spPr bwMode="gray">
+          <a:xfrm>
+            <a:off x="3850434" y="3401577"/>
+            <a:ext cx="1315448" cy="1120498"/>
+          </a:xfrm>
+          <a:prstGeom prst="rect">
+            <a:avLst/>
+          </a:prstGeom>
+          <a:ln>
+            <a:headEnd/>
+            <a:tailEnd/>
+          </a:ln>
+        </p:spPr>
+        <p:style>
+          <a:lnRef idx="2">
+            <a:schemeClr val="accent2"/>
+          </a:lnRef>
+          <a:fillRef idx="1">
+            <a:schemeClr val="lt1"/>
+          </a:fillRef>
+          <a:effectRef idx="0">
+            <a:schemeClr val="accent2"/>
+          </a:effectRef>
+          <a:fontRef idx="minor">
+            <a:schemeClr val="dk1"/>
+          </a:fontRef>
+        </p:style>
+        <p:txBody>
+          <a:bodyPr lIns="90000" tIns="72000" rIns="90000" bIns="72000" rtlCol="0" anchor="ctr"/>
+          <a:lstStyle/>
+          <a:p>
+            <a:pPr marR="0" algn="ctr" defTabSz="914400" eaLnBrk="1" fontAlgn="base" latinLnBrk="0" hangingPunct="1">
+              <a:lnSpc>
+                <a:spcPct val="100000"/>
+              </a:lnSpc>
+              <a:spcBef>
+                <a:spcPct val="50000"/>
+              </a:spcBef>
+              <a:spcAft>
+                <a:spcPct val="0"/>
+              </a:spcAft>
+              <a:buClr>
+                <a:srgbClr val="F0AB00"/>
+              </a:buClr>
+              <a:buSzPct val="80000"/>
+              <a:tabLst/>
+            </a:pPr>
+            <a:r>
+              <a:rPr lang="en-US" sz="1800" kern="0" dirty="0">
+                <a:ea typeface="Arial Unicode MS" pitchFamily="34" charset="-128"/>
+                <a:cs typeface="Arial Unicode MS" pitchFamily="34" charset="-128"/>
+              </a:rPr>
+              <a:t>Service</a:t>
+            </a:r>
+          </a:p>
+          <a:p>
+            <a:pPr marR="0" algn="ctr" defTabSz="914400" eaLnBrk="1" fontAlgn="base" latinLnBrk="0" hangingPunct="1">
+              <a:lnSpc>
+                <a:spcPct val="100000"/>
+              </a:lnSpc>
+              <a:spcBef>
+                <a:spcPct val="50000"/>
+              </a:spcBef>
+              <a:spcAft>
+                <a:spcPct val="0"/>
+              </a:spcAft>
+              <a:buClr>
+                <a:srgbClr val="F0AB00"/>
+              </a:buClr>
+              <a:buSzPct val="80000"/>
+              <a:tabLst/>
+            </a:pPr>
+            <a:r>
+              <a:rPr lang="en-US" sz="1800" kern="0" dirty="0">
+                <a:ea typeface="Arial Unicode MS" pitchFamily="34" charset="-128"/>
+                <a:cs typeface="Arial Unicode MS" pitchFamily="34" charset="-128"/>
+              </a:rPr>
+              <a:t>direct-line-to-peach</a:t>
+            </a:r>
+          </a:p>
+        </p:txBody>
+      </p:sp>
+      <p:sp>
+        <p:nvSpPr>
+          <p:cNvPr id="12" name="Rectangle 11"/>
+          <p:cNvSpPr/>
+          <p:nvPr/>
+        </p:nvSpPr>
+        <p:spPr bwMode="gray">
+          <a:xfrm>
+            <a:off x="8479699" y="3567880"/>
+            <a:ext cx="1062486" cy="806724"/>
+          </a:xfrm>
+          <a:prstGeom prst="rect">
+            <a:avLst/>
+          </a:prstGeom>
+          <a:ln>
+            <a:headEnd/>
+            <a:tailEnd/>
+          </a:ln>
+        </p:spPr>
+        <p:style>
+          <a:lnRef idx="2">
+            <a:schemeClr val="accent2"/>
+          </a:lnRef>
+          <a:fillRef idx="1">
+            <a:schemeClr val="lt1"/>
+          </a:fillRef>
+          <a:effectRef idx="0">
+            <a:schemeClr val="accent2"/>
+          </a:effectRef>
+          <a:fontRef idx="minor">
+            <a:schemeClr val="dk1"/>
+          </a:fontRef>
+        </p:style>
+        <p:txBody>
+          <a:bodyPr lIns="90000" tIns="72000" rIns="90000" bIns="72000" rtlCol="0" anchor="ctr"/>
+          <a:lstStyle/>
+          <a:p>
+            <a:pPr marR="0" algn="ctr" defTabSz="914400" eaLnBrk="1" fontAlgn="base" latinLnBrk="0" hangingPunct="1">
+              <a:lnSpc>
+                <a:spcPct val="100000"/>
+              </a:lnSpc>
+              <a:spcBef>
+                <a:spcPct val="50000"/>
+              </a:spcBef>
+              <a:spcAft>
+                <a:spcPct val="0"/>
+              </a:spcAft>
+              <a:buClr>
+                <a:srgbClr val="F0AB00"/>
+              </a:buClr>
+              <a:buSzPct val="80000"/>
+              <a:tabLst/>
+            </a:pPr>
+            <a:r>
+              <a:rPr lang="en-US" sz="1800" kern="0" noProof="0" dirty="0">
+                <a:ea typeface="Arial Unicode MS" pitchFamily="34" charset="-128"/>
+                <a:cs typeface="Arial Unicode MS" pitchFamily="34" charset="-128"/>
+              </a:rPr>
+              <a:t>Peach</a:t>
+            </a:r>
+            <a:endParaRPr kumimoji="0" lang="en-US" sz="1800" b="0" i="0" u="none" strike="noStrike" kern="0" cap="none" spc="0" normalizeH="0" baseline="0" noProof="0" dirty="0">
+              <a:ln>
+                <a:noFill/>
+              </a:ln>
+              <a:effectLst/>
+              <a:uLnTx/>
+              <a:uFillTx/>
+              <a:ea typeface="Arial Unicode MS" pitchFamily="34" charset="-128"/>
+              <a:cs typeface="Arial Unicode MS" pitchFamily="34" charset="-128"/>
+            </a:endParaRPr>
+          </a:p>
+        </p:txBody>
+      </p:sp>
+      <p:cxnSp>
+        <p:nvCxnSpPr>
+          <p:cNvPr id="16" name="Straight Arrow Connector 15"/>
+          <p:cNvCxnSpPr>
+            <a:cxnSpLocks/>
+            <a:stCxn id="28" idx="3"/>
+            <a:endCxn id="7" idx="1"/>
+          </p:cNvCxnSpPr>
+          <p:nvPr/>
+        </p:nvCxnSpPr>
+        <p:spPr>
+          <a:xfrm>
+            <a:off x="2131354" y="3228936"/>
+            <a:ext cx="1719080" cy="732890"/>
+          </a:xfrm>
+          <a:prstGeom prst="straightConnector1">
+            <a:avLst/>
+          </a:prstGeom>
+          <a:ln w="38100">
+            <a:solidFill>
+              <a:schemeClr val="tx2">
+                <a:lumMod val="60000"/>
+                <a:lumOff val="40000"/>
+              </a:schemeClr>
+            </a:solidFill>
+            <a:headEnd type="none" w="med" len="med"/>
+            <a:tailEnd type="triangle"/>
+          </a:ln>
+        </p:spPr>
+        <p:style>
+          <a:lnRef idx="1">
+            <a:schemeClr val="accent1"/>
+          </a:lnRef>
+          <a:fillRef idx="0">
+            <a:schemeClr val="accent1"/>
+          </a:fillRef>
+          <a:effectRef idx="0">
+            <a:schemeClr val="accent1"/>
+          </a:effectRef>
+          <a:fontRef idx="minor">
+            <a:schemeClr val="tx1"/>
+          </a:fontRef>
+        </p:style>
+      </p:cxnSp>
+      <p:sp>
+        <p:nvSpPr>
+          <p:cNvPr id="22" name="Rectangle: Single Corner Snipped 21"/>
+          <p:cNvSpPr/>
+          <p:nvPr/>
+        </p:nvSpPr>
+        <p:spPr bwMode="gray">
+          <a:xfrm>
+            <a:off x="6032354" y="4818501"/>
+            <a:ext cx="2322768" cy="954325"/>
+          </a:xfrm>
+          <a:prstGeom prst="snip1Rect">
+            <a:avLst/>
+          </a:prstGeom>
+          <a:ln>
+            <a:headEnd/>
+            <a:tailEnd/>
+          </a:ln>
+        </p:spPr>
+        <p:style>
+          <a:lnRef idx="2">
+            <a:schemeClr val="accent2"/>
+          </a:lnRef>
+          <a:fillRef idx="1">
+            <a:schemeClr val="lt1"/>
+          </a:fillRef>
+          <a:effectRef idx="0">
+            <a:schemeClr val="accent2"/>
+          </a:effectRef>
+          <a:fontRef idx="minor">
+            <a:schemeClr val="dk1"/>
+          </a:fontRef>
+        </p:style>
+        <p:txBody>
+          <a:bodyPr lIns="90000" tIns="72000" rIns="90000" bIns="72000" rtlCol="0" anchor="ctr"/>
+          <a:lstStyle/>
+          <a:p>
+            <a:pPr marR="0" algn="ctr" defTabSz="914400" eaLnBrk="1" fontAlgn="base" latinLnBrk="0" hangingPunct="1">
+              <a:lnSpc>
+                <a:spcPct val="100000"/>
+              </a:lnSpc>
+              <a:spcBef>
+                <a:spcPct val="50000"/>
+              </a:spcBef>
+              <a:spcAft>
+                <a:spcPct val="0"/>
+              </a:spcAft>
+              <a:buClr>
+                <a:srgbClr val="F0AB00"/>
+              </a:buClr>
+              <a:buSzPct val="80000"/>
+              <a:tabLst/>
+            </a:pPr>
+            <a:r>
+              <a:rPr lang="en-US" sz="1800" kern="0" dirty="0">
+                <a:ea typeface="Arial Unicode MS" pitchFamily="34" charset="-128"/>
+                <a:cs typeface="Arial Unicode MS" pitchFamily="34" charset="-128"/>
+              </a:rPr>
+              <a:t>Network Policy</a:t>
+            </a:r>
+            <a:endParaRPr kumimoji="0" lang="en-US" sz="1800" b="0" i="0" u="none" strike="noStrike" kern="0" cap="none" spc="0" normalizeH="0" baseline="0" noProof="0" dirty="0">
+              <a:ln>
+                <a:noFill/>
+              </a:ln>
+              <a:effectLst/>
+              <a:uLnTx/>
+              <a:uFillTx/>
+              <a:ea typeface="Arial Unicode MS" pitchFamily="34" charset="-128"/>
+              <a:cs typeface="Arial Unicode MS" pitchFamily="34" charset="-128"/>
+            </a:endParaRPr>
+          </a:p>
+        </p:txBody>
+      </p:sp>
+      <p:cxnSp>
+        <p:nvCxnSpPr>
+          <p:cNvPr id="24" name="Straight Arrow Connector 23"/>
+          <p:cNvCxnSpPr>
+            <a:cxnSpLocks/>
+            <a:stCxn id="22" idx="3"/>
+          </p:cNvCxnSpPr>
+          <p:nvPr/>
+        </p:nvCxnSpPr>
+        <p:spPr>
+          <a:xfrm flipV="1">
+            <a:off x="7193738" y="4071790"/>
+            <a:ext cx="0" cy="746711"/>
+          </a:xfrm>
+          <a:prstGeom prst="straightConnector1">
+            <a:avLst/>
+          </a:prstGeom>
+          <a:ln w="38100">
+            <a:solidFill>
+              <a:schemeClr val="tx2">
+                <a:lumMod val="60000"/>
+                <a:lumOff val="40000"/>
+              </a:schemeClr>
+            </a:solidFill>
+            <a:headEnd type="none" w="med" len="med"/>
+            <a:tailEnd type="triangle"/>
+          </a:ln>
+        </p:spPr>
+        <p:style>
+          <a:lnRef idx="1">
+            <a:schemeClr val="accent1"/>
+          </a:lnRef>
+          <a:fillRef idx="0">
+            <a:schemeClr val="accent1"/>
+          </a:fillRef>
+          <a:effectRef idx="0">
+            <a:schemeClr val="accent1"/>
+          </a:effectRef>
+          <a:fontRef idx="minor">
+            <a:schemeClr val="tx1"/>
+          </a:fontRef>
+        </p:style>
+      </p:cxnSp>
+      <p:cxnSp>
+        <p:nvCxnSpPr>
+          <p:cNvPr id="27" name="Straight Arrow Connector 26"/>
+          <p:cNvCxnSpPr>
+            <a:cxnSpLocks/>
+            <a:stCxn id="7" idx="3"/>
+            <a:endCxn id="12" idx="1"/>
+          </p:cNvCxnSpPr>
+          <p:nvPr/>
+        </p:nvCxnSpPr>
+        <p:spPr>
+          <a:xfrm>
+            <a:off x="5165882" y="3961826"/>
+            <a:ext cx="3313817" cy="9416"/>
+          </a:xfrm>
+          <a:prstGeom prst="straightConnector1">
+            <a:avLst/>
+          </a:prstGeom>
+          <a:ln w="38100">
+            <a:solidFill>
+              <a:schemeClr val="tx2">
+                <a:lumMod val="60000"/>
+                <a:lumOff val="40000"/>
+              </a:schemeClr>
+            </a:solidFill>
+            <a:headEnd type="none" w="med" len="med"/>
+            <a:tailEnd type="triangle"/>
+          </a:ln>
+        </p:spPr>
+        <p:style>
+          <a:lnRef idx="1">
+            <a:schemeClr val="accent1"/>
+          </a:lnRef>
+          <a:fillRef idx="0">
+            <a:schemeClr val="accent1"/>
+          </a:fillRef>
+          <a:effectRef idx="0">
+            <a:schemeClr val="accent1"/>
+          </a:effectRef>
+          <a:fontRef idx="minor">
+            <a:schemeClr val="tx1"/>
+          </a:fontRef>
+        </p:style>
+      </p:cxnSp>
+      <p:sp>
+        <p:nvSpPr>
+          <p:cNvPr id="36" name="Lightning Bolt 35"/>
+          <p:cNvSpPr/>
+          <p:nvPr/>
+        </p:nvSpPr>
+        <p:spPr bwMode="gray">
+          <a:xfrm>
+            <a:off x="6752698" y="4071790"/>
+            <a:ext cx="303473" cy="499599"/>
+          </a:xfrm>
+          <a:prstGeom prst="lightningBolt">
+            <a:avLst/>
+          </a:prstGeom>
+          <a:ln>
+            <a:headEnd/>
+            <a:tailEnd/>
+          </a:ln>
+        </p:spPr>
+        <p:style>
+          <a:lnRef idx="2">
+            <a:schemeClr val="accent5">
+              <a:shade val="50000"/>
+            </a:schemeClr>
+          </a:lnRef>
+          <a:fillRef idx="1">
+            <a:schemeClr val="accent5"/>
+          </a:fillRef>
+          <a:effectRef idx="0">
+            <a:schemeClr val="accent5"/>
+          </a:effectRef>
+          <a:fontRef idx="minor">
+            <a:schemeClr val="lt1"/>
+          </a:fontRef>
+        </p:style>
+        <p:txBody>
+          <a:bodyPr lIns="90000" tIns="72000" rIns="90000" bIns="72000" rtlCol="0" anchor="ctr"/>
+          <a:lstStyle/>
+          <a:p>
+            <a:pPr marR="0" algn="ctr" defTabSz="914400" eaLnBrk="1" fontAlgn="base" latinLnBrk="0" hangingPunct="1">
+              <a:lnSpc>
+                <a:spcPct val="100000"/>
+              </a:lnSpc>
+              <a:spcBef>
+                <a:spcPct val="50000"/>
+              </a:spcBef>
+              <a:spcAft>
+                <a:spcPct val="0"/>
+              </a:spcAft>
+              <a:buClr>
+                <a:srgbClr val="F0AB00"/>
+              </a:buClr>
+              <a:buSzPct val="80000"/>
+              <a:tabLst/>
+            </a:pPr>
+            <a:endParaRPr kumimoji="0" lang="en-US" sz="1800" b="0" i="0" u="none" strike="noStrike" kern="0" cap="none" spc="0" normalizeH="0" baseline="0" noProof="0" dirty="0" err="1">
+              <a:ln>
+                <a:noFill/>
+              </a:ln>
+              <a:effectLst/>
+              <a:uLnTx/>
+              <a:uFillTx/>
+              <a:ea typeface="Arial Unicode MS" pitchFamily="34" charset="-128"/>
+              <a:cs typeface="Arial Unicode MS" pitchFamily="34" charset="-128"/>
+            </a:endParaRPr>
+          </a:p>
+        </p:txBody>
+      </p:sp>
+      <p:sp>
+        <p:nvSpPr>
+          <p:cNvPr id="28" name="Rectangle 27"/>
+          <p:cNvSpPr/>
+          <p:nvPr/>
+        </p:nvSpPr>
+        <p:spPr bwMode="gray">
+          <a:xfrm>
+            <a:off x="1068868" y="2825574"/>
+            <a:ext cx="1062486" cy="806724"/>
+          </a:xfrm>
+          <a:prstGeom prst="rect">
+            <a:avLst/>
+          </a:prstGeom>
+          <a:ln>
+            <a:headEnd/>
+            <a:tailEnd/>
+          </a:ln>
+        </p:spPr>
+        <p:style>
+          <a:lnRef idx="2">
+            <a:schemeClr val="accent2"/>
+          </a:lnRef>
+          <a:fillRef idx="1">
+            <a:schemeClr val="lt1"/>
+          </a:fillRef>
+          <a:effectRef idx="0">
+            <a:schemeClr val="accent2"/>
+          </a:effectRef>
+          <a:fontRef idx="minor">
+            <a:schemeClr val="dk1"/>
+          </a:fontRef>
+        </p:style>
+        <p:txBody>
+          <a:bodyPr lIns="90000" tIns="72000" rIns="90000" bIns="72000" rtlCol="0" anchor="ctr"/>
+          <a:lstStyle/>
+          <a:p>
+            <a:pPr marR="0" algn="ctr" defTabSz="914400" eaLnBrk="1" fontAlgn="base" latinLnBrk="0" hangingPunct="1">
+              <a:lnSpc>
+                <a:spcPct val="100000"/>
+              </a:lnSpc>
+              <a:spcBef>
+                <a:spcPct val="50000"/>
+              </a:spcBef>
+              <a:spcAft>
+                <a:spcPct val="0"/>
+              </a:spcAft>
+              <a:buClr>
+                <a:srgbClr val="F0AB00"/>
+              </a:buClr>
+              <a:buSzPct val="80000"/>
+              <a:tabLst/>
+            </a:pPr>
+            <a:r>
+              <a:rPr lang="en-US" sz="1800" kern="0" noProof="0" dirty="0">
+                <a:ea typeface="Arial Unicode MS" pitchFamily="34" charset="-128"/>
+                <a:cs typeface="Arial Unicode MS" pitchFamily="34" charset="-128"/>
+              </a:rPr>
+              <a:t>Mario</a:t>
+            </a:r>
+            <a:endParaRPr kumimoji="0" lang="en-US" sz="1800" b="0" i="0" u="none" strike="noStrike" kern="0" cap="none" spc="0" normalizeH="0" baseline="0" noProof="0" dirty="0">
+              <a:ln>
+                <a:noFill/>
+              </a:ln>
+              <a:effectLst/>
+              <a:uLnTx/>
+              <a:uFillTx/>
+              <a:ea typeface="Arial Unicode MS" pitchFamily="34" charset="-128"/>
+              <a:cs typeface="Arial Unicode MS" pitchFamily="34" charset="-128"/>
+            </a:endParaRPr>
+          </a:p>
+        </p:txBody>
+      </p:sp>
+      <p:sp>
+        <p:nvSpPr>
+          <p:cNvPr id="29" name="Rectangle 28"/>
+          <p:cNvSpPr/>
+          <p:nvPr/>
+        </p:nvSpPr>
+        <p:spPr bwMode="gray">
+          <a:xfrm>
+            <a:off x="1068868" y="4488940"/>
+            <a:ext cx="1062486" cy="806724"/>
+          </a:xfrm>
+          <a:prstGeom prst="rect">
+            <a:avLst/>
+          </a:prstGeom>
+          <a:ln>
+            <a:headEnd/>
+            <a:tailEnd/>
+          </a:ln>
+        </p:spPr>
+        <p:style>
+          <a:lnRef idx="2">
+            <a:schemeClr val="accent2"/>
+          </a:lnRef>
+          <a:fillRef idx="1">
+            <a:schemeClr val="lt1"/>
+          </a:fillRef>
+          <a:effectRef idx="0">
+            <a:schemeClr val="accent2"/>
+          </a:effectRef>
+          <a:fontRef idx="minor">
+            <a:schemeClr val="dk1"/>
+          </a:fontRef>
+        </p:style>
+        <p:txBody>
+          <a:bodyPr lIns="90000" tIns="72000" rIns="90000" bIns="72000" rtlCol="0" anchor="ctr"/>
+          <a:lstStyle/>
+          <a:p>
+            <a:pPr marR="0" algn="ctr" defTabSz="914400" eaLnBrk="1" fontAlgn="base" latinLnBrk="0" hangingPunct="1">
+              <a:lnSpc>
+                <a:spcPct val="100000"/>
+              </a:lnSpc>
+              <a:spcBef>
+                <a:spcPct val="50000"/>
+              </a:spcBef>
+              <a:spcAft>
+                <a:spcPct val="0"/>
+              </a:spcAft>
+              <a:buClr>
+                <a:srgbClr val="F0AB00"/>
+              </a:buClr>
+              <a:buSzPct val="80000"/>
+              <a:tabLst/>
+            </a:pPr>
+            <a:r>
+              <a:rPr lang="en-US" sz="1800" kern="0" noProof="0" dirty="0">
+                <a:ea typeface="Arial Unicode MS" pitchFamily="34" charset="-128"/>
+                <a:cs typeface="Arial Unicode MS" pitchFamily="34" charset="-128"/>
+              </a:rPr>
+              <a:t>Bowser</a:t>
+            </a:r>
+            <a:endParaRPr kumimoji="0" lang="en-US" sz="1800" b="0" i="0" u="none" strike="noStrike" kern="0" cap="none" spc="0" normalizeH="0" baseline="0" noProof="0" dirty="0">
+              <a:ln>
+                <a:noFill/>
+              </a:ln>
+              <a:effectLst/>
+              <a:uLnTx/>
+              <a:uFillTx/>
+              <a:ea typeface="Arial Unicode MS" pitchFamily="34" charset="-128"/>
+              <a:cs typeface="Arial Unicode MS" pitchFamily="34" charset="-128"/>
+            </a:endParaRPr>
+          </a:p>
+        </p:txBody>
+      </p:sp>
+      <p:cxnSp>
+        <p:nvCxnSpPr>
+          <p:cNvPr id="30" name="Straight Arrow Connector 29"/>
+          <p:cNvCxnSpPr>
+            <a:cxnSpLocks/>
+            <a:stCxn id="29" idx="3"/>
+            <a:endCxn id="7" idx="1"/>
+          </p:cNvCxnSpPr>
+          <p:nvPr/>
+        </p:nvCxnSpPr>
+        <p:spPr>
+          <a:xfrm flipV="1">
+            <a:off x="2131354" y="3961826"/>
+            <a:ext cx="1719080" cy="930476"/>
+          </a:xfrm>
+          <a:prstGeom prst="straightConnector1">
+            <a:avLst/>
+          </a:prstGeom>
+          <a:ln w="38100">
+            <a:solidFill>
+              <a:schemeClr val="accent5"/>
+            </a:solidFill>
+            <a:headEnd type="none" w="med" len="med"/>
+            <a:tailEnd type="triangle"/>
+          </a:ln>
+        </p:spPr>
+        <p:style>
+          <a:lnRef idx="1">
+            <a:schemeClr val="accent1"/>
+          </a:lnRef>
+          <a:fillRef idx="0">
+            <a:schemeClr val="accent1"/>
+          </a:fillRef>
+          <a:effectRef idx="0">
+            <a:schemeClr val="accent1"/>
+          </a:effectRef>
+          <a:fontRef idx="minor">
+            <a:schemeClr val="tx1"/>
+          </a:fontRef>
+        </p:style>
+      </p:cxnSp>
+      <p:sp>
+        <p:nvSpPr>
+          <p:cNvPr id="39" name="Flowchart: Document 38"/>
+          <p:cNvSpPr/>
+          <p:nvPr/>
+        </p:nvSpPr>
+        <p:spPr bwMode="gray">
+          <a:xfrm>
+            <a:off x="8079509" y="5506571"/>
+            <a:ext cx="1826452" cy="766354"/>
+          </a:xfrm>
+          <a:prstGeom prst="flowChartDocument">
+            <a:avLst/>
+          </a:prstGeom>
+          <a:ln>
+            <a:headEnd/>
+            <a:tailEnd/>
+          </a:ln>
+        </p:spPr>
+        <p:style>
+          <a:lnRef idx="2">
+            <a:schemeClr val="accent5"/>
+          </a:lnRef>
+          <a:fillRef idx="1">
+            <a:schemeClr val="lt1"/>
+          </a:fillRef>
+          <a:effectRef idx="0">
+            <a:schemeClr val="accent5"/>
+          </a:effectRef>
+          <a:fontRef idx="minor">
+            <a:schemeClr val="dk1"/>
+          </a:fontRef>
+        </p:style>
+        <p:txBody>
+          <a:bodyPr lIns="90000" tIns="72000" rIns="90000" bIns="72000" rtlCol="0" anchor="ctr"/>
+          <a:lstStyle/>
+          <a:p>
+            <a:pPr algn="ctr" defTabSz="914400" fontAlgn="base">
+              <a:spcBef>
+                <a:spcPct val="50000"/>
+              </a:spcBef>
+              <a:spcAft>
+                <a:spcPct val="0"/>
+              </a:spcAft>
+              <a:buClr>
+                <a:srgbClr val="F0AB00"/>
+              </a:buClr>
+              <a:buSzPct val="80000"/>
+            </a:pPr>
+            <a:r>
+              <a:rPr lang="en-US" sz="1800" kern="0" dirty="0">
+                <a:ea typeface="Arial Unicode MS" pitchFamily="34" charset="-128"/>
+                <a:cs typeface="Arial Unicode MS" pitchFamily="34" charset="-128"/>
+              </a:rPr>
+              <a:t>Selector: location: castle</a:t>
+            </a:r>
+          </a:p>
+        </p:txBody>
+      </p:sp>
+      <p:sp>
+        <p:nvSpPr>
+          <p:cNvPr id="49" name="Rectangle 48"/>
+          <p:cNvSpPr/>
+          <p:nvPr/>
+        </p:nvSpPr>
+        <p:spPr bwMode="gray">
+          <a:xfrm>
+            <a:off x="9018808" y="3228936"/>
+            <a:ext cx="1774306" cy="521824"/>
+          </a:xfrm>
+          <a:prstGeom prst="rect">
+            <a:avLst/>
+          </a:prstGeom>
+          <a:ln>
+            <a:headEnd/>
+            <a:tailEnd/>
+          </a:ln>
+        </p:spPr>
+        <p:style>
+          <a:lnRef idx="2">
+            <a:schemeClr val="accent2"/>
+          </a:lnRef>
+          <a:fillRef idx="1">
+            <a:schemeClr val="lt1"/>
+          </a:fillRef>
+          <a:effectRef idx="0">
+            <a:schemeClr val="accent2"/>
+          </a:effectRef>
+          <a:fontRef idx="minor">
+            <a:schemeClr val="dk1"/>
+          </a:fontRef>
+        </p:style>
+        <p:txBody>
+          <a:bodyPr lIns="90000" tIns="72000" rIns="90000" bIns="72000" rtlCol="0" anchor="ctr"/>
+          <a:lstStyle/>
+          <a:p>
+            <a:pPr marR="0" algn="ctr" defTabSz="914400" eaLnBrk="1" fontAlgn="base" latinLnBrk="0" hangingPunct="1">
+              <a:lnSpc>
+                <a:spcPct val="100000"/>
+              </a:lnSpc>
+              <a:spcBef>
+                <a:spcPct val="50000"/>
+              </a:spcBef>
+              <a:spcAft>
+                <a:spcPct val="0"/>
+              </a:spcAft>
+              <a:buClr>
+                <a:srgbClr val="F0AB00"/>
+              </a:buClr>
+              <a:buSzPct val="80000"/>
+              <a:tabLst/>
+            </a:pPr>
+            <a:r>
+              <a:rPr lang="de-DE" sz="1800" kern="0" dirty="0" err="1">
+                <a:ea typeface="Arial Unicode MS" pitchFamily="34" charset="-128"/>
+                <a:cs typeface="Arial Unicode MS" pitchFamily="34" charset="-128"/>
+              </a:rPr>
+              <a:t>location</a:t>
+            </a:r>
+            <a:r>
+              <a:rPr lang="de-DE" sz="1800" kern="0" dirty="0">
+                <a:ea typeface="Arial Unicode MS" pitchFamily="34" charset="-128"/>
+                <a:cs typeface="Arial Unicode MS" pitchFamily="34" charset="-128"/>
+              </a:rPr>
+              <a:t>: </a:t>
+            </a:r>
+            <a:r>
+              <a:rPr lang="de-DE" sz="1800" kern="0" dirty="0" err="1">
+                <a:ea typeface="Arial Unicode MS" pitchFamily="34" charset="-128"/>
+                <a:cs typeface="Arial Unicode MS" pitchFamily="34" charset="-128"/>
+              </a:rPr>
+              <a:t>castle</a:t>
+            </a:r>
+            <a:endParaRPr kumimoji="0" lang="de-DE" sz="1800" b="0" i="0" u="none" strike="noStrike" kern="0" cap="none" spc="0" normalizeH="0" baseline="0" noProof="0" dirty="0">
+              <a:ln>
+                <a:noFill/>
+              </a:ln>
+              <a:effectLst/>
+              <a:uLnTx/>
+              <a:uFillTx/>
+              <a:ea typeface="Arial Unicode MS" pitchFamily="34" charset="-128"/>
+              <a:cs typeface="Arial Unicode MS" pitchFamily="34" charset="-128"/>
+            </a:endParaRPr>
+          </a:p>
+        </p:txBody>
+      </p:sp>
+      <p:sp>
+        <p:nvSpPr>
+          <p:cNvPr id="50" name="Flowchart: Document 49"/>
+          <p:cNvSpPr/>
+          <p:nvPr/>
+        </p:nvSpPr>
+        <p:spPr bwMode="gray">
+          <a:xfrm>
+            <a:off x="4863671" y="5506571"/>
+            <a:ext cx="1506583" cy="766354"/>
+          </a:xfrm>
+          <a:prstGeom prst="flowChartDocument">
+            <a:avLst/>
+          </a:prstGeom>
+          <a:ln>
+            <a:headEnd/>
+            <a:tailEnd/>
+          </a:ln>
+        </p:spPr>
+        <p:style>
+          <a:lnRef idx="2">
+            <a:schemeClr val="accent5"/>
+          </a:lnRef>
+          <a:fillRef idx="1">
+            <a:schemeClr val="lt1"/>
+          </a:fillRef>
+          <a:effectRef idx="0">
+            <a:schemeClr val="accent5"/>
+          </a:effectRef>
+          <a:fontRef idx="minor">
+            <a:schemeClr val="dk1"/>
+          </a:fontRef>
+        </p:style>
+        <p:txBody>
+          <a:bodyPr lIns="90000" tIns="72000" rIns="90000" bIns="72000" rtlCol="0" anchor="ctr"/>
+          <a:lstStyle/>
+          <a:p>
+            <a:pPr algn="ctr" defTabSz="914400" fontAlgn="base">
+              <a:spcBef>
+                <a:spcPct val="50000"/>
+              </a:spcBef>
+              <a:spcAft>
+                <a:spcPct val="0"/>
+              </a:spcAft>
+              <a:buClr>
+                <a:srgbClr val="F0AB00"/>
+              </a:buClr>
+              <a:buSzPct val="80000"/>
+            </a:pPr>
+            <a:r>
+              <a:rPr lang="en-US" sz="1800" kern="0" dirty="0">
+                <a:ea typeface="Arial Unicode MS" pitchFamily="34" charset="-128"/>
+                <a:cs typeface="Arial Unicode MS" pitchFamily="34" charset="-128"/>
+              </a:rPr>
+              <a:t>Selector: caller: </a:t>
+            </a:r>
+            <a:r>
+              <a:rPr lang="en-US" sz="1800" kern="0" dirty="0" err="1">
+                <a:ea typeface="Arial Unicode MS" pitchFamily="34" charset="-128"/>
+                <a:cs typeface="Arial Unicode MS" pitchFamily="34" charset="-128"/>
+              </a:rPr>
+              <a:t>mario</a:t>
+            </a:r>
+            <a:endParaRPr lang="en-US" sz="1800" kern="0" dirty="0">
+              <a:ea typeface="Arial Unicode MS" pitchFamily="34" charset="-128"/>
+              <a:cs typeface="Arial Unicode MS" pitchFamily="34" charset="-128"/>
+            </a:endParaRPr>
+          </a:p>
+        </p:txBody>
+      </p:sp>
+      <p:sp>
+        <p:nvSpPr>
+          <p:cNvPr id="51" name="Rectangle 50"/>
+          <p:cNvSpPr/>
+          <p:nvPr/>
+        </p:nvSpPr>
+        <p:spPr bwMode="gray">
+          <a:xfrm>
+            <a:off x="1600111" y="2574739"/>
+            <a:ext cx="1645920" cy="365760"/>
+          </a:xfrm>
+          <a:prstGeom prst="rect">
+            <a:avLst/>
+          </a:prstGeom>
+          <a:ln>
+            <a:headEnd/>
+            <a:tailEnd/>
+          </a:ln>
+        </p:spPr>
+        <p:style>
+          <a:lnRef idx="2">
+            <a:schemeClr val="accent2"/>
+          </a:lnRef>
+          <a:fillRef idx="1">
+            <a:schemeClr val="lt1"/>
+          </a:fillRef>
+          <a:effectRef idx="0">
+            <a:schemeClr val="accent2"/>
+          </a:effectRef>
+          <a:fontRef idx="minor">
+            <a:schemeClr val="dk1"/>
+          </a:fontRef>
+        </p:style>
+        <p:txBody>
+          <a:bodyPr lIns="90000" tIns="72000" rIns="90000" bIns="72000" rtlCol="0" anchor="ctr"/>
+          <a:lstStyle/>
+          <a:p>
+            <a:pPr marR="0" algn="ctr" defTabSz="914400" eaLnBrk="1" fontAlgn="base" latinLnBrk="0" hangingPunct="1">
+              <a:lnSpc>
+                <a:spcPct val="100000"/>
+              </a:lnSpc>
+              <a:spcBef>
+                <a:spcPct val="50000"/>
+              </a:spcBef>
+              <a:spcAft>
+                <a:spcPct val="0"/>
+              </a:spcAft>
+              <a:buClr>
+                <a:srgbClr val="F0AB00"/>
+              </a:buClr>
+              <a:buSzPct val="80000"/>
+              <a:tabLst/>
+            </a:pPr>
+            <a:r>
+              <a:rPr lang="de-DE" sz="1800" kern="0" dirty="0" err="1">
+                <a:ea typeface="Arial Unicode MS" pitchFamily="34" charset="-128"/>
+                <a:cs typeface="Arial Unicode MS" pitchFamily="34" charset="-128"/>
+              </a:rPr>
+              <a:t>caller</a:t>
+            </a:r>
+            <a:r>
+              <a:rPr lang="de-DE" sz="1800" kern="0" dirty="0">
+                <a:ea typeface="Arial Unicode MS" pitchFamily="34" charset="-128"/>
+                <a:cs typeface="Arial Unicode MS" pitchFamily="34" charset="-128"/>
+              </a:rPr>
+              <a:t>: </a:t>
+            </a:r>
+            <a:r>
+              <a:rPr lang="de-DE" sz="1800" kern="0" dirty="0" err="1">
+                <a:ea typeface="Arial Unicode MS" pitchFamily="34" charset="-128"/>
+                <a:cs typeface="Arial Unicode MS" pitchFamily="34" charset="-128"/>
+              </a:rPr>
+              <a:t>mario</a:t>
+            </a:r>
+            <a:endParaRPr kumimoji="0" lang="de-DE" sz="1800" b="0" i="0" u="none" strike="noStrike" kern="0" cap="none" spc="0" normalizeH="0" baseline="0" noProof="0" dirty="0">
+              <a:ln>
+                <a:noFill/>
+              </a:ln>
+              <a:effectLst/>
+              <a:uLnTx/>
+              <a:uFillTx/>
+              <a:ea typeface="Arial Unicode MS" pitchFamily="34" charset="-128"/>
+              <a:cs typeface="Arial Unicode MS" pitchFamily="34" charset="-128"/>
+            </a:endParaRPr>
+          </a:p>
+        </p:txBody>
+      </p:sp>
+      <p:sp>
+        <p:nvSpPr>
+          <p:cNvPr id="21" name="Flowchart: Document 20">
+            <a:extLst>
+              <a:ext uri="{FF2B5EF4-FFF2-40B4-BE49-F238E27FC236}">
+                <a16:creationId xmlns:a16="http://schemas.microsoft.com/office/drawing/2014/main" id="{3F4627F5-3267-4CEF-9A64-0ACC08646BB2}"/>
+              </a:ext>
+            </a:extLst>
+          </p:cNvPr>
+          <p:cNvSpPr/>
+          <p:nvPr/>
+        </p:nvSpPr>
+        <p:spPr bwMode="gray">
+          <a:xfrm>
+            <a:off x="4863671" y="2740245"/>
+            <a:ext cx="1826452" cy="766354"/>
+          </a:xfrm>
+          <a:prstGeom prst="flowChartDocument">
+            <a:avLst/>
+          </a:prstGeom>
+          <a:ln>
+            <a:headEnd/>
+            <a:tailEnd/>
+          </a:ln>
+        </p:spPr>
+        <p:style>
+          <a:lnRef idx="2">
+            <a:schemeClr val="accent5"/>
+          </a:lnRef>
+          <a:fillRef idx="1">
+            <a:schemeClr val="lt1"/>
+          </a:fillRef>
+          <a:effectRef idx="0">
+            <a:schemeClr val="accent5"/>
+          </a:effectRef>
+          <a:fontRef idx="minor">
+            <a:schemeClr val="dk1"/>
+          </a:fontRef>
+        </p:style>
+        <p:txBody>
+          <a:bodyPr lIns="90000" tIns="72000" rIns="90000" bIns="72000" rtlCol="0" anchor="ctr"/>
+          <a:lstStyle/>
+          <a:p>
+            <a:pPr algn="ctr" defTabSz="914400" fontAlgn="base">
+              <a:spcBef>
+                <a:spcPct val="50000"/>
+              </a:spcBef>
+              <a:spcAft>
+                <a:spcPct val="0"/>
+              </a:spcAft>
+              <a:buClr>
+                <a:srgbClr val="F0AB00"/>
+              </a:buClr>
+              <a:buSzPct val="80000"/>
+            </a:pPr>
+            <a:r>
+              <a:rPr lang="en-US" sz="1800" kern="0" dirty="0">
+                <a:ea typeface="Arial Unicode MS" pitchFamily="34" charset="-128"/>
+                <a:cs typeface="Arial Unicode MS" pitchFamily="34" charset="-128"/>
+              </a:rPr>
+              <a:t>Selector: location: castle</a:t>
+            </a:r>
+          </a:p>
+        </p:txBody>
+      </p:sp>
+    </p:spTree>
+    <p:extLst>
+      <p:ext uri="{BB962C8B-B14F-4D97-AF65-F5344CB8AC3E}">
+        <p14:creationId xmlns:p14="http://schemas.microsoft.com/office/powerpoint/2010/main" val="3675271692"/>
+      </p:ext>
+    </p:extLst>
+  </p:cSld>
+  <p:clrMapOvr>
+    <a:masterClrMapping/>
+  </p:clrMapOvr>
+</p:sld>
+</file>
+
+<file path=ppt/slides/slide11.xml><?xml version="1.0" encoding="utf-8"?>
+<p:sld xmlns:a="http://schemas.openxmlformats.org/drawingml/2006/main" xmlns:r="http://schemas.openxmlformats.org/officeDocument/2006/relationships" xmlns:p="http://schemas.openxmlformats.org/presentationml/2006/main" show="0">
+  <p:cSld>
+    <p:spTree>
+      <p:nvGrpSpPr>
+        <p:cNvPr id="1" name=""/>
+        <p:cNvGrpSpPr/>
+        <p:nvPr/>
+      </p:nvGrpSpPr>
+      <p:grpSpPr>
+        <a:xfrm>
+          <a:off x="0" y="0"/>
+          <a:ext cx="0" cy="0"/>
+          <a:chOff x="0" y="0"/>
+          <a:chExt cx="0" cy="0"/>
+        </a:xfrm>
+      </p:grpSpPr>
+      <p:sp>
+        <p:nvSpPr>
+          <p:cNvPr id="2" name="Title 1"/>
+          <p:cNvSpPr>
+            <a:spLocks noGrp="1"/>
+          </p:cNvSpPr>
+          <p:nvPr>
+            <p:ph type="title"/>
+          </p:nvPr>
+        </p:nvSpPr>
+        <p:spPr/>
+        <p:txBody>
+          <a:bodyPr/>
+          <a:lstStyle/>
+          <a:p>
+            <a:r>
+              <a:rPr lang="en-US" dirty="0" err="1"/>
+              <a:t>NetworkPolicy</a:t>
+            </a:r>
+            <a:endParaRPr lang="en-US" dirty="0"/>
+          </a:p>
+        </p:txBody>
+      </p:sp>
+      <p:sp>
+        <p:nvSpPr>
+          <p:cNvPr id="8" name="Rectangle 7"/>
+          <p:cNvSpPr/>
+          <p:nvPr/>
+        </p:nvSpPr>
+        <p:spPr>
+          <a:xfrm>
+            <a:off x="504000" y="1223190"/>
             <a:ext cx="10918380" cy="1061829"/>
           </a:xfrm>
           <a:prstGeom prst="rect">
@@ -16884,7 +18305,7 @@
 </p:sld>
 </file>
 
-<file path=ppt/slides/slide11.xml><?xml version="1.0" encoding="utf-8"?>
+<file path=ppt/slides/slide12.xml><?xml version="1.0" encoding="utf-8"?>
 <p:sld xmlns:a="http://schemas.openxmlformats.org/drawingml/2006/main" xmlns:r="http://schemas.openxmlformats.org/officeDocument/2006/relationships" xmlns:p="http://schemas.openxmlformats.org/presentationml/2006/main">
   <p:cSld>
     <p:spTree>
@@ -18107,7 +19528,7 @@
 </p:sld>
 </file>
 
-<file path=ppt/slides/slide12.xml><?xml version="1.0" encoding="utf-8"?>
+<file path=ppt/slides/slide13.xml><?xml version="1.0" encoding="utf-8"?>
 <p:sld xmlns:a="http://schemas.openxmlformats.org/drawingml/2006/main" xmlns:r="http://schemas.openxmlformats.org/officeDocument/2006/relationships" xmlns:p="http://schemas.openxmlformats.org/presentationml/2006/main">
   <p:cSld>
     <p:spTree>
@@ -19327,7 +20748,7 @@
 </p:sld>
 </file>
 
-<file path=ppt/slides/slide13.xml><?xml version="1.0" encoding="utf-8"?>
+<file path=ppt/slides/slide14.xml><?xml version="1.0" encoding="utf-8"?>
 <p:sld xmlns:a="http://schemas.openxmlformats.org/drawingml/2006/main" xmlns:r="http://schemas.openxmlformats.org/officeDocument/2006/relationships" xmlns:p="http://schemas.openxmlformats.org/presentationml/2006/main">
   <p:cSld>
     <p:spTree>
@@ -20432,7 +21853,7 @@
 </p:sld>
 </file>
 
-<file path=ppt/slides/slide14.xml><?xml version="1.0" encoding="utf-8"?>
+<file path=ppt/slides/slide15.xml><?xml version="1.0" encoding="utf-8"?>
 <p:sld xmlns:a="http://schemas.openxmlformats.org/drawingml/2006/main" xmlns:r="http://schemas.openxmlformats.org/officeDocument/2006/relationships" xmlns:p="http://schemas.openxmlformats.org/presentationml/2006/main">
   <p:cSld>
     <p:spTree>
@@ -20564,7 +21985,7 @@
 </p:sld>
 </file>
 
-<file path=ppt/slides/slide15.xml><?xml version="1.0" encoding="utf-8"?>
+<file path=ppt/slides/slide16.xml><?xml version="1.0" encoding="utf-8"?>
 <p:sld xmlns:a="http://schemas.openxmlformats.org/drawingml/2006/main" xmlns:r="http://schemas.openxmlformats.org/officeDocument/2006/relationships" xmlns:p="http://schemas.openxmlformats.org/presentationml/2006/main">
   <p:cSld>
     <p:spTree>
@@ -20640,7 +22061,7 @@
 </p:sld>
 </file>
 
-<file path=ppt/slides/slide16.xml><?xml version="1.0" encoding="utf-8"?>
+<file path=ppt/slides/slide17.xml><?xml version="1.0" encoding="utf-8"?>
 <p:sld xmlns:a="http://schemas.openxmlformats.org/drawingml/2006/main" xmlns:r="http://schemas.openxmlformats.org/officeDocument/2006/relationships" xmlns:p="http://schemas.openxmlformats.org/presentationml/2006/main">
   <p:cSld>
     <p:spTree>
@@ -21308,7 +22729,7 @@
 </p:sld>
 </file>
 
-<file path=ppt/slides/slide17.xml><?xml version="1.0" encoding="utf-8"?>
+<file path=ppt/slides/slide18.xml><?xml version="1.0" encoding="utf-8"?>
 <p:sld xmlns:a="http://schemas.openxmlformats.org/drawingml/2006/main" xmlns:r="http://schemas.openxmlformats.org/officeDocument/2006/relationships" xmlns:p="http://schemas.openxmlformats.org/presentationml/2006/main" show="0">
   <p:cSld>
     <p:spTree>

--- a/kubernetes/10_administration.pptx
+++ b/kubernetes/10_administration.pptx
@@ -5,10 +5,10 @@
     <p:sldMasterId id="2147483733" r:id="rId1"/>
   </p:sldMasterIdLst>
   <p:notesMasterIdLst>
-    <p:notesMasterId r:id="rId20"/>
+    <p:notesMasterId r:id="rId22"/>
   </p:notesMasterIdLst>
   <p:handoutMasterIdLst>
-    <p:handoutMasterId r:id="rId21"/>
+    <p:handoutMasterId r:id="rId23"/>
   </p:handoutMasterIdLst>
   <p:sldIdLst>
     <p:sldId id="433" r:id="rId2"/>
@@ -28,7 +28,9 @@
     <p:sldId id="457" r:id="rId16"/>
     <p:sldId id="456" r:id="rId17"/>
     <p:sldId id="449" r:id="rId18"/>
-    <p:sldId id="265" r:id="rId19"/>
+    <p:sldId id="460" r:id="rId19"/>
+    <p:sldId id="461" r:id="rId20"/>
+    <p:sldId id="265" r:id="rId21"/>
   </p:sldIdLst>
   <p:sldSz cx="12195175" cy="6858000"/>
   <p:notesSz cx="6858000" cy="9144000"/>
@@ -1448,6 +1450,70 @@
       </p:grpSpPr>
       <p:sp>
         <p:nvSpPr>
+          <p:cNvPr id="2" name="Slide Image Placeholder 1"/>
+          <p:cNvSpPr>
+            <a:spLocks noGrp="1" noRot="1" noChangeAspect="1"/>
+          </p:cNvSpPr>
+          <p:nvPr>
+            <p:ph type="sldImg"/>
+          </p:nvPr>
+        </p:nvSpPr>
+        <p:spPr/>
+      </p:sp>
+      <p:sp>
+        <p:nvSpPr>
+          <p:cNvPr id="3" name="Notes Placeholder 2"/>
+          <p:cNvSpPr>
+            <a:spLocks noGrp="1"/>
+          </p:cNvSpPr>
+          <p:nvPr>
+            <p:ph type="body" idx="1"/>
+          </p:nvPr>
+        </p:nvSpPr>
+        <p:spPr/>
+        <p:txBody>
+          <a:bodyPr/>
+          <a:lstStyle/>
+          <a:p>
+            <a:r>
+              <a:rPr lang="en-US" dirty="0"/>
+              <a:t>Gardener is SAP’s solution for managed </a:t>
+            </a:r>
+            <a:r>
+              <a:rPr lang="en-US" dirty="0" err="1"/>
+              <a:t>kubernetes</a:t>
+            </a:r>
+            <a:r>
+              <a:rPr lang="en-US" dirty="0"/>
+              <a:t> cluster. It is open source &amp; completely available on </a:t>
+            </a:r>
+            <a:r>
+              <a:rPr lang="en-US" dirty="0" err="1"/>
+              <a:t>github</a:t>
+            </a:r>
+            <a:r>
+              <a:rPr lang="en-US" dirty="0"/>
+              <a:t>: https://github.com/gardener/gardener/ </a:t>
+            </a:r>
+          </a:p>
+          <a:p>
+            <a:endParaRPr lang="en-US" dirty="0"/>
+          </a:p>
+          <a:p>
+            <a:r>
+              <a:rPr lang="en-US" dirty="0"/>
+              <a:t>Show internal landing page: https://github.wdf.sap.corp/pages/kubernetes/gardener/ including blog </a:t>
+            </a:r>
+            <a:r>
+              <a:rPr lang="en-US"/>
+              <a:t>&amp; help section</a:t>
+            </a:r>
+            <a:endParaRPr lang="en-US" dirty="0"/>
+          </a:p>
+        </p:txBody>
+      </p:sp>
+      <p:sp>
+        <p:nvSpPr>
           <p:cNvPr id="4" name="Slide Number Placeholder 3"/>
           <p:cNvSpPr>
             <a:spLocks noGrp="1"/>
@@ -1462,9 +1528,244 @@
           <a:lstStyle/>
           <a:p>
             <a:fld id="{7D8C2C35-2B8A-446E-BEC0-FD36716C29AC}" type="slidenum">
+              <a:rPr lang="de-DE" smtClean="0"/>
+              <a:pPr/>
+              <a:t>17</a:t>
+            </a:fld>
+            <a:endParaRPr lang="de-DE" dirty="0"/>
+          </a:p>
+        </p:txBody>
+      </p:sp>
+    </p:spTree>
+    <p:extLst>
+      <p:ext uri="{BB962C8B-B14F-4D97-AF65-F5344CB8AC3E}">
+        <p14:creationId xmlns:p14="http://schemas.microsoft.com/office/powerpoint/2010/main" val="3611099769"/>
+      </p:ext>
+    </p:extLst>
+  </p:cSld>
+  <p:clrMapOvr>
+    <a:masterClrMapping/>
+  </p:clrMapOvr>
+</p:notes>
+</file>
+
+<file path=ppt/notesSlides/notesSlide16.xml><?xml version="1.0" encoding="utf-8"?>
+<p:notes xmlns:a="http://schemas.openxmlformats.org/drawingml/2006/main" xmlns:r="http://schemas.openxmlformats.org/officeDocument/2006/relationships" xmlns:p="http://schemas.openxmlformats.org/presentationml/2006/main">
+  <p:cSld>
+    <p:spTree>
+      <p:nvGrpSpPr>
+        <p:cNvPr id="1" name=""/>
+        <p:cNvGrpSpPr/>
+        <p:nvPr/>
+      </p:nvGrpSpPr>
+      <p:grpSpPr>
+        <a:xfrm>
+          <a:off x="0" y="0"/>
+          <a:ext cx="0" cy="0"/>
+          <a:chOff x="0" y="0"/>
+          <a:chExt cx="0" cy="0"/>
+        </a:xfrm>
+      </p:grpSpPr>
+      <p:sp>
+        <p:nvSpPr>
+          <p:cNvPr id="2" name="Slide Image Placeholder 1"/>
+          <p:cNvSpPr>
+            <a:spLocks noGrp="1" noRot="1" noChangeAspect="1"/>
+          </p:cNvSpPr>
+          <p:nvPr>
+            <p:ph type="sldImg"/>
+          </p:nvPr>
+        </p:nvSpPr>
+        <p:spPr/>
+      </p:sp>
+      <p:sp>
+        <p:nvSpPr>
+          <p:cNvPr id="3" name="Notes Placeholder 2"/>
+          <p:cNvSpPr>
+            <a:spLocks noGrp="1"/>
+          </p:cNvSpPr>
+          <p:nvPr>
+            <p:ph type="body" idx="1"/>
+          </p:nvPr>
+        </p:nvSpPr>
+        <p:spPr/>
+        <p:txBody>
+          <a:bodyPr/>
+          <a:lstStyle/>
+          <a:p>
+            <a:r>
+              <a:rPr lang="en-US" dirty="0"/>
+              <a:t>Setting up lots of small clusters individually leads to resource waste. The control plane / master needs to be high available but the resources reserved for fail-over usually idle.</a:t>
+            </a:r>
+          </a:p>
+        </p:txBody>
+      </p:sp>
+      <p:sp>
+        <p:nvSpPr>
+          <p:cNvPr id="4" name="Slide Number Placeholder 3"/>
+          <p:cNvSpPr>
+            <a:spLocks noGrp="1"/>
+          </p:cNvSpPr>
+          <p:nvPr>
+            <p:ph type="sldNum" sz="quarter" idx="10"/>
+          </p:nvPr>
+        </p:nvSpPr>
+        <p:spPr/>
+        <p:txBody>
+          <a:bodyPr/>
+          <a:lstStyle/>
+          <a:p>
+            <a:fld id="{7D8C2C35-2B8A-446E-BEC0-FD36716C29AC}" type="slidenum">
               <a:rPr lang="en-US" smtClean="0"/>
               <a:pPr/>
               <a:t>18</a:t>
+            </a:fld>
+            <a:endParaRPr lang="en-US" dirty="0"/>
+          </a:p>
+        </p:txBody>
+      </p:sp>
+    </p:spTree>
+    <p:extLst>
+      <p:ext uri="{BB962C8B-B14F-4D97-AF65-F5344CB8AC3E}">
+        <p14:creationId xmlns:p14="http://schemas.microsoft.com/office/powerpoint/2010/main" val="1487314377"/>
+      </p:ext>
+    </p:extLst>
+  </p:cSld>
+  <p:clrMapOvr>
+    <a:masterClrMapping/>
+  </p:clrMapOvr>
+</p:notes>
+</file>
+
+<file path=ppt/notesSlides/notesSlide17.xml><?xml version="1.0" encoding="utf-8"?>
+<p:notes xmlns:a="http://schemas.openxmlformats.org/drawingml/2006/main" xmlns:r="http://schemas.openxmlformats.org/officeDocument/2006/relationships" xmlns:p="http://schemas.openxmlformats.org/presentationml/2006/main">
+  <p:cSld>
+    <p:spTree>
+      <p:nvGrpSpPr>
+        <p:cNvPr id="1" name=""/>
+        <p:cNvGrpSpPr/>
+        <p:nvPr/>
+      </p:nvGrpSpPr>
+      <p:grpSpPr>
+        <a:xfrm>
+          <a:off x="0" y="0"/>
+          <a:ext cx="0" cy="0"/>
+          <a:chOff x="0" y="0"/>
+          <a:chExt cx="0" cy="0"/>
+        </a:xfrm>
+      </p:grpSpPr>
+      <p:sp>
+        <p:nvSpPr>
+          <p:cNvPr id="2" name="Slide Image Placeholder 1"/>
+          <p:cNvSpPr>
+            <a:spLocks noGrp="1" noRot="1" noChangeAspect="1"/>
+          </p:cNvSpPr>
+          <p:nvPr>
+            <p:ph type="sldImg"/>
+          </p:nvPr>
+        </p:nvSpPr>
+        <p:spPr/>
+      </p:sp>
+      <p:sp>
+        <p:nvSpPr>
+          <p:cNvPr id="3" name="Notes Placeholder 2"/>
+          <p:cNvSpPr>
+            <a:spLocks noGrp="1"/>
+          </p:cNvSpPr>
+          <p:nvPr>
+            <p:ph type="body" idx="1"/>
+          </p:nvPr>
+        </p:nvSpPr>
+        <p:spPr/>
+        <p:txBody>
+          <a:bodyPr/>
+          <a:lstStyle/>
+          <a:p>
+            <a:r>
+              <a:rPr lang="en-US" dirty="0"/>
+              <a:t>Solution: Gardener runs the control plane / master components of many “worker” clusters in a </a:t>
+            </a:r>
+            <a:r>
+              <a:rPr lang="en-US"/>
+              <a:t>separate cluster</a:t>
+            </a:r>
+            <a:endParaRPr lang="en-US" dirty="0"/>
+          </a:p>
+        </p:txBody>
+      </p:sp>
+      <p:sp>
+        <p:nvSpPr>
+          <p:cNvPr id="4" name="Slide Number Placeholder 3"/>
+          <p:cNvSpPr>
+            <a:spLocks noGrp="1"/>
+          </p:cNvSpPr>
+          <p:nvPr>
+            <p:ph type="sldNum" sz="quarter" idx="10"/>
+          </p:nvPr>
+        </p:nvSpPr>
+        <p:spPr/>
+        <p:txBody>
+          <a:bodyPr/>
+          <a:lstStyle/>
+          <a:p>
+            <a:fld id="{7D8C2C35-2B8A-446E-BEC0-FD36716C29AC}" type="slidenum">
+              <a:rPr lang="de-DE" smtClean="0"/>
+              <a:pPr/>
+              <a:t>19</a:t>
+            </a:fld>
+            <a:endParaRPr lang="de-DE" dirty="0"/>
+          </a:p>
+        </p:txBody>
+      </p:sp>
+    </p:spTree>
+    <p:extLst>
+      <p:ext uri="{BB962C8B-B14F-4D97-AF65-F5344CB8AC3E}">
+        <p14:creationId xmlns:p14="http://schemas.microsoft.com/office/powerpoint/2010/main" val="1867122449"/>
+      </p:ext>
+    </p:extLst>
+  </p:cSld>
+  <p:clrMapOvr>
+    <a:masterClrMapping/>
+  </p:clrMapOvr>
+</p:notes>
+</file>
+
+<file path=ppt/notesSlides/notesSlide18.xml><?xml version="1.0" encoding="utf-8"?>
+<p:notes xmlns:a="http://schemas.openxmlformats.org/drawingml/2006/main" xmlns:r="http://schemas.openxmlformats.org/officeDocument/2006/relationships" xmlns:p="http://schemas.openxmlformats.org/presentationml/2006/main">
+  <p:cSld>
+    <p:spTree>
+      <p:nvGrpSpPr>
+        <p:cNvPr id="1" name=""/>
+        <p:cNvGrpSpPr/>
+        <p:nvPr/>
+      </p:nvGrpSpPr>
+      <p:grpSpPr>
+        <a:xfrm>
+          <a:off x="0" y="0"/>
+          <a:ext cx="0" cy="0"/>
+          <a:chOff x="0" y="0"/>
+          <a:chExt cx="0" cy="0"/>
+        </a:xfrm>
+      </p:grpSpPr>
+      <p:sp>
+        <p:nvSpPr>
+          <p:cNvPr id="4" name="Slide Number Placeholder 3"/>
+          <p:cNvSpPr>
+            <a:spLocks noGrp="1"/>
+          </p:cNvSpPr>
+          <p:nvPr>
+            <p:ph type="sldNum" sz="quarter" idx="10"/>
+          </p:nvPr>
+        </p:nvSpPr>
+        <p:spPr/>
+        <p:txBody>
+          <a:bodyPr/>
+          <a:lstStyle/>
+          <a:p>
+            <a:fld id="{7D8C2C35-2B8A-446E-BEC0-FD36716C29AC}" type="slidenum">
+              <a:rPr lang="en-US" smtClean="0"/>
+              <a:pPr/>
+              <a:t>20</a:t>
             </a:fld>
             <a:endParaRPr lang="en-US" dirty="0"/>
           </a:p>
@@ -22109,7 +22410,7 @@
           <p:nvPr/>
         </p:nvPicPr>
         <p:blipFill>
-          <a:blip r:embed="rId2">
+          <a:blip r:embed="rId3">
             <a:extLst>
               <a:ext uri="{28A0092B-C50C-407E-A947-70E740481C1C}">
                 <a14:useLocalDpi xmlns:a14="http://schemas.microsoft.com/office/drawing/2010/main" val="0"/>
@@ -22150,7 +22451,7 @@
           <p:nvPr/>
         </p:nvPicPr>
         <p:blipFill>
-          <a:blip r:embed="rId3">
+          <a:blip r:embed="rId4">
             <a:extLst>
               <a:ext uri="{28A0092B-C50C-407E-A947-70E740481C1C}">
                 <a14:useLocalDpi xmlns:a14="http://schemas.microsoft.com/office/drawing/2010/main" val="0"/>
@@ -22191,7 +22492,7 @@
           <p:nvPr/>
         </p:nvPicPr>
         <p:blipFill>
-          <a:blip r:embed="rId4">
+          <a:blip r:embed="rId5">
             <a:extLst>
               <a:ext uri="{28A0092B-C50C-407E-A947-70E740481C1C}">
                 <a14:useLocalDpi xmlns:a14="http://schemas.microsoft.com/office/drawing/2010/main" val="0"/>
@@ -22232,7 +22533,7 @@
           <p:nvPr/>
         </p:nvPicPr>
         <p:blipFill>
-          <a:blip r:embed="rId5">
+          <a:blip r:embed="rId6">
             <a:extLst>
               <a:ext uri="{28A0092B-C50C-407E-A947-70E740481C1C}">
                 <a14:useLocalDpi xmlns:a14="http://schemas.microsoft.com/office/drawing/2010/main" val="0"/>
@@ -22287,7 +22588,7 @@
           <a:p>
             <a:r>
               <a:rPr lang="en-US" dirty="0">
-                <a:hlinkClick r:id="rId6"/>
+                <a:hlinkClick r:id="rId7"/>
               </a:rPr>
               <a:t>https://github.com/kubernetes/minikube</a:t>
             </a:r>
@@ -22307,7 +22608,7 @@
           <p:nvPr/>
         </p:nvPicPr>
         <p:blipFill>
-          <a:blip r:embed="rId7">
+          <a:blip r:embed="rId8">
             <a:extLst>
               <a:ext uri="{28A0092B-C50C-407E-A947-70E740481C1C}">
                 <a14:useLocalDpi xmlns:a14="http://schemas.microsoft.com/office/drawing/2010/main" val="0"/>
@@ -22348,7 +22649,7 @@
           <p:nvPr/>
         </p:nvPicPr>
         <p:blipFill>
-          <a:blip r:embed="rId8">
+          <a:blip r:embed="rId9">
             <a:extLst>
               <a:ext uri="{28A0092B-C50C-407E-A947-70E740481C1C}">
                 <a14:useLocalDpi xmlns:a14="http://schemas.microsoft.com/office/drawing/2010/main" val="0"/>
@@ -22409,7 +22710,7 @@
           <a:p>
             <a:r>
               <a:rPr lang="en-US" u="sng" dirty="0">
-                <a:hlinkClick r:id="rId9"/>
+                <a:hlinkClick r:id="rId10"/>
               </a:rPr>
               <a:t>https://github.wdf.sap.corp/pages/kubernetes/gardener</a:t>
             </a:r>
@@ -22730,7 +23031,7 @@
 </file>
 
 <file path=ppt/slides/slide18.xml><?xml version="1.0" encoding="utf-8"?>
-<p:sld xmlns:a="http://schemas.openxmlformats.org/drawingml/2006/main" xmlns:r="http://schemas.openxmlformats.org/officeDocument/2006/relationships" xmlns:p="http://schemas.openxmlformats.org/presentationml/2006/main" show="0">
+<p:sld xmlns:a="http://schemas.openxmlformats.org/drawingml/2006/main" xmlns:r="http://schemas.openxmlformats.org/officeDocument/2006/relationships" xmlns:p="http://schemas.openxmlformats.org/presentationml/2006/main">
   <p:cSld>
     <p:spTree>
       <p:nvGrpSpPr>
@@ -22746,12 +23047,6248 @@
           <a:chExt cx="0" cy="0"/>
         </a:xfrm>
       </p:grpSpPr>
+      <p:grpSp>
+        <p:nvGrpSpPr>
+          <p:cNvPr id="4" name="Group 3"/>
+          <p:cNvGrpSpPr/>
+          <p:nvPr/>
+        </p:nvGrpSpPr>
+        <p:grpSpPr>
+          <a:xfrm>
+            <a:off x="504001" y="1581688"/>
+            <a:ext cx="2991957" cy="1944000"/>
+            <a:chOff x="504001" y="1581688"/>
+            <a:chExt cx="2991957" cy="1944000"/>
+          </a:xfrm>
+        </p:grpSpPr>
+        <p:sp>
+          <p:nvSpPr>
+            <p:cNvPr id="6" name="Rectangle 5"/>
+            <p:cNvSpPr/>
+            <p:nvPr/>
+          </p:nvSpPr>
+          <p:spPr>
+            <a:xfrm>
+              <a:off x="504001" y="1581688"/>
+              <a:ext cx="2991957" cy="1944000"/>
+            </a:xfrm>
+            <a:prstGeom prst="rect">
+              <a:avLst/>
+            </a:prstGeom>
+            <a:noFill/>
+            <a:ln w="25400">
+              <a:solidFill>
+                <a:schemeClr val="bg2"/>
+              </a:solidFill>
+            </a:ln>
+          </p:spPr>
+          <p:style>
+            <a:lnRef idx="2">
+              <a:schemeClr val="accent1">
+                <a:shade val="50000"/>
+              </a:schemeClr>
+            </a:lnRef>
+            <a:fillRef idx="1">
+              <a:schemeClr val="accent1"/>
+            </a:fillRef>
+            <a:effectRef idx="0">
+              <a:schemeClr val="accent1"/>
+            </a:effectRef>
+            <a:fontRef idx="minor">
+              <a:schemeClr val="lt1"/>
+            </a:fontRef>
+          </p:style>
+          <p:txBody>
+            <a:bodyPr rtlCol="0" anchor="ctr"/>
+            <a:lstStyle/>
+            <a:p>
+              <a:pPr algn="ctr"/>
+              <a:endParaRPr lang="en-US" dirty="0"/>
+            </a:p>
+          </p:txBody>
+        </p:sp>
+        <p:sp>
+          <p:nvSpPr>
+            <p:cNvPr id="7" name="Hexagon 6"/>
+            <p:cNvSpPr/>
+            <p:nvPr/>
+          </p:nvSpPr>
+          <p:spPr>
+            <a:xfrm>
+              <a:off x="1242981" y="2388176"/>
+              <a:ext cx="807622" cy="696226"/>
+            </a:xfrm>
+            <a:prstGeom prst="hexagon">
+              <a:avLst/>
+            </a:prstGeom>
+            <a:solidFill>
+              <a:srgbClr val="C00000"/>
+            </a:solidFill>
+            <a:ln w="12700" cap="flat" cmpd="sng" algn="ctr">
+              <a:solidFill>
+                <a:srgbClr val="ED7D31">
+                  <a:lumMod val="75000"/>
+                </a:srgbClr>
+              </a:solidFill>
+              <a:prstDash val="solid"/>
+              <a:miter lim="800000"/>
+            </a:ln>
+            <a:effectLst/>
+          </p:spPr>
+          <p:txBody>
+            <a:bodyPr rtlCol="0" anchor="ctr"/>
+            <a:lstStyle/>
+            <a:p>
+              <a:pPr algn="ctr" defTabSz="914126"/>
+              <a:r>
+                <a:rPr lang="en-US" sz="800" kern="0" dirty="0">
+                  <a:solidFill>
+                    <a:prstClr val="white"/>
+                  </a:solidFill>
+                  <a:latin typeface="Calibri" panose="020F0502020204030204"/>
+                  <a:ea typeface=""/>
+                  <a:cs typeface=""/>
+                </a:rPr>
+                <a:t>Master</a:t>
+              </a:r>
+            </a:p>
+          </p:txBody>
+        </p:sp>
+        <p:sp>
+          <p:nvSpPr>
+            <p:cNvPr id="8" name="Hexagon 7"/>
+            <p:cNvSpPr/>
+            <p:nvPr/>
+          </p:nvSpPr>
+          <p:spPr>
+            <a:xfrm>
+              <a:off x="566088" y="2004438"/>
+              <a:ext cx="807622" cy="696226"/>
+            </a:xfrm>
+            <a:prstGeom prst="hexagon">
+              <a:avLst/>
+            </a:prstGeom>
+            <a:solidFill>
+              <a:srgbClr val="C00000"/>
+            </a:solidFill>
+            <a:ln w="12700" cap="flat" cmpd="sng" algn="ctr">
+              <a:solidFill>
+                <a:srgbClr val="ED7D31">
+                  <a:lumMod val="75000"/>
+                </a:srgbClr>
+              </a:solidFill>
+              <a:prstDash val="solid"/>
+              <a:miter lim="800000"/>
+            </a:ln>
+            <a:effectLst/>
+          </p:spPr>
+          <p:txBody>
+            <a:bodyPr rtlCol="0" anchor="ctr"/>
+            <a:lstStyle/>
+            <a:p>
+              <a:pPr algn="ctr" defTabSz="914126"/>
+              <a:r>
+                <a:rPr lang="en-US" sz="800" kern="0" dirty="0">
+                  <a:solidFill>
+                    <a:prstClr val="white"/>
+                  </a:solidFill>
+                  <a:latin typeface="Calibri" panose="020F0502020204030204"/>
+                  <a:ea typeface=""/>
+                  <a:cs typeface=""/>
+                </a:rPr>
+                <a:t>Master</a:t>
+              </a:r>
+            </a:p>
+          </p:txBody>
+        </p:sp>
+        <p:sp>
+          <p:nvSpPr>
+            <p:cNvPr id="9" name="Hexagon 8"/>
+            <p:cNvSpPr/>
+            <p:nvPr/>
+          </p:nvSpPr>
+          <p:spPr>
+            <a:xfrm>
+              <a:off x="1242981" y="1644450"/>
+              <a:ext cx="807622" cy="696226"/>
+            </a:xfrm>
+            <a:prstGeom prst="hexagon">
+              <a:avLst/>
+            </a:prstGeom>
+            <a:solidFill>
+              <a:srgbClr val="C00000"/>
+            </a:solidFill>
+            <a:ln w="12700" cap="flat" cmpd="sng" algn="ctr">
+              <a:solidFill>
+                <a:srgbClr val="ED7D31">
+                  <a:lumMod val="75000"/>
+                </a:srgbClr>
+              </a:solidFill>
+              <a:prstDash val="solid"/>
+              <a:miter lim="800000"/>
+            </a:ln>
+            <a:effectLst/>
+          </p:spPr>
+          <p:txBody>
+            <a:bodyPr rtlCol="0" anchor="ctr"/>
+            <a:lstStyle/>
+            <a:p>
+              <a:pPr algn="ctr" defTabSz="914126"/>
+              <a:r>
+                <a:rPr lang="en-US" sz="800" kern="0" dirty="0">
+                  <a:solidFill>
+                    <a:prstClr val="white"/>
+                  </a:solidFill>
+                  <a:latin typeface="Calibri" panose="020F0502020204030204"/>
+                  <a:ea typeface=""/>
+                  <a:cs typeface=""/>
+                </a:rPr>
+                <a:t>Master</a:t>
+              </a:r>
+            </a:p>
+          </p:txBody>
+        </p:sp>
+        <p:sp>
+          <p:nvSpPr>
+            <p:cNvPr id="10" name="Hexagon 9"/>
+            <p:cNvSpPr/>
+            <p:nvPr/>
+          </p:nvSpPr>
+          <p:spPr>
+            <a:xfrm>
+              <a:off x="1915914" y="2016313"/>
+              <a:ext cx="807622" cy="696226"/>
+            </a:xfrm>
+            <a:prstGeom prst="hexagon">
+              <a:avLst/>
+            </a:prstGeom>
+            <a:solidFill>
+              <a:srgbClr val="4472C4"/>
+            </a:solidFill>
+            <a:ln w="12700" cap="flat" cmpd="sng" algn="ctr">
+              <a:solidFill>
+                <a:srgbClr val="4472C4">
+                  <a:shade val="50000"/>
+                </a:srgbClr>
+              </a:solidFill>
+              <a:prstDash val="solid"/>
+              <a:miter lim="800000"/>
+            </a:ln>
+            <a:effectLst/>
+          </p:spPr>
+          <p:txBody>
+            <a:bodyPr rtlCol="0" anchor="ctr"/>
+            <a:lstStyle/>
+            <a:p>
+              <a:pPr algn="ctr" defTabSz="914126"/>
+              <a:r>
+                <a:rPr lang="en-US" sz="800" kern="0" dirty="0">
+                  <a:solidFill>
+                    <a:prstClr val="white"/>
+                  </a:solidFill>
+                  <a:latin typeface="Calibri" panose="020F0502020204030204"/>
+                  <a:ea typeface=""/>
+                  <a:cs typeface=""/>
+                </a:rPr>
+                <a:t>Worker</a:t>
+              </a:r>
+            </a:p>
+          </p:txBody>
+        </p:sp>
+        <p:sp>
+          <p:nvSpPr>
+            <p:cNvPr id="11" name="Hexagon 10"/>
+            <p:cNvSpPr/>
+            <p:nvPr/>
+          </p:nvSpPr>
+          <p:spPr>
+            <a:xfrm>
+              <a:off x="2594701" y="1646313"/>
+              <a:ext cx="807622" cy="696226"/>
+            </a:xfrm>
+            <a:prstGeom prst="hexagon">
+              <a:avLst/>
+            </a:prstGeom>
+            <a:solidFill>
+              <a:srgbClr val="4472C4"/>
+            </a:solidFill>
+            <a:ln w="12700" cap="flat" cmpd="sng" algn="ctr">
+              <a:solidFill>
+                <a:srgbClr val="4472C4">
+                  <a:shade val="50000"/>
+                </a:srgbClr>
+              </a:solidFill>
+              <a:prstDash val="solid"/>
+              <a:miter lim="800000"/>
+            </a:ln>
+            <a:effectLst/>
+          </p:spPr>
+          <p:txBody>
+            <a:bodyPr rtlCol="0" anchor="ctr"/>
+            <a:lstStyle/>
+            <a:p>
+              <a:pPr algn="ctr" defTabSz="914126"/>
+              <a:r>
+                <a:rPr lang="en-US" sz="800" kern="0" dirty="0">
+                  <a:solidFill>
+                    <a:prstClr val="white"/>
+                  </a:solidFill>
+                  <a:latin typeface="Calibri" panose="020F0502020204030204"/>
+                  <a:ea typeface=""/>
+                  <a:cs typeface=""/>
+                </a:rPr>
+                <a:t>Worker</a:t>
+              </a:r>
+            </a:p>
+          </p:txBody>
+        </p:sp>
+        <p:sp>
+          <p:nvSpPr>
+            <p:cNvPr id="12" name="Hexagon 11"/>
+            <p:cNvSpPr/>
+            <p:nvPr/>
+          </p:nvSpPr>
+          <p:spPr>
+            <a:xfrm>
+              <a:off x="1916042" y="2760039"/>
+              <a:ext cx="807622" cy="696226"/>
+            </a:xfrm>
+            <a:prstGeom prst="hexagon">
+              <a:avLst/>
+            </a:prstGeom>
+            <a:solidFill>
+              <a:srgbClr val="4472C4"/>
+            </a:solidFill>
+            <a:ln w="12700" cap="flat" cmpd="sng" algn="ctr">
+              <a:solidFill>
+                <a:srgbClr val="4472C4">
+                  <a:shade val="50000"/>
+                </a:srgbClr>
+              </a:solidFill>
+              <a:prstDash val="solid"/>
+              <a:miter lim="800000"/>
+            </a:ln>
+            <a:effectLst/>
+          </p:spPr>
+          <p:txBody>
+            <a:bodyPr rtlCol="0" anchor="ctr"/>
+            <a:lstStyle/>
+            <a:p>
+              <a:pPr algn="ctr" defTabSz="914126"/>
+              <a:r>
+                <a:rPr lang="en-US" sz="800" kern="0" dirty="0">
+                  <a:solidFill>
+                    <a:prstClr val="white"/>
+                  </a:solidFill>
+                  <a:latin typeface="Calibri" panose="020F0502020204030204"/>
+                  <a:ea typeface=""/>
+                  <a:cs typeface=""/>
+                </a:rPr>
+                <a:t>Worker</a:t>
+              </a:r>
+            </a:p>
+          </p:txBody>
+        </p:sp>
+        <p:sp>
+          <p:nvSpPr>
+            <p:cNvPr id="14" name="TextBox 13"/>
+            <p:cNvSpPr txBox="1"/>
+            <p:nvPr/>
+          </p:nvSpPr>
+          <p:spPr>
+            <a:xfrm flipH="1">
+              <a:off x="826265" y="2693518"/>
+              <a:ext cx="512421" cy="369332"/>
+            </a:xfrm>
+            <a:prstGeom prst="rect">
+              <a:avLst/>
+            </a:prstGeom>
+            <a:noFill/>
+          </p:spPr>
+          <p:txBody>
+            <a:bodyPr wrap="square" rtlCol="0">
+              <a:spAutoFit/>
+            </a:bodyPr>
+            <a:lstStyle/>
+            <a:p>
+              <a:r>
+                <a:rPr lang="en-US" sz="1800" dirty="0"/>
+                <a:t>HA</a:t>
+              </a:r>
+            </a:p>
+          </p:txBody>
+        </p:sp>
+        <p:sp>
+          <p:nvSpPr>
+            <p:cNvPr id="107" name="Hexagon 106"/>
+            <p:cNvSpPr/>
+            <p:nvPr/>
+          </p:nvSpPr>
+          <p:spPr>
+            <a:xfrm>
+              <a:off x="2594931" y="2388177"/>
+              <a:ext cx="807622" cy="696226"/>
+            </a:xfrm>
+            <a:prstGeom prst="hexagon">
+              <a:avLst/>
+            </a:prstGeom>
+            <a:solidFill>
+              <a:srgbClr val="4472C4"/>
+            </a:solidFill>
+            <a:ln w="12700" cap="flat" cmpd="sng" algn="ctr">
+              <a:solidFill>
+                <a:srgbClr val="4472C4">
+                  <a:shade val="50000"/>
+                </a:srgbClr>
+              </a:solidFill>
+              <a:prstDash val="solid"/>
+              <a:miter lim="800000"/>
+            </a:ln>
+            <a:effectLst/>
+          </p:spPr>
+          <p:txBody>
+            <a:bodyPr rtlCol="0" anchor="ctr"/>
+            <a:lstStyle/>
+            <a:p>
+              <a:pPr algn="ctr" defTabSz="914126"/>
+              <a:r>
+                <a:rPr lang="en-US" sz="800" kern="0" dirty="0">
+                  <a:solidFill>
+                    <a:prstClr val="white"/>
+                  </a:solidFill>
+                  <a:latin typeface="Calibri" panose="020F0502020204030204"/>
+                  <a:ea typeface=""/>
+                  <a:cs typeface=""/>
+                </a:rPr>
+                <a:t>Worker</a:t>
+              </a:r>
+            </a:p>
+          </p:txBody>
+        </p:sp>
+      </p:grpSp>
+      <p:sp>
+        <p:nvSpPr>
+          <p:cNvPr id="2" name="Title 1"/>
+          <p:cNvSpPr>
+            <a:spLocks noGrp="1"/>
+          </p:cNvSpPr>
+          <p:nvPr>
+            <p:ph type="title"/>
+          </p:nvPr>
+        </p:nvSpPr>
+        <p:spPr/>
+        <p:txBody>
+          <a:bodyPr/>
+          <a:lstStyle/>
+          <a:p>
+            <a:r>
+              <a:rPr lang="en-US" dirty="0"/>
+              <a:t>“Traditional” Kubernetes Cluster Set-up</a:t>
+            </a:r>
+          </a:p>
+        </p:txBody>
+      </p:sp>
+      <p:sp>
+        <p:nvSpPr>
+          <p:cNvPr id="3" name="TextBox 2"/>
+          <p:cNvSpPr txBox="1"/>
+          <p:nvPr/>
+        </p:nvSpPr>
+        <p:spPr>
+          <a:xfrm>
+            <a:off x="299831" y="5469755"/>
+            <a:ext cx="5168813" cy="1015663"/>
+          </a:xfrm>
+          <a:prstGeom prst="rect">
+            <a:avLst/>
+          </a:prstGeom>
+          <a:noFill/>
+        </p:spPr>
+        <p:txBody>
+          <a:bodyPr wrap="square" rtlCol="0">
+            <a:spAutoFit/>
+          </a:bodyPr>
+          <a:lstStyle/>
+          <a:p>
+            <a:r>
+              <a:rPr lang="en-US" sz="2000" dirty="0"/>
+              <a:t>The </a:t>
+            </a:r>
+            <a:r>
+              <a:rPr lang="en-US" sz="2000" dirty="0">
+                <a:highlight>
+                  <a:srgbClr val="FF0000"/>
+                </a:highlight>
+              </a:rPr>
+              <a:t>red nodes</a:t>
+            </a:r>
+            <a:r>
+              <a:rPr lang="en-US" sz="2000" dirty="0"/>
+              <a:t> run the control plane,</a:t>
+            </a:r>
+          </a:p>
+          <a:p>
+            <a:r>
+              <a:rPr lang="en-US" sz="2000" dirty="0"/>
+              <a:t>often in HA and on separate hardware</a:t>
+            </a:r>
+          </a:p>
+          <a:p>
+            <a:r>
+              <a:rPr lang="en-US" sz="2000" dirty="0"/>
+              <a:t>(usually quite </a:t>
+            </a:r>
+            <a:r>
+              <a:rPr lang="en-US" sz="2000" b="1" dirty="0"/>
+              <a:t>underutilized</a:t>
+            </a:r>
+            <a:r>
+              <a:rPr lang="en-US" sz="2000" dirty="0"/>
+              <a:t>) </a:t>
+            </a:r>
+          </a:p>
+        </p:txBody>
+      </p:sp>
+      <p:sp>
+        <p:nvSpPr>
+          <p:cNvPr id="102" name="TextBox 101"/>
+          <p:cNvSpPr txBox="1"/>
+          <p:nvPr/>
+        </p:nvSpPr>
+        <p:spPr>
+          <a:xfrm>
+            <a:off x="4969958" y="5469755"/>
+            <a:ext cx="5209741" cy="1015663"/>
+          </a:xfrm>
+          <a:prstGeom prst="rect">
+            <a:avLst/>
+          </a:prstGeom>
+          <a:noFill/>
+        </p:spPr>
+        <p:txBody>
+          <a:bodyPr wrap="square" rtlCol="0">
+            <a:spAutoFit/>
+          </a:bodyPr>
+          <a:lstStyle/>
+          <a:p>
+            <a:r>
+              <a:rPr lang="en-US" sz="2000" dirty="0"/>
+              <a:t>The </a:t>
+            </a:r>
+            <a:r>
+              <a:rPr lang="en-US" sz="2000" dirty="0">
+                <a:highlight>
+                  <a:srgbClr val="0F46A7"/>
+                </a:highlight>
+              </a:rPr>
+              <a:t>blue nodes</a:t>
+            </a:r>
+            <a:r>
+              <a:rPr lang="en-US" sz="2000" dirty="0"/>
+              <a:t> run the actual workload and is managed by Master Nodes </a:t>
+            </a:r>
+            <a:br>
+              <a:rPr lang="en-US" sz="2000" dirty="0"/>
+            </a:br>
+            <a:r>
+              <a:rPr lang="en-US" sz="2000" dirty="0"/>
+              <a:t>(usually </a:t>
+            </a:r>
+            <a:r>
+              <a:rPr lang="en-US" sz="2000" b="1" dirty="0"/>
+              <a:t>pretty well utilized</a:t>
+            </a:r>
+            <a:r>
+              <a:rPr lang="en-US" sz="2000" dirty="0"/>
+              <a:t>)</a:t>
+            </a:r>
+          </a:p>
+        </p:txBody>
+      </p:sp>
+      <p:grpSp>
+        <p:nvGrpSpPr>
+          <p:cNvPr id="13" name="Group 12"/>
+          <p:cNvGrpSpPr/>
+          <p:nvPr/>
+        </p:nvGrpSpPr>
+        <p:grpSpPr>
+          <a:xfrm>
+            <a:off x="1851572" y="1573575"/>
+            <a:ext cx="7740297" cy="3558810"/>
+            <a:chOff x="1851572" y="1573575"/>
+            <a:chExt cx="7740297" cy="3558810"/>
+          </a:xfrm>
+        </p:grpSpPr>
+        <p:sp>
+          <p:nvSpPr>
+            <p:cNvPr id="49" name="Rectangle 48"/>
+            <p:cNvSpPr/>
+            <p:nvPr/>
+          </p:nvSpPr>
+          <p:spPr>
+            <a:xfrm>
+              <a:off x="3558044" y="3188384"/>
+              <a:ext cx="3680124" cy="1944001"/>
+            </a:xfrm>
+            <a:prstGeom prst="rect">
+              <a:avLst/>
+            </a:prstGeom>
+            <a:noFill/>
+            <a:ln w="25400">
+              <a:solidFill>
+                <a:schemeClr val="bg2"/>
+              </a:solidFill>
+            </a:ln>
+          </p:spPr>
+          <p:style>
+            <a:lnRef idx="2">
+              <a:schemeClr val="accent1">
+                <a:shade val="50000"/>
+              </a:schemeClr>
+            </a:lnRef>
+            <a:fillRef idx="1">
+              <a:schemeClr val="accent1"/>
+            </a:fillRef>
+            <a:effectRef idx="0">
+              <a:schemeClr val="accent1"/>
+            </a:effectRef>
+            <a:fontRef idx="minor">
+              <a:schemeClr val="lt1"/>
+            </a:fontRef>
+          </p:style>
+          <p:txBody>
+            <a:bodyPr rtlCol="0" anchor="ctr"/>
+            <a:lstStyle/>
+            <a:p>
+              <a:pPr algn="ctr"/>
+              <a:endParaRPr lang="en-US" dirty="0"/>
+            </a:p>
+          </p:txBody>
+        </p:sp>
+        <p:sp>
+          <p:nvSpPr>
+            <p:cNvPr id="36" name="Rectangle 35"/>
+            <p:cNvSpPr/>
+            <p:nvPr/>
+          </p:nvSpPr>
+          <p:spPr>
+            <a:xfrm>
+              <a:off x="6612090" y="1573575"/>
+              <a:ext cx="2979779" cy="1548353"/>
+            </a:xfrm>
+            <a:prstGeom prst="rect">
+              <a:avLst/>
+            </a:prstGeom>
+            <a:noFill/>
+            <a:ln w="25400">
+              <a:solidFill>
+                <a:schemeClr val="bg2"/>
+              </a:solidFill>
+            </a:ln>
+          </p:spPr>
+          <p:style>
+            <a:lnRef idx="2">
+              <a:schemeClr val="accent1">
+                <a:shade val="50000"/>
+              </a:schemeClr>
+            </a:lnRef>
+            <a:fillRef idx="1">
+              <a:schemeClr val="accent1"/>
+            </a:fillRef>
+            <a:effectRef idx="0">
+              <a:schemeClr val="accent1"/>
+            </a:effectRef>
+            <a:fontRef idx="minor">
+              <a:schemeClr val="lt1"/>
+            </a:fontRef>
+          </p:style>
+          <p:txBody>
+            <a:bodyPr rtlCol="0" anchor="ctr"/>
+            <a:lstStyle/>
+            <a:p>
+              <a:pPr algn="ctr"/>
+              <a:endParaRPr lang="en-US" dirty="0"/>
+            </a:p>
+          </p:txBody>
+        </p:sp>
+        <p:sp>
+          <p:nvSpPr>
+            <p:cNvPr id="28" name="Rectangle 27"/>
+            <p:cNvSpPr/>
+            <p:nvPr/>
+          </p:nvSpPr>
+          <p:spPr>
+            <a:xfrm>
+              <a:off x="3558045" y="1573575"/>
+              <a:ext cx="2991957" cy="1548353"/>
+            </a:xfrm>
+            <a:prstGeom prst="rect">
+              <a:avLst/>
+            </a:prstGeom>
+            <a:noFill/>
+            <a:ln w="25400">
+              <a:solidFill>
+                <a:schemeClr val="bg2"/>
+              </a:solidFill>
+            </a:ln>
+          </p:spPr>
+          <p:style>
+            <a:lnRef idx="2">
+              <a:schemeClr val="accent1">
+                <a:shade val="50000"/>
+              </a:schemeClr>
+            </a:lnRef>
+            <a:fillRef idx="1">
+              <a:schemeClr val="accent1"/>
+            </a:fillRef>
+            <a:effectRef idx="0">
+              <a:schemeClr val="accent1"/>
+            </a:effectRef>
+            <a:fontRef idx="minor">
+              <a:schemeClr val="lt1"/>
+            </a:fontRef>
+          </p:style>
+          <p:txBody>
+            <a:bodyPr rtlCol="0" anchor="ctr"/>
+            <a:lstStyle/>
+            <a:p>
+              <a:pPr algn="ctr"/>
+              <a:endParaRPr lang="en-US" dirty="0"/>
+            </a:p>
+          </p:txBody>
+        </p:sp>
+        <p:sp>
+          <p:nvSpPr>
+            <p:cNvPr id="29" name="Hexagon 28"/>
+            <p:cNvSpPr/>
+            <p:nvPr/>
+          </p:nvSpPr>
+          <p:spPr>
+            <a:xfrm>
+              <a:off x="4297025" y="2380062"/>
+              <a:ext cx="807622" cy="696226"/>
+            </a:xfrm>
+            <a:prstGeom prst="hexagon">
+              <a:avLst/>
+            </a:prstGeom>
+            <a:solidFill>
+              <a:srgbClr val="C00000"/>
+            </a:solidFill>
+            <a:ln w="12700" cap="flat" cmpd="sng" algn="ctr">
+              <a:solidFill>
+                <a:srgbClr val="ED7D31">
+                  <a:lumMod val="75000"/>
+                </a:srgbClr>
+              </a:solidFill>
+              <a:prstDash val="solid"/>
+              <a:miter lim="800000"/>
+            </a:ln>
+            <a:effectLst/>
+          </p:spPr>
+          <p:txBody>
+            <a:bodyPr rtlCol="0" anchor="ctr"/>
+            <a:lstStyle/>
+            <a:p>
+              <a:pPr algn="ctr" defTabSz="914126"/>
+              <a:r>
+                <a:rPr lang="en-US" sz="800" kern="0" dirty="0">
+                  <a:solidFill>
+                    <a:prstClr val="white"/>
+                  </a:solidFill>
+                  <a:latin typeface="Calibri" panose="020F0502020204030204"/>
+                  <a:ea typeface=""/>
+                  <a:cs typeface=""/>
+                </a:rPr>
+                <a:t>Master</a:t>
+              </a:r>
+            </a:p>
+          </p:txBody>
+        </p:sp>
+        <p:sp>
+          <p:nvSpPr>
+            <p:cNvPr id="30" name="Hexagon 29"/>
+            <p:cNvSpPr/>
+            <p:nvPr/>
+          </p:nvSpPr>
+          <p:spPr>
+            <a:xfrm>
+              <a:off x="3620132" y="1996324"/>
+              <a:ext cx="807622" cy="696226"/>
+            </a:xfrm>
+            <a:prstGeom prst="hexagon">
+              <a:avLst/>
+            </a:prstGeom>
+            <a:solidFill>
+              <a:srgbClr val="C00000"/>
+            </a:solidFill>
+            <a:ln w="12700" cap="flat" cmpd="sng" algn="ctr">
+              <a:solidFill>
+                <a:srgbClr val="ED7D31">
+                  <a:lumMod val="75000"/>
+                </a:srgbClr>
+              </a:solidFill>
+              <a:prstDash val="solid"/>
+              <a:miter lim="800000"/>
+            </a:ln>
+            <a:effectLst/>
+          </p:spPr>
+          <p:txBody>
+            <a:bodyPr rtlCol="0" anchor="ctr"/>
+            <a:lstStyle/>
+            <a:p>
+              <a:pPr algn="ctr" defTabSz="914126"/>
+              <a:r>
+                <a:rPr lang="en-US" sz="800" kern="0" dirty="0">
+                  <a:solidFill>
+                    <a:prstClr val="white"/>
+                  </a:solidFill>
+                  <a:latin typeface="Calibri" panose="020F0502020204030204"/>
+                  <a:ea typeface=""/>
+                  <a:cs typeface=""/>
+                </a:rPr>
+                <a:t>Master</a:t>
+              </a:r>
+            </a:p>
+          </p:txBody>
+        </p:sp>
+        <p:sp>
+          <p:nvSpPr>
+            <p:cNvPr id="31" name="Hexagon 30"/>
+            <p:cNvSpPr/>
+            <p:nvPr/>
+          </p:nvSpPr>
+          <p:spPr>
+            <a:xfrm>
+              <a:off x="4297025" y="1636336"/>
+              <a:ext cx="807622" cy="696226"/>
+            </a:xfrm>
+            <a:prstGeom prst="hexagon">
+              <a:avLst/>
+            </a:prstGeom>
+            <a:solidFill>
+              <a:srgbClr val="C00000"/>
+            </a:solidFill>
+            <a:ln w="12700" cap="flat" cmpd="sng" algn="ctr">
+              <a:solidFill>
+                <a:srgbClr val="ED7D31">
+                  <a:lumMod val="75000"/>
+                </a:srgbClr>
+              </a:solidFill>
+              <a:prstDash val="solid"/>
+              <a:miter lim="800000"/>
+            </a:ln>
+            <a:effectLst/>
+          </p:spPr>
+          <p:txBody>
+            <a:bodyPr rtlCol="0" anchor="ctr"/>
+            <a:lstStyle/>
+            <a:p>
+              <a:pPr algn="ctr" defTabSz="914126"/>
+              <a:r>
+                <a:rPr lang="en-US" sz="800" kern="0" dirty="0">
+                  <a:solidFill>
+                    <a:prstClr val="white"/>
+                  </a:solidFill>
+                  <a:latin typeface="Calibri" panose="020F0502020204030204"/>
+                  <a:ea typeface=""/>
+                  <a:cs typeface=""/>
+                </a:rPr>
+                <a:t>Master</a:t>
+              </a:r>
+            </a:p>
+          </p:txBody>
+        </p:sp>
+        <p:sp>
+          <p:nvSpPr>
+            <p:cNvPr id="32" name="Hexagon 31"/>
+            <p:cNvSpPr/>
+            <p:nvPr/>
+          </p:nvSpPr>
+          <p:spPr>
+            <a:xfrm>
+              <a:off x="4969958" y="2008199"/>
+              <a:ext cx="807622" cy="696226"/>
+            </a:xfrm>
+            <a:prstGeom prst="hexagon">
+              <a:avLst/>
+            </a:prstGeom>
+            <a:solidFill>
+              <a:srgbClr val="4472C4"/>
+            </a:solidFill>
+            <a:ln w="12700" cap="flat" cmpd="sng" algn="ctr">
+              <a:solidFill>
+                <a:srgbClr val="4472C4">
+                  <a:shade val="50000"/>
+                </a:srgbClr>
+              </a:solidFill>
+              <a:prstDash val="solid"/>
+              <a:miter lim="800000"/>
+            </a:ln>
+            <a:effectLst/>
+          </p:spPr>
+          <p:txBody>
+            <a:bodyPr rtlCol="0" anchor="ctr"/>
+            <a:lstStyle/>
+            <a:p>
+              <a:pPr algn="ctr" defTabSz="914126"/>
+              <a:r>
+                <a:rPr lang="en-US" sz="800" kern="0" dirty="0">
+                  <a:solidFill>
+                    <a:prstClr val="white"/>
+                  </a:solidFill>
+                  <a:latin typeface="Calibri" panose="020F0502020204030204"/>
+                  <a:ea typeface=""/>
+                  <a:cs typeface=""/>
+                </a:rPr>
+                <a:t>Worker</a:t>
+              </a:r>
+            </a:p>
+          </p:txBody>
+        </p:sp>
+        <p:sp>
+          <p:nvSpPr>
+            <p:cNvPr id="33" name="Hexagon 32"/>
+            <p:cNvSpPr/>
+            <p:nvPr/>
+          </p:nvSpPr>
+          <p:spPr>
+            <a:xfrm>
+              <a:off x="5648745" y="1638199"/>
+              <a:ext cx="807622" cy="696226"/>
+            </a:xfrm>
+            <a:prstGeom prst="hexagon">
+              <a:avLst/>
+            </a:prstGeom>
+            <a:solidFill>
+              <a:srgbClr val="4472C4"/>
+            </a:solidFill>
+            <a:ln w="12700" cap="flat" cmpd="sng" algn="ctr">
+              <a:solidFill>
+                <a:srgbClr val="4472C4">
+                  <a:shade val="50000"/>
+                </a:srgbClr>
+              </a:solidFill>
+              <a:prstDash val="solid"/>
+              <a:miter lim="800000"/>
+            </a:ln>
+            <a:effectLst/>
+          </p:spPr>
+          <p:txBody>
+            <a:bodyPr rtlCol="0" anchor="ctr"/>
+            <a:lstStyle/>
+            <a:p>
+              <a:pPr algn="ctr" defTabSz="914126"/>
+              <a:r>
+                <a:rPr lang="en-US" sz="800" kern="0" dirty="0">
+                  <a:solidFill>
+                    <a:prstClr val="white"/>
+                  </a:solidFill>
+                  <a:latin typeface="Calibri" panose="020F0502020204030204"/>
+                  <a:ea typeface=""/>
+                  <a:cs typeface=""/>
+                </a:rPr>
+                <a:t>Worker</a:t>
+              </a:r>
+            </a:p>
+          </p:txBody>
+        </p:sp>
+        <p:sp>
+          <p:nvSpPr>
+            <p:cNvPr id="34" name="Hexagon 33"/>
+            <p:cNvSpPr/>
+            <p:nvPr/>
+          </p:nvSpPr>
+          <p:spPr>
+            <a:xfrm>
+              <a:off x="5648975" y="2380063"/>
+              <a:ext cx="807622" cy="696226"/>
+            </a:xfrm>
+            <a:prstGeom prst="hexagon">
+              <a:avLst/>
+            </a:prstGeom>
+            <a:solidFill>
+              <a:srgbClr val="4472C4"/>
+            </a:solidFill>
+            <a:ln w="12700" cap="flat" cmpd="sng" algn="ctr">
+              <a:solidFill>
+                <a:srgbClr val="4472C4">
+                  <a:shade val="50000"/>
+                </a:srgbClr>
+              </a:solidFill>
+              <a:prstDash val="solid"/>
+              <a:miter lim="800000"/>
+            </a:ln>
+            <a:effectLst/>
+          </p:spPr>
+          <p:txBody>
+            <a:bodyPr rtlCol="0" anchor="ctr"/>
+            <a:lstStyle/>
+            <a:p>
+              <a:pPr algn="ctr" defTabSz="914126"/>
+              <a:r>
+                <a:rPr lang="en-US" sz="800" kern="0" dirty="0">
+                  <a:solidFill>
+                    <a:prstClr val="white"/>
+                  </a:solidFill>
+                  <a:latin typeface="Calibri" panose="020F0502020204030204"/>
+                  <a:ea typeface=""/>
+                  <a:cs typeface=""/>
+                </a:rPr>
+                <a:t>Worker</a:t>
+              </a:r>
+            </a:p>
+          </p:txBody>
+        </p:sp>
+        <p:sp>
+          <p:nvSpPr>
+            <p:cNvPr id="35" name="TextBox 34"/>
+            <p:cNvSpPr txBox="1"/>
+            <p:nvPr/>
+          </p:nvSpPr>
+          <p:spPr>
+            <a:xfrm flipH="1">
+              <a:off x="3880309" y="2685404"/>
+              <a:ext cx="512421" cy="369332"/>
+            </a:xfrm>
+            <a:prstGeom prst="rect">
+              <a:avLst/>
+            </a:prstGeom>
+            <a:noFill/>
+          </p:spPr>
+          <p:txBody>
+            <a:bodyPr wrap="square" rtlCol="0">
+              <a:spAutoFit/>
+            </a:bodyPr>
+            <a:lstStyle/>
+            <a:p>
+              <a:r>
+                <a:rPr lang="en-US" sz="1800" dirty="0"/>
+                <a:t>HA</a:t>
+              </a:r>
+              <a:endParaRPr lang="en-US" dirty="0"/>
+            </a:p>
+          </p:txBody>
+        </p:sp>
+        <p:sp>
+          <p:nvSpPr>
+            <p:cNvPr id="37" name="Hexagon 36"/>
+            <p:cNvSpPr/>
+            <p:nvPr/>
+          </p:nvSpPr>
+          <p:spPr>
+            <a:xfrm>
+              <a:off x="7351070" y="2380062"/>
+              <a:ext cx="807622" cy="696226"/>
+            </a:xfrm>
+            <a:prstGeom prst="hexagon">
+              <a:avLst/>
+            </a:prstGeom>
+            <a:solidFill>
+              <a:srgbClr val="C00000"/>
+            </a:solidFill>
+            <a:ln w="12700" cap="flat" cmpd="sng" algn="ctr">
+              <a:solidFill>
+                <a:srgbClr val="ED7D31">
+                  <a:lumMod val="75000"/>
+                </a:srgbClr>
+              </a:solidFill>
+              <a:prstDash val="solid"/>
+              <a:miter lim="800000"/>
+            </a:ln>
+            <a:effectLst/>
+          </p:spPr>
+          <p:txBody>
+            <a:bodyPr rtlCol="0" anchor="ctr"/>
+            <a:lstStyle/>
+            <a:p>
+              <a:pPr algn="ctr" defTabSz="914126"/>
+              <a:r>
+                <a:rPr lang="en-US" sz="800" kern="0" dirty="0">
+                  <a:solidFill>
+                    <a:prstClr val="white"/>
+                  </a:solidFill>
+                  <a:latin typeface="Calibri" panose="020F0502020204030204"/>
+                  <a:ea typeface=""/>
+                  <a:cs typeface=""/>
+                </a:rPr>
+                <a:t>Master</a:t>
+              </a:r>
+            </a:p>
+          </p:txBody>
+        </p:sp>
+        <p:sp>
+          <p:nvSpPr>
+            <p:cNvPr id="38" name="Hexagon 37"/>
+            <p:cNvSpPr/>
+            <p:nvPr/>
+          </p:nvSpPr>
+          <p:spPr>
+            <a:xfrm>
+              <a:off x="6674177" y="1996324"/>
+              <a:ext cx="807622" cy="696226"/>
+            </a:xfrm>
+            <a:prstGeom prst="hexagon">
+              <a:avLst/>
+            </a:prstGeom>
+            <a:solidFill>
+              <a:srgbClr val="C00000"/>
+            </a:solidFill>
+            <a:ln w="12700" cap="flat" cmpd="sng" algn="ctr">
+              <a:solidFill>
+                <a:srgbClr val="ED7D31">
+                  <a:lumMod val="75000"/>
+                </a:srgbClr>
+              </a:solidFill>
+              <a:prstDash val="solid"/>
+              <a:miter lim="800000"/>
+            </a:ln>
+            <a:effectLst/>
+          </p:spPr>
+          <p:txBody>
+            <a:bodyPr rtlCol="0" anchor="ctr"/>
+            <a:lstStyle/>
+            <a:p>
+              <a:pPr algn="ctr" defTabSz="914126"/>
+              <a:r>
+                <a:rPr lang="en-US" sz="800" kern="0" dirty="0">
+                  <a:solidFill>
+                    <a:prstClr val="white"/>
+                  </a:solidFill>
+                  <a:latin typeface="Calibri" panose="020F0502020204030204"/>
+                  <a:ea typeface=""/>
+                  <a:cs typeface=""/>
+                </a:rPr>
+                <a:t>Master</a:t>
+              </a:r>
+            </a:p>
+          </p:txBody>
+        </p:sp>
+        <p:sp>
+          <p:nvSpPr>
+            <p:cNvPr id="39" name="Hexagon 38"/>
+            <p:cNvSpPr/>
+            <p:nvPr/>
+          </p:nvSpPr>
+          <p:spPr>
+            <a:xfrm>
+              <a:off x="7351070" y="1636336"/>
+              <a:ext cx="807622" cy="696226"/>
+            </a:xfrm>
+            <a:prstGeom prst="hexagon">
+              <a:avLst/>
+            </a:prstGeom>
+            <a:solidFill>
+              <a:srgbClr val="C00000"/>
+            </a:solidFill>
+            <a:ln w="12700" cap="flat" cmpd="sng" algn="ctr">
+              <a:solidFill>
+                <a:srgbClr val="ED7D31">
+                  <a:lumMod val="75000"/>
+                </a:srgbClr>
+              </a:solidFill>
+              <a:prstDash val="solid"/>
+              <a:miter lim="800000"/>
+            </a:ln>
+            <a:effectLst/>
+          </p:spPr>
+          <p:txBody>
+            <a:bodyPr rtlCol="0" anchor="ctr"/>
+            <a:lstStyle/>
+            <a:p>
+              <a:pPr algn="ctr" defTabSz="914126"/>
+              <a:r>
+                <a:rPr lang="en-US" sz="800" kern="0" dirty="0">
+                  <a:solidFill>
+                    <a:prstClr val="white"/>
+                  </a:solidFill>
+                  <a:latin typeface="Calibri" panose="020F0502020204030204"/>
+                  <a:ea typeface=""/>
+                  <a:cs typeface=""/>
+                </a:rPr>
+                <a:t>Master</a:t>
+              </a:r>
+            </a:p>
+          </p:txBody>
+        </p:sp>
+        <p:sp>
+          <p:nvSpPr>
+            <p:cNvPr id="40" name="Hexagon 39"/>
+            <p:cNvSpPr/>
+            <p:nvPr/>
+          </p:nvSpPr>
+          <p:spPr>
+            <a:xfrm>
+              <a:off x="8024003" y="2008199"/>
+              <a:ext cx="807622" cy="696226"/>
+            </a:xfrm>
+            <a:prstGeom prst="hexagon">
+              <a:avLst/>
+            </a:prstGeom>
+            <a:solidFill>
+              <a:srgbClr val="4472C4"/>
+            </a:solidFill>
+            <a:ln w="12700" cap="flat" cmpd="sng" algn="ctr">
+              <a:solidFill>
+                <a:srgbClr val="4472C4">
+                  <a:shade val="50000"/>
+                </a:srgbClr>
+              </a:solidFill>
+              <a:prstDash val="solid"/>
+              <a:miter lim="800000"/>
+            </a:ln>
+            <a:effectLst/>
+          </p:spPr>
+          <p:txBody>
+            <a:bodyPr rtlCol="0" anchor="ctr"/>
+            <a:lstStyle/>
+            <a:p>
+              <a:pPr algn="ctr" defTabSz="914126"/>
+              <a:r>
+                <a:rPr lang="en-US" sz="800" kern="0" dirty="0">
+                  <a:solidFill>
+                    <a:prstClr val="white"/>
+                  </a:solidFill>
+                  <a:latin typeface="Calibri" panose="020F0502020204030204"/>
+                  <a:ea typeface=""/>
+                  <a:cs typeface=""/>
+                </a:rPr>
+                <a:t>Worker</a:t>
+              </a:r>
+            </a:p>
+          </p:txBody>
+        </p:sp>
+        <p:sp>
+          <p:nvSpPr>
+            <p:cNvPr id="41" name="Hexagon 40"/>
+            <p:cNvSpPr/>
+            <p:nvPr/>
+          </p:nvSpPr>
+          <p:spPr>
+            <a:xfrm>
+              <a:off x="8702790" y="1638199"/>
+              <a:ext cx="807622" cy="696226"/>
+            </a:xfrm>
+            <a:prstGeom prst="hexagon">
+              <a:avLst/>
+            </a:prstGeom>
+            <a:solidFill>
+              <a:srgbClr val="4472C4"/>
+            </a:solidFill>
+            <a:ln w="12700" cap="flat" cmpd="sng" algn="ctr">
+              <a:solidFill>
+                <a:srgbClr val="4472C4">
+                  <a:shade val="50000"/>
+                </a:srgbClr>
+              </a:solidFill>
+              <a:prstDash val="solid"/>
+              <a:miter lim="800000"/>
+            </a:ln>
+            <a:effectLst/>
+          </p:spPr>
+          <p:txBody>
+            <a:bodyPr rtlCol="0" anchor="ctr"/>
+            <a:lstStyle/>
+            <a:p>
+              <a:pPr algn="ctr" defTabSz="914126"/>
+              <a:r>
+                <a:rPr lang="en-US" sz="800" kern="0" dirty="0">
+                  <a:solidFill>
+                    <a:prstClr val="white"/>
+                  </a:solidFill>
+                  <a:latin typeface="Calibri" panose="020F0502020204030204"/>
+                  <a:ea typeface=""/>
+                  <a:cs typeface=""/>
+                </a:rPr>
+                <a:t>Worker</a:t>
+              </a:r>
+            </a:p>
+          </p:txBody>
+        </p:sp>
+        <p:sp>
+          <p:nvSpPr>
+            <p:cNvPr id="42" name="TextBox 41"/>
+            <p:cNvSpPr txBox="1"/>
+            <p:nvPr/>
+          </p:nvSpPr>
+          <p:spPr>
+            <a:xfrm flipH="1">
+              <a:off x="6934354" y="2685404"/>
+              <a:ext cx="512421" cy="369332"/>
+            </a:xfrm>
+            <a:prstGeom prst="rect">
+              <a:avLst/>
+            </a:prstGeom>
+            <a:noFill/>
+          </p:spPr>
+          <p:txBody>
+            <a:bodyPr wrap="square" rtlCol="0">
+              <a:spAutoFit/>
+            </a:bodyPr>
+            <a:lstStyle/>
+            <a:p>
+              <a:r>
+                <a:rPr lang="en-US" sz="1800" dirty="0"/>
+                <a:t>HA</a:t>
+              </a:r>
+            </a:p>
+          </p:txBody>
+        </p:sp>
+        <p:sp>
+          <p:nvSpPr>
+            <p:cNvPr id="50" name="Hexagon 49"/>
+            <p:cNvSpPr/>
+            <p:nvPr/>
+          </p:nvSpPr>
+          <p:spPr>
+            <a:xfrm>
+              <a:off x="4297025" y="3994872"/>
+              <a:ext cx="807622" cy="696226"/>
+            </a:xfrm>
+            <a:prstGeom prst="hexagon">
+              <a:avLst/>
+            </a:prstGeom>
+            <a:solidFill>
+              <a:srgbClr val="C00000"/>
+            </a:solidFill>
+            <a:ln w="12700" cap="flat" cmpd="sng" algn="ctr">
+              <a:solidFill>
+                <a:srgbClr val="ED7D31">
+                  <a:lumMod val="75000"/>
+                </a:srgbClr>
+              </a:solidFill>
+              <a:prstDash val="solid"/>
+              <a:miter lim="800000"/>
+            </a:ln>
+            <a:effectLst/>
+          </p:spPr>
+          <p:txBody>
+            <a:bodyPr rtlCol="0" anchor="ctr"/>
+            <a:lstStyle/>
+            <a:p>
+              <a:pPr algn="ctr" defTabSz="914126"/>
+              <a:r>
+                <a:rPr lang="en-US" sz="800" kern="0" dirty="0">
+                  <a:solidFill>
+                    <a:prstClr val="white"/>
+                  </a:solidFill>
+                  <a:latin typeface="Calibri" panose="020F0502020204030204"/>
+                  <a:ea typeface=""/>
+                  <a:cs typeface=""/>
+                </a:rPr>
+                <a:t>Master</a:t>
+              </a:r>
+            </a:p>
+          </p:txBody>
+        </p:sp>
+        <p:sp>
+          <p:nvSpPr>
+            <p:cNvPr id="51" name="Hexagon 50"/>
+            <p:cNvSpPr/>
+            <p:nvPr/>
+          </p:nvSpPr>
+          <p:spPr>
+            <a:xfrm>
+              <a:off x="3620132" y="3611134"/>
+              <a:ext cx="807622" cy="696226"/>
+            </a:xfrm>
+            <a:prstGeom prst="hexagon">
+              <a:avLst/>
+            </a:prstGeom>
+            <a:solidFill>
+              <a:srgbClr val="C00000"/>
+            </a:solidFill>
+            <a:ln w="12700" cap="flat" cmpd="sng" algn="ctr">
+              <a:solidFill>
+                <a:srgbClr val="ED7D31">
+                  <a:lumMod val="75000"/>
+                </a:srgbClr>
+              </a:solidFill>
+              <a:prstDash val="solid"/>
+              <a:miter lim="800000"/>
+            </a:ln>
+            <a:effectLst/>
+          </p:spPr>
+          <p:txBody>
+            <a:bodyPr rtlCol="0" anchor="ctr"/>
+            <a:lstStyle/>
+            <a:p>
+              <a:pPr algn="ctr" defTabSz="914126"/>
+              <a:r>
+                <a:rPr lang="en-US" sz="800" kern="0" dirty="0">
+                  <a:solidFill>
+                    <a:prstClr val="white"/>
+                  </a:solidFill>
+                  <a:latin typeface="Calibri" panose="020F0502020204030204"/>
+                  <a:ea typeface=""/>
+                  <a:cs typeface=""/>
+                </a:rPr>
+                <a:t>Master</a:t>
+              </a:r>
+            </a:p>
+          </p:txBody>
+        </p:sp>
+        <p:sp>
+          <p:nvSpPr>
+            <p:cNvPr id="52" name="Hexagon 51"/>
+            <p:cNvSpPr/>
+            <p:nvPr/>
+          </p:nvSpPr>
+          <p:spPr>
+            <a:xfrm>
+              <a:off x="4297025" y="3251146"/>
+              <a:ext cx="807622" cy="696226"/>
+            </a:xfrm>
+            <a:prstGeom prst="hexagon">
+              <a:avLst/>
+            </a:prstGeom>
+            <a:solidFill>
+              <a:srgbClr val="C00000"/>
+            </a:solidFill>
+            <a:ln w="12700" cap="flat" cmpd="sng" algn="ctr">
+              <a:solidFill>
+                <a:srgbClr val="ED7D31">
+                  <a:lumMod val="75000"/>
+                </a:srgbClr>
+              </a:solidFill>
+              <a:prstDash val="solid"/>
+              <a:miter lim="800000"/>
+            </a:ln>
+            <a:effectLst/>
+          </p:spPr>
+          <p:txBody>
+            <a:bodyPr rtlCol="0" anchor="ctr"/>
+            <a:lstStyle/>
+            <a:p>
+              <a:pPr algn="ctr" defTabSz="914126"/>
+              <a:r>
+                <a:rPr lang="en-US" sz="800" kern="0" dirty="0">
+                  <a:solidFill>
+                    <a:prstClr val="white"/>
+                  </a:solidFill>
+                  <a:latin typeface="Calibri" panose="020F0502020204030204"/>
+                  <a:ea typeface=""/>
+                  <a:cs typeface=""/>
+                </a:rPr>
+                <a:t>Master</a:t>
+              </a:r>
+            </a:p>
+          </p:txBody>
+        </p:sp>
+        <p:sp>
+          <p:nvSpPr>
+            <p:cNvPr id="53" name="Hexagon 52"/>
+            <p:cNvSpPr/>
+            <p:nvPr/>
+          </p:nvSpPr>
+          <p:spPr>
+            <a:xfrm>
+              <a:off x="4969958" y="3623009"/>
+              <a:ext cx="807622" cy="696226"/>
+            </a:xfrm>
+            <a:prstGeom prst="hexagon">
+              <a:avLst/>
+            </a:prstGeom>
+            <a:solidFill>
+              <a:srgbClr val="4472C4"/>
+            </a:solidFill>
+            <a:ln w="12700" cap="flat" cmpd="sng" algn="ctr">
+              <a:solidFill>
+                <a:srgbClr val="4472C4">
+                  <a:shade val="50000"/>
+                </a:srgbClr>
+              </a:solidFill>
+              <a:prstDash val="solid"/>
+              <a:miter lim="800000"/>
+            </a:ln>
+            <a:effectLst/>
+          </p:spPr>
+          <p:txBody>
+            <a:bodyPr rtlCol="0" anchor="ctr"/>
+            <a:lstStyle/>
+            <a:p>
+              <a:pPr algn="ctr" defTabSz="914126"/>
+              <a:r>
+                <a:rPr lang="en-US" sz="800" kern="0" dirty="0">
+                  <a:solidFill>
+                    <a:prstClr val="white"/>
+                  </a:solidFill>
+                  <a:latin typeface="Calibri" panose="020F0502020204030204"/>
+                  <a:ea typeface=""/>
+                  <a:cs typeface=""/>
+                </a:rPr>
+                <a:t>Worker</a:t>
+              </a:r>
+            </a:p>
+          </p:txBody>
+        </p:sp>
+        <p:sp>
+          <p:nvSpPr>
+            <p:cNvPr id="54" name="Hexagon 53"/>
+            <p:cNvSpPr/>
+            <p:nvPr/>
+          </p:nvSpPr>
+          <p:spPr>
+            <a:xfrm>
+              <a:off x="5648745" y="3253009"/>
+              <a:ext cx="807622" cy="696226"/>
+            </a:xfrm>
+            <a:prstGeom prst="hexagon">
+              <a:avLst/>
+            </a:prstGeom>
+            <a:solidFill>
+              <a:srgbClr val="4472C4"/>
+            </a:solidFill>
+            <a:ln w="12700" cap="flat" cmpd="sng" algn="ctr">
+              <a:solidFill>
+                <a:srgbClr val="4472C4">
+                  <a:shade val="50000"/>
+                </a:srgbClr>
+              </a:solidFill>
+              <a:prstDash val="solid"/>
+              <a:miter lim="800000"/>
+            </a:ln>
+            <a:effectLst/>
+          </p:spPr>
+          <p:txBody>
+            <a:bodyPr rtlCol="0" anchor="ctr"/>
+            <a:lstStyle/>
+            <a:p>
+              <a:pPr algn="ctr" defTabSz="914126"/>
+              <a:r>
+                <a:rPr lang="en-US" sz="800" kern="0" dirty="0">
+                  <a:solidFill>
+                    <a:prstClr val="white"/>
+                  </a:solidFill>
+                  <a:latin typeface="Calibri" panose="020F0502020204030204"/>
+                  <a:ea typeface=""/>
+                  <a:cs typeface=""/>
+                </a:rPr>
+                <a:t>Worker</a:t>
+              </a:r>
+            </a:p>
+          </p:txBody>
+        </p:sp>
+        <p:sp>
+          <p:nvSpPr>
+            <p:cNvPr id="55" name="Hexagon 54"/>
+            <p:cNvSpPr/>
+            <p:nvPr/>
+          </p:nvSpPr>
+          <p:spPr>
+            <a:xfrm>
+              <a:off x="4970086" y="4366735"/>
+              <a:ext cx="807622" cy="696226"/>
+            </a:xfrm>
+            <a:prstGeom prst="hexagon">
+              <a:avLst/>
+            </a:prstGeom>
+            <a:solidFill>
+              <a:srgbClr val="4472C4"/>
+            </a:solidFill>
+            <a:ln w="12700" cap="flat" cmpd="sng" algn="ctr">
+              <a:solidFill>
+                <a:srgbClr val="4472C4">
+                  <a:shade val="50000"/>
+                </a:srgbClr>
+              </a:solidFill>
+              <a:prstDash val="solid"/>
+              <a:miter lim="800000"/>
+            </a:ln>
+            <a:effectLst/>
+          </p:spPr>
+          <p:txBody>
+            <a:bodyPr rtlCol="0" anchor="ctr"/>
+            <a:lstStyle/>
+            <a:p>
+              <a:pPr algn="ctr" defTabSz="914126"/>
+              <a:r>
+                <a:rPr lang="en-US" sz="800" kern="0" dirty="0">
+                  <a:solidFill>
+                    <a:prstClr val="white"/>
+                  </a:solidFill>
+                  <a:latin typeface="Calibri" panose="020F0502020204030204"/>
+                  <a:ea typeface=""/>
+                  <a:cs typeface=""/>
+                </a:rPr>
+                <a:t>Worker</a:t>
+              </a:r>
+            </a:p>
+          </p:txBody>
+        </p:sp>
+        <p:sp>
+          <p:nvSpPr>
+            <p:cNvPr id="56" name="Hexagon 55"/>
+            <p:cNvSpPr/>
+            <p:nvPr/>
+          </p:nvSpPr>
+          <p:spPr>
+            <a:xfrm>
+              <a:off x="5648975" y="3994873"/>
+              <a:ext cx="807622" cy="696226"/>
+            </a:xfrm>
+            <a:prstGeom prst="hexagon">
+              <a:avLst/>
+            </a:prstGeom>
+            <a:solidFill>
+              <a:srgbClr val="4472C4"/>
+            </a:solidFill>
+            <a:ln w="12700" cap="flat" cmpd="sng" algn="ctr">
+              <a:solidFill>
+                <a:srgbClr val="4472C4">
+                  <a:shade val="50000"/>
+                </a:srgbClr>
+              </a:solidFill>
+              <a:prstDash val="solid"/>
+              <a:miter lim="800000"/>
+            </a:ln>
+            <a:effectLst/>
+          </p:spPr>
+          <p:txBody>
+            <a:bodyPr rtlCol="0" anchor="ctr"/>
+            <a:lstStyle/>
+            <a:p>
+              <a:pPr algn="ctr" defTabSz="914126"/>
+              <a:r>
+                <a:rPr lang="en-US" sz="800" kern="0" dirty="0">
+                  <a:solidFill>
+                    <a:prstClr val="white"/>
+                  </a:solidFill>
+                  <a:latin typeface="Calibri" panose="020F0502020204030204"/>
+                  <a:ea typeface=""/>
+                  <a:cs typeface=""/>
+                </a:rPr>
+                <a:t>Worker</a:t>
+              </a:r>
+            </a:p>
+          </p:txBody>
+        </p:sp>
+        <p:sp>
+          <p:nvSpPr>
+            <p:cNvPr id="57" name="TextBox 56"/>
+            <p:cNvSpPr txBox="1"/>
+            <p:nvPr/>
+          </p:nvSpPr>
+          <p:spPr>
+            <a:xfrm flipH="1">
+              <a:off x="3880309" y="4300214"/>
+              <a:ext cx="512421" cy="369332"/>
+            </a:xfrm>
+            <a:prstGeom prst="rect">
+              <a:avLst/>
+            </a:prstGeom>
+            <a:noFill/>
+          </p:spPr>
+          <p:txBody>
+            <a:bodyPr wrap="square" rtlCol="0">
+              <a:spAutoFit/>
+            </a:bodyPr>
+            <a:lstStyle/>
+            <a:p>
+              <a:r>
+                <a:rPr lang="en-US" sz="1800" dirty="0"/>
+                <a:t>HA</a:t>
+              </a:r>
+            </a:p>
+          </p:txBody>
+        </p:sp>
+        <p:sp>
+          <p:nvSpPr>
+            <p:cNvPr id="58" name="Hexagon 57"/>
+            <p:cNvSpPr/>
+            <p:nvPr/>
+          </p:nvSpPr>
+          <p:spPr>
+            <a:xfrm>
+              <a:off x="6327864" y="3624137"/>
+              <a:ext cx="807622" cy="696226"/>
+            </a:xfrm>
+            <a:prstGeom prst="hexagon">
+              <a:avLst/>
+            </a:prstGeom>
+            <a:solidFill>
+              <a:srgbClr val="4472C4"/>
+            </a:solidFill>
+            <a:ln w="12700" cap="flat" cmpd="sng" algn="ctr">
+              <a:solidFill>
+                <a:srgbClr val="4472C4">
+                  <a:shade val="50000"/>
+                </a:srgbClr>
+              </a:solidFill>
+              <a:prstDash val="solid"/>
+              <a:miter lim="800000"/>
+            </a:ln>
+            <a:effectLst/>
+          </p:spPr>
+          <p:txBody>
+            <a:bodyPr rtlCol="0" anchor="ctr"/>
+            <a:lstStyle/>
+            <a:p>
+              <a:pPr algn="ctr" defTabSz="914126"/>
+              <a:r>
+                <a:rPr lang="en-US" sz="800" kern="0" dirty="0">
+                  <a:solidFill>
+                    <a:prstClr val="white"/>
+                  </a:solidFill>
+                  <a:latin typeface="Calibri" panose="020F0502020204030204"/>
+                  <a:ea typeface=""/>
+                  <a:cs typeface=""/>
+                </a:rPr>
+                <a:t>Worker</a:t>
+              </a:r>
+            </a:p>
+          </p:txBody>
+        </p:sp>
+        <p:sp>
+          <p:nvSpPr>
+            <p:cNvPr id="59" name="Hexagon 58"/>
+            <p:cNvSpPr/>
+            <p:nvPr/>
+          </p:nvSpPr>
+          <p:spPr>
+            <a:xfrm>
+              <a:off x="6340794" y="4366001"/>
+              <a:ext cx="807622" cy="696226"/>
+            </a:xfrm>
+            <a:prstGeom prst="hexagon">
+              <a:avLst/>
+            </a:prstGeom>
+            <a:solidFill>
+              <a:srgbClr val="4472C4"/>
+            </a:solidFill>
+            <a:ln w="12700" cap="flat" cmpd="sng" algn="ctr">
+              <a:solidFill>
+                <a:srgbClr val="4472C4">
+                  <a:shade val="50000"/>
+                </a:srgbClr>
+              </a:solidFill>
+              <a:prstDash val="solid"/>
+              <a:miter lim="800000"/>
+            </a:ln>
+            <a:effectLst/>
+          </p:spPr>
+          <p:txBody>
+            <a:bodyPr rtlCol="0" anchor="ctr"/>
+            <a:lstStyle/>
+            <a:p>
+              <a:pPr algn="ctr" defTabSz="914126"/>
+              <a:r>
+                <a:rPr lang="en-US" sz="800" kern="0" dirty="0">
+                  <a:solidFill>
+                    <a:prstClr val="white"/>
+                  </a:solidFill>
+                  <a:latin typeface="Calibri" panose="020F0502020204030204"/>
+                  <a:ea typeface=""/>
+                  <a:cs typeface=""/>
+                </a:rPr>
+                <a:t>Worker</a:t>
+              </a:r>
+            </a:p>
+          </p:txBody>
+        </p:sp>
+        <p:sp>
+          <p:nvSpPr>
+            <p:cNvPr id="60" name="Rectangle 59"/>
+            <p:cNvSpPr/>
+            <p:nvPr/>
+          </p:nvSpPr>
+          <p:spPr>
+            <a:xfrm>
+              <a:off x="1851572" y="3578268"/>
+              <a:ext cx="1638471" cy="1202135"/>
+            </a:xfrm>
+            <a:prstGeom prst="rect">
+              <a:avLst/>
+            </a:prstGeom>
+            <a:noFill/>
+            <a:ln w="25400">
+              <a:solidFill>
+                <a:schemeClr val="bg2"/>
+              </a:solidFill>
+            </a:ln>
+          </p:spPr>
+          <p:style>
+            <a:lnRef idx="2">
+              <a:schemeClr val="accent1">
+                <a:shade val="50000"/>
+              </a:schemeClr>
+            </a:lnRef>
+            <a:fillRef idx="1">
+              <a:schemeClr val="accent1"/>
+            </a:fillRef>
+            <a:effectRef idx="0">
+              <a:schemeClr val="accent1"/>
+            </a:effectRef>
+            <a:fontRef idx="minor">
+              <a:schemeClr val="lt1"/>
+            </a:fontRef>
+          </p:style>
+          <p:txBody>
+            <a:bodyPr rtlCol="0" anchor="ctr"/>
+            <a:lstStyle/>
+            <a:p>
+              <a:pPr algn="ctr"/>
+              <a:endParaRPr lang="en-US" dirty="0"/>
+            </a:p>
+          </p:txBody>
+        </p:sp>
+        <p:sp>
+          <p:nvSpPr>
+            <p:cNvPr id="61" name="Hexagon 60"/>
+            <p:cNvSpPr/>
+            <p:nvPr/>
+          </p:nvSpPr>
+          <p:spPr>
+            <a:xfrm>
+              <a:off x="1913660" y="3641029"/>
+              <a:ext cx="807622" cy="696226"/>
+            </a:xfrm>
+            <a:prstGeom prst="hexagon">
+              <a:avLst/>
+            </a:prstGeom>
+            <a:solidFill>
+              <a:srgbClr val="C00000"/>
+            </a:solidFill>
+            <a:ln w="12700" cap="flat" cmpd="sng" algn="ctr">
+              <a:solidFill>
+                <a:srgbClr val="ED7D31">
+                  <a:lumMod val="75000"/>
+                </a:srgbClr>
+              </a:solidFill>
+              <a:prstDash val="solid"/>
+              <a:miter lim="800000"/>
+            </a:ln>
+            <a:effectLst/>
+          </p:spPr>
+          <p:txBody>
+            <a:bodyPr rtlCol="0" anchor="ctr"/>
+            <a:lstStyle/>
+            <a:p>
+              <a:pPr algn="ctr" defTabSz="914126"/>
+              <a:r>
+                <a:rPr lang="en-US" sz="800" kern="0" dirty="0">
+                  <a:solidFill>
+                    <a:prstClr val="white"/>
+                  </a:solidFill>
+                  <a:latin typeface="Calibri" panose="020F0502020204030204"/>
+                  <a:ea typeface=""/>
+                  <a:cs typeface=""/>
+                </a:rPr>
+                <a:t>Master</a:t>
+              </a:r>
+            </a:p>
+          </p:txBody>
+        </p:sp>
+        <p:sp>
+          <p:nvSpPr>
+            <p:cNvPr id="63" name="Hexagon 62"/>
+            <p:cNvSpPr/>
+            <p:nvPr/>
+          </p:nvSpPr>
+          <p:spPr>
+            <a:xfrm>
+              <a:off x="2586593" y="4012892"/>
+              <a:ext cx="807622" cy="696226"/>
+            </a:xfrm>
+            <a:prstGeom prst="hexagon">
+              <a:avLst/>
+            </a:prstGeom>
+            <a:solidFill>
+              <a:srgbClr val="4472C4"/>
+            </a:solidFill>
+            <a:ln w="12700" cap="flat" cmpd="sng" algn="ctr">
+              <a:solidFill>
+                <a:srgbClr val="4472C4">
+                  <a:shade val="50000"/>
+                </a:srgbClr>
+              </a:solidFill>
+              <a:prstDash val="solid"/>
+              <a:miter lim="800000"/>
+            </a:ln>
+            <a:effectLst/>
+          </p:spPr>
+          <p:txBody>
+            <a:bodyPr rtlCol="0" anchor="ctr"/>
+            <a:lstStyle/>
+            <a:p>
+              <a:pPr algn="ctr" defTabSz="914126"/>
+              <a:r>
+                <a:rPr lang="en-US" sz="800" kern="0" dirty="0">
+                  <a:solidFill>
+                    <a:prstClr val="white"/>
+                  </a:solidFill>
+                  <a:latin typeface="Calibri" panose="020F0502020204030204"/>
+                  <a:ea typeface=""/>
+                  <a:cs typeface=""/>
+                </a:rPr>
+                <a:t>Worker</a:t>
+              </a:r>
+            </a:p>
+          </p:txBody>
+        </p:sp>
+      </p:grpSp>
     </p:spTree>
+    <p:extLst>
+      <p:ext uri="{BB962C8B-B14F-4D97-AF65-F5344CB8AC3E}">
+        <p14:creationId xmlns:p14="http://schemas.microsoft.com/office/powerpoint/2010/main" val="2871860752"/>
+      </p:ext>
+    </p:extLst>
   </p:cSld>
   <p:clrMapOvr>
     <a:masterClrMapping/>
   </p:clrMapOvr>
-  <p:transition spd="med"/>
+  <p:timing>
+    <p:tnLst>
+      <p:par>
+        <p:cTn id="1" dur="indefinite" restart="never" nodeType="tmRoot">
+          <p:childTnLst>
+            <p:seq concurrent="1" nextAc="seek">
+              <p:cTn id="2" dur="indefinite" nodeType="mainSeq">
+                <p:childTnLst>
+                  <p:par>
+                    <p:cTn id="3" fill="hold">
+                      <p:stCondLst>
+                        <p:cond delay="indefinite"/>
+                      </p:stCondLst>
+                      <p:childTnLst>
+                        <p:par>
+                          <p:cTn id="4" fill="hold">
+                            <p:stCondLst>
+                              <p:cond delay="0"/>
+                            </p:stCondLst>
+                            <p:childTnLst>
+                              <p:par>
+                                <p:cTn id="5" presetID="1" presetClass="entr" presetSubtype="0" fill="hold" nodeType="clickEffect">
+                                  <p:stCondLst>
+                                    <p:cond delay="0"/>
+                                  </p:stCondLst>
+                                  <p:childTnLst>
+                                    <p:set>
+                                      <p:cBhvr>
+                                        <p:cTn id="6" dur="1" fill="hold">
+                                          <p:stCondLst>
+                                            <p:cond delay="0"/>
+                                          </p:stCondLst>
+                                        </p:cTn>
+                                        <p:tgtEl>
+                                          <p:spTgt spid="4"/>
+                                        </p:tgtEl>
+                                        <p:attrNameLst>
+                                          <p:attrName>style.visibility</p:attrName>
+                                        </p:attrNameLst>
+                                      </p:cBhvr>
+                                      <p:to>
+                                        <p:strVal val="visible"/>
+                                      </p:to>
+                                    </p:set>
+                                  </p:childTnLst>
+                                </p:cTn>
+                              </p:par>
+                            </p:childTnLst>
+                          </p:cTn>
+                        </p:par>
+                      </p:childTnLst>
+                    </p:cTn>
+                  </p:par>
+                  <p:par>
+                    <p:cTn id="7" fill="hold">
+                      <p:stCondLst>
+                        <p:cond delay="indefinite"/>
+                      </p:stCondLst>
+                      <p:childTnLst>
+                        <p:par>
+                          <p:cTn id="8" fill="hold">
+                            <p:stCondLst>
+                              <p:cond delay="0"/>
+                            </p:stCondLst>
+                            <p:childTnLst>
+                              <p:par>
+                                <p:cTn id="9" presetID="1" presetClass="entr" presetSubtype="0" fill="hold" grpId="0" nodeType="clickEffect">
+                                  <p:stCondLst>
+                                    <p:cond delay="0"/>
+                                  </p:stCondLst>
+                                  <p:childTnLst>
+                                    <p:set>
+                                      <p:cBhvr>
+                                        <p:cTn id="10" dur="1" fill="hold">
+                                          <p:stCondLst>
+                                            <p:cond delay="0"/>
+                                          </p:stCondLst>
+                                        </p:cTn>
+                                        <p:tgtEl>
+                                          <p:spTgt spid="3"/>
+                                        </p:tgtEl>
+                                        <p:attrNameLst>
+                                          <p:attrName>style.visibility</p:attrName>
+                                        </p:attrNameLst>
+                                      </p:cBhvr>
+                                      <p:to>
+                                        <p:strVal val="visible"/>
+                                      </p:to>
+                                    </p:set>
+                                  </p:childTnLst>
+                                </p:cTn>
+                              </p:par>
+                            </p:childTnLst>
+                          </p:cTn>
+                        </p:par>
+                      </p:childTnLst>
+                    </p:cTn>
+                  </p:par>
+                  <p:par>
+                    <p:cTn id="11" fill="hold">
+                      <p:stCondLst>
+                        <p:cond delay="indefinite"/>
+                      </p:stCondLst>
+                      <p:childTnLst>
+                        <p:par>
+                          <p:cTn id="12" fill="hold">
+                            <p:stCondLst>
+                              <p:cond delay="0"/>
+                            </p:stCondLst>
+                            <p:childTnLst>
+                              <p:par>
+                                <p:cTn id="13" presetID="1" presetClass="entr" presetSubtype="0" fill="hold" grpId="0" nodeType="clickEffect">
+                                  <p:stCondLst>
+                                    <p:cond delay="0"/>
+                                  </p:stCondLst>
+                                  <p:childTnLst>
+                                    <p:set>
+                                      <p:cBhvr>
+                                        <p:cTn id="14" dur="1" fill="hold">
+                                          <p:stCondLst>
+                                            <p:cond delay="0"/>
+                                          </p:stCondLst>
+                                        </p:cTn>
+                                        <p:tgtEl>
+                                          <p:spTgt spid="102"/>
+                                        </p:tgtEl>
+                                        <p:attrNameLst>
+                                          <p:attrName>style.visibility</p:attrName>
+                                        </p:attrNameLst>
+                                      </p:cBhvr>
+                                      <p:to>
+                                        <p:strVal val="visible"/>
+                                      </p:to>
+                                    </p:set>
+                                  </p:childTnLst>
+                                </p:cTn>
+                              </p:par>
+                            </p:childTnLst>
+                          </p:cTn>
+                        </p:par>
+                      </p:childTnLst>
+                    </p:cTn>
+                  </p:par>
+                  <p:par>
+                    <p:cTn id="15" fill="hold">
+                      <p:stCondLst>
+                        <p:cond delay="indefinite"/>
+                      </p:stCondLst>
+                      <p:childTnLst>
+                        <p:par>
+                          <p:cTn id="16" fill="hold">
+                            <p:stCondLst>
+                              <p:cond delay="0"/>
+                            </p:stCondLst>
+                            <p:childTnLst>
+                              <p:par>
+                                <p:cTn id="17" presetID="1" presetClass="entr" presetSubtype="0" fill="hold" nodeType="clickEffect">
+                                  <p:stCondLst>
+                                    <p:cond delay="0"/>
+                                  </p:stCondLst>
+                                  <p:childTnLst>
+                                    <p:set>
+                                      <p:cBhvr>
+                                        <p:cTn id="18" dur="1" fill="hold">
+                                          <p:stCondLst>
+                                            <p:cond delay="0"/>
+                                          </p:stCondLst>
+                                        </p:cTn>
+                                        <p:tgtEl>
+                                          <p:spTgt spid="13"/>
+                                        </p:tgtEl>
+                                        <p:attrNameLst>
+                                          <p:attrName>style.visibility</p:attrName>
+                                        </p:attrNameLst>
+                                      </p:cBhvr>
+                                      <p:to>
+                                        <p:strVal val="visible"/>
+                                      </p:to>
+                                    </p:set>
+                                  </p:childTnLst>
+                                </p:cTn>
+                              </p:par>
+                            </p:childTnLst>
+                          </p:cTn>
+                        </p:par>
+                      </p:childTnLst>
+                    </p:cTn>
+                  </p:par>
+                </p:childTnLst>
+              </p:cTn>
+              <p:prevCondLst>
+                <p:cond evt="onPrev" delay="0">
+                  <p:tgtEl>
+                    <p:sldTgt/>
+                  </p:tgtEl>
+                </p:cond>
+              </p:prevCondLst>
+              <p:nextCondLst>
+                <p:cond evt="onNext" delay="0">
+                  <p:tgtEl>
+                    <p:sldTgt/>
+                  </p:tgtEl>
+                </p:cond>
+              </p:nextCondLst>
+            </p:seq>
+          </p:childTnLst>
+        </p:cTn>
+      </p:par>
+    </p:tnLst>
+    <p:bldLst>
+      <p:bldP spid="3" grpId="0"/>
+      <p:bldP spid="102" grpId="0"/>
+    </p:bldLst>
+  </p:timing>
+</p:sld>
+</file>
+
+<file path=ppt/slides/slide19.xml><?xml version="1.0" encoding="utf-8"?>
+<p:sld xmlns:a="http://schemas.openxmlformats.org/drawingml/2006/main" xmlns:r="http://schemas.openxmlformats.org/officeDocument/2006/relationships" xmlns:p="http://schemas.openxmlformats.org/presentationml/2006/main">
+  <p:cSld>
+    <p:spTree>
+      <p:nvGrpSpPr>
+        <p:cNvPr id="1" name=""/>
+        <p:cNvGrpSpPr/>
+        <p:nvPr/>
+      </p:nvGrpSpPr>
+      <p:grpSpPr>
+        <a:xfrm>
+          <a:off x="0" y="0"/>
+          <a:ext cx="0" cy="0"/>
+          <a:chOff x="0" y="0"/>
+          <a:chExt cx="0" cy="0"/>
+        </a:xfrm>
+      </p:grpSpPr>
+      <p:grpSp>
+        <p:nvGrpSpPr>
+          <p:cNvPr id="4" name="Group 3"/>
+          <p:cNvGrpSpPr/>
+          <p:nvPr/>
+        </p:nvGrpSpPr>
+        <p:grpSpPr>
+          <a:xfrm>
+            <a:off x="196690" y="1323054"/>
+            <a:ext cx="4220893" cy="3365229"/>
+            <a:chOff x="193564" y="1322503"/>
+            <a:chExt cx="4221992" cy="3366105"/>
+          </a:xfrm>
+        </p:grpSpPr>
+        <p:sp>
+          <p:nvSpPr>
+            <p:cNvPr id="3" name="Curved Right Arrow 2"/>
+            <p:cNvSpPr/>
+            <p:nvPr/>
+          </p:nvSpPr>
+          <p:spPr bwMode="gray">
+            <a:xfrm rot="5400000">
+              <a:off x="2370451" y="307078"/>
+              <a:ext cx="908957" cy="2939808"/>
+            </a:xfrm>
+            <a:prstGeom prst="curvedRightArrow">
+              <a:avLst/>
+            </a:prstGeom>
+            <a:solidFill>
+              <a:srgbClr val="4373C4"/>
+            </a:solidFill>
+            <a:ln>
+              <a:solidFill>
+                <a:srgbClr val="4373C4"/>
+              </a:solidFill>
+              <a:headEnd/>
+              <a:tailEnd/>
+            </a:ln>
+          </p:spPr>
+          <p:style>
+            <a:lnRef idx="2">
+              <a:schemeClr val="accent3">
+                <a:shade val="50000"/>
+              </a:schemeClr>
+            </a:lnRef>
+            <a:fillRef idx="1">
+              <a:schemeClr val="accent3"/>
+            </a:fillRef>
+            <a:effectRef idx="0">
+              <a:schemeClr val="accent3"/>
+            </a:effectRef>
+            <a:fontRef idx="minor">
+              <a:schemeClr val="lt1"/>
+            </a:fontRef>
+          </p:style>
+          <p:txBody>
+            <a:bodyPr lIns="89977" tIns="71981" rIns="89977" bIns="71981" rtlCol="0" anchor="ctr"/>
+            <a:lstStyle/>
+            <a:p>
+              <a:pPr algn="ctr" defTabSz="914126" fontAlgn="base">
+                <a:spcBef>
+                  <a:spcPct val="50000"/>
+                </a:spcBef>
+                <a:spcAft>
+                  <a:spcPct val="0"/>
+                </a:spcAft>
+                <a:buClr>
+                  <a:srgbClr val="F0AB00"/>
+                </a:buClr>
+                <a:buSzPct val="80000"/>
+              </a:pPr>
+              <a:endParaRPr lang="en-GB" sz="1799" kern="0" dirty="0" err="1">
+                <a:ea typeface="Arial Unicode MS" pitchFamily="34" charset="-128"/>
+                <a:cs typeface="Arial Unicode MS" pitchFamily="34" charset="-128"/>
+              </a:endParaRPr>
+            </a:p>
+          </p:txBody>
+        </p:sp>
+        <p:sp>
+          <p:nvSpPr>
+            <p:cNvPr id="105" name="Curved Right Arrow 104"/>
+            <p:cNvSpPr/>
+            <p:nvPr/>
+          </p:nvSpPr>
+          <p:spPr bwMode="gray">
+            <a:xfrm rot="16200000">
+              <a:off x="2491173" y="2764226"/>
+              <a:ext cx="908957" cy="2939808"/>
+            </a:xfrm>
+            <a:prstGeom prst="curvedRightArrow">
+              <a:avLst/>
+            </a:prstGeom>
+            <a:solidFill>
+              <a:srgbClr val="4373C4"/>
+            </a:solidFill>
+            <a:ln>
+              <a:solidFill>
+                <a:srgbClr val="4373C4"/>
+              </a:solidFill>
+              <a:headEnd/>
+              <a:tailEnd/>
+            </a:ln>
+          </p:spPr>
+          <p:style>
+            <a:lnRef idx="2">
+              <a:schemeClr val="accent3">
+                <a:shade val="50000"/>
+              </a:schemeClr>
+            </a:lnRef>
+            <a:fillRef idx="1">
+              <a:schemeClr val="accent3"/>
+            </a:fillRef>
+            <a:effectRef idx="0">
+              <a:schemeClr val="accent3"/>
+            </a:effectRef>
+            <a:fontRef idx="minor">
+              <a:schemeClr val="lt1"/>
+            </a:fontRef>
+          </p:style>
+          <p:txBody>
+            <a:bodyPr lIns="89977" tIns="71981" rIns="89977" bIns="71981" rtlCol="0" anchor="ctr"/>
+            <a:lstStyle/>
+            <a:p>
+              <a:pPr algn="ctr" defTabSz="914126" fontAlgn="base">
+                <a:spcBef>
+                  <a:spcPct val="50000"/>
+                </a:spcBef>
+                <a:spcAft>
+                  <a:spcPct val="0"/>
+                </a:spcAft>
+                <a:buClr>
+                  <a:srgbClr val="F0AB00"/>
+                </a:buClr>
+                <a:buSzPct val="80000"/>
+              </a:pPr>
+              <a:endParaRPr lang="en-GB" sz="1799" kern="0" dirty="0" err="1">
+                <a:ea typeface="Arial Unicode MS" pitchFamily="34" charset="-128"/>
+                <a:cs typeface="Arial Unicode MS" pitchFamily="34" charset="-128"/>
+              </a:endParaRPr>
+            </a:p>
+          </p:txBody>
+        </p:sp>
+        <p:sp>
+          <p:nvSpPr>
+            <p:cNvPr id="106" name="TextBox 105"/>
+            <p:cNvSpPr txBox="1"/>
+            <p:nvPr/>
+          </p:nvSpPr>
+          <p:spPr>
+            <a:xfrm>
+              <a:off x="193564" y="2310363"/>
+              <a:ext cx="2167923" cy="922945"/>
+            </a:xfrm>
+            <a:prstGeom prst="rect">
+              <a:avLst/>
+            </a:prstGeom>
+            <a:noFill/>
+          </p:spPr>
+          <p:txBody>
+            <a:bodyPr wrap="square" rtlCol="0">
+              <a:spAutoFit/>
+            </a:bodyPr>
+            <a:lstStyle/>
+            <a:p>
+              <a:pPr algn="ctr"/>
+              <a:r>
+                <a:rPr lang="en-US" sz="1799" b="1" dirty="0">
+                  <a:solidFill>
+                    <a:prstClr val="black"/>
+                  </a:solidFill>
+                  <a:latin typeface="Calibri" panose="020F0502020204030204"/>
+                </a:rPr>
+                <a:t>Management Vector</a:t>
+              </a:r>
+            </a:p>
+            <a:p>
+              <a:pPr algn="ctr"/>
+              <a:r>
+                <a:rPr lang="en-US" sz="1799" b="1" dirty="0">
+                  <a:solidFill>
+                    <a:prstClr val="black"/>
+                  </a:solidFill>
+                  <a:latin typeface="Calibri" panose="020F0502020204030204"/>
+                </a:rPr>
+                <a:t>into all</a:t>
+              </a:r>
+            </a:p>
+            <a:p>
+              <a:pPr algn="ctr"/>
+              <a:r>
+                <a:rPr lang="en-US" sz="1799" b="1" dirty="0">
+                  <a:solidFill>
+                    <a:prstClr val="black"/>
+                  </a:solidFill>
+                  <a:latin typeface="Calibri" panose="020F0502020204030204"/>
+                </a:rPr>
+                <a:t>Control Planes</a:t>
+              </a:r>
+            </a:p>
+          </p:txBody>
+        </p:sp>
+      </p:grpSp>
+      <p:sp>
+        <p:nvSpPr>
+          <p:cNvPr id="2" name="Title 1"/>
+          <p:cNvSpPr>
+            <a:spLocks noGrp="1"/>
+          </p:cNvSpPr>
+          <p:nvPr>
+            <p:ph type="title"/>
+          </p:nvPr>
+        </p:nvSpPr>
+        <p:spPr>
+          <a:xfrm>
+            <a:off x="504001" y="504000"/>
+            <a:ext cx="5840279" cy="691200"/>
+          </a:xfrm>
+        </p:spPr>
+        <p:txBody>
+          <a:bodyPr/>
+          <a:lstStyle/>
+          <a:p>
+            <a:r>
+              <a:rPr lang="en-US" dirty="0">
+                <a:solidFill>
+                  <a:srgbClr val="09ABFF"/>
+                </a:solidFill>
+              </a:rPr>
+              <a:t>The Gardener:</a:t>
+            </a:r>
+            <a:r>
+              <a:rPr lang="en-US" dirty="0"/>
+              <a:t> Control Plane Engineering with minimal TCO!</a:t>
+            </a:r>
+            <a:endParaRPr lang="en-GB" dirty="0"/>
+          </a:p>
+        </p:txBody>
+      </p:sp>
+      <p:sp>
+        <p:nvSpPr>
+          <p:cNvPr id="54" name="TextBox 53"/>
+          <p:cNvSpPr txBox="1"/>
+          <p:nvPr/>
+        </p:nvSpPr>
+        <p:spPr>
+          <a:xfrm>
+            <a:off x="3181562" y="1481457"/>
+            <a:ext cx="1351044" cy="369108"/>
+          </a:xfrm>
+          <a:prstGeom prst="rect">
+            <a:avLst/>
+          </a:prstGeom>
+          <a:noFill/>
+        </p:spPr>
+        <p:txBody>
+          <a:bodyPr wrap="none" rtlCol="0">
+            <a:spAutoFit/>
+          </a:bodyPr>
+          <a:lstStyle/>
+          <a:p>
+            <a:r>
+              <a:rPr lang="en-US" sz="1799">
+                <a:solidFill>
+                  <a:prstClr val="black"/>
+                </a:solidFill>
+                <a:latin typeface="Calibri" panose="020F0502020204030204"/>
+              </a:rPr>
+              <a:t>Seed Cluster</a:t>
+            </a:r>
+          </a:p>
+        </p:txBody>
+      </p:sp>
+      <p:sp>
+        <p:nvSpPr>
+          <p:cNvPr id="55" name="Rectangle 54"/>
+          <p:cNvSpPr/>
+          <p:nvPr/>
+        </p:nvSpPr>
+        <p:spPr>
+          <a:xfrm>
+            <a:off x="2361592" y="1830678"/>
+            <a:ext cx="2991178" cy="1943494"/>
+          </a:xfrm>
+          <a:prstGeom prst="rect">
+            <a:avLst/>
+          </a:prstGeom>
+          <a:noFill/>
+          <a:ln w="25400" cap="flat" cmpd="sng" algn="ctr">
+            <a:solidFill>
+              <a:srgbClr val="70AD47"/>
+            </a:solidFill>
+            <a:prstDash val="solid"/>
+            <a:miter lim="800000"/>
+          </a:ln>
+          <a:effectLst/>
+        </p:spPr>
+        <p:txBody>
+          <a:bodyPr rtlCol="0" anchor="ctr"/>
+          <a:lstStyle/>
+          <a:p>
+            <a:pPr algn="ctr" defTabSz="914126">
+              <a:defRPr/>
+            </a:pPr>
+            <a:endParaRPr lang="en-US" sz="1799" kern="0">
+              <a:solidFill>
+                <a:prstClr val="white"/>
+              </a:solidFill>
+              <a:latin typeface="Calibri" panose="020F0502020204030204"/>
+              <a:ea typeface=""/>
+              <a:cs typeface=""/>
+            </a:endParaRPr>
+          </a:p>
+        </p:txBody>
+      </p:sp>
+      <p:sp>
+        <p:nvSpPr>
+          <p:cNvPr id="56" name="Hexagon 55"/>
+          <p:cNvSpPr/>
+          <p:nvPr/>
+        </p:nvSpPr>
+        <p:spPr>
+          <a:xfrm>
+            <a:off x="3100379" y="2636957"/>
+            <a:ext cx="807412" cy="696045"/>
+          </a:xfrm>
+          <a:prstGeom prst="hexagon">
+            <a:avLst/>
+          </a:prstGeom>
+          <a:solidFill>
+            <a:srgbClr val="C00000"/>
+          </a:solidFill>
+          <a:ln w="12700" cap="flat" cmpd="sng" algn="ctr">
+            <a:solidFill>
+              <a:srgbClr val="ED7D31">
+                <a:lumMod val="75000"/>
+              </a:srgbClr>
+            </a:solidFill>
+            <a:prstDash val="solid"/>
+            <a:miter lim="800000"/>
+          </a:ln>
+          <a:effectLst/>
+        </p:spPr>
+        <p:txBody>
+          <a:bodyPr rtlCol="0" anchor="ctr"/>
+          <a:lstStyle/>
+          <a:p>
+            <a:pPr algn="ctr" defTabSz="914126">
+              <a:defRPr/>
+            </a:pPr>
+            <a:r>
+              <a:rPr lang="en-US" sz="800" kern="0">
+                <a:solidFill>
+                  <a:prstClr val="white"/>
+                </a:solidFill>
+                <a:latin typeface="Calibri" panose="020F0502020204030204"/>
+                <a:ea typeface=""/>
+                <a:cs typeface=""/>
+              </a:rPr>
+              <a:t>Master</a:t>
+            </a:r>
+          </a:p>
+        </p:txBody>
+      </p:sp>
+      <p:sp>
+        <p:nvSpPr>
+          <p:cNvPr id="57" name="Hexagon 56"/>
+          <p:cNvSpPr/>
+          <p:nvPr/>
+        </p:nvSpPr>
+        <p:spPr>
+          <a:xfrm>
+            <a:off x="2423663" y="2253319"/>
+            <a:ext cx="807412" cy="696045"/>
+          </a:xfrm>
+          <a:prstGeom prst="hexagon">
+            <a:avLst/>
+          </a:prstGeom>
+          <a:solidFill>
+            <a:srgbClr val="C00000"/>
+          </a:solidFill>
+          <a:ln w="12700" cap="flat" cmpd="sng" algn="ctr">
+            <a:solidFill>
+              <a:srgbClr val="ED7D31">
+                <a:lumMod val="75000"/>
+              </a:srgbClr>
+            </a:solidFill>
+            <a:prstDash val="solid"/>
+            <a:miter lim="800000"/>
+          </a:ln>
+          <a:effectLst/>
+        </p:spPr>
+        <p:txBody>
+          <a:bodyPr rtlCol="0" anchor="ctr"/>
+          <a:lstStyle/>
+          <a:p>
+            <a:pPr algn="ctr" defTabSz="914126">
+              <a:defRPr/>
+            </a:pPr>
+            <a:r>
+              <a:rPr lang="en-US" sz="800" kern="0">
+                <a:solidFill>
+                  <a:prstClr val="white"/>
+                </a:solidFill>
+                <a:latin typeface="Calibri" panose="020F0502020204030204"/>
+                <a:ea typeface=""/>
+                <a:cs typeface=""/>
+              </a:rPr>
+              <a:t>Master</a:t>
+            </a:r>
+          </a:p>
+        </p:txBody>
+      </p:sp>
+      <p:sp>
+        <p:nvSpPr>
+          <p:cNvPr id="58" name="Hexagon 57"/>
+          <p:cNvSpPr/>
+          <p:nvPr/>
+        </p:nvSpPr>
+        <p:spPr>
+          <a:xfrm>
+            <a:off x="3100379" y="1893425"/>
+            <a:ext cx="807412" cy="696045"/>
+          </a:xfrm>
+          <a:prstGeom prst="hexagon">
+            <a:avLst/>
+          </a:prstGeom>
+          <a:solidFill>
+            <a:srgbClr val="C00000"/>
+          </a:solidFill>
+          <a:ln w="12700" cap="flat" cmpd="sng" algn="ctr">
+            <a:solidFill>
+              <a:srgbClr val="ED7D31">
+                <a:lumMod val="75000"/>
+              </a:srgbClr>
+            </a:solidFill>
+            <a:prstDash val="solid"/>
+            <a:miter lim="800000"/>
+          </a:ln>
+          <a:effectLst/>
+        </p:spPr>
+        <p:txBody>
+          <a:bodyPr rtlCol="0" anchor="ctr"/>
+          <a:lstStyle/>
+          <a:p>
+            <a:pPr algn="ctr" defTabSz="914126">
+              <a:defRPr/>
+            </a:pPr>
+            <a:r>
+              <a:rPr lang="en-US" sz="800" kern="0">
+                <a:solidFill>
+                  <a:prstClr val="white"/>
+                </a:solidFill>
+                <a:latin typeface="Calibri" panose="020F0502020204030204"/>
+                <a:ea typeface=""/>
+                <a:cs typeface=""/>
+              </a:rPr>
+              <a:t>Master</a:t>
+            </a:r>
+          </a:p>
+        </p:txBody>
+      </p:sp>
+      <p:sp>
+        <p:nvSpPr>
+          <p:cNvPr id="59" name="Hexagon 58"/>
+          <p:cNvSpPr/>
+          <p:nvPr/>
+        </p:nvSpPr>
+        <p:spPr>
+          <a:xfrm>
+            <a:off x="3773137" y="2265191"/>
+            <a:ext cx="807412" cy="696045"/>
+          </a:xfrm>
+          <a:prstGeom prst="hexagon">
+            <a:avLst/>
+          </a:prstGeom>
+          <a:solidFill>
+            <a:srgbClr val="4472C4"/>
+          </a:solidFill>
+          <a:ln w="12700" cap="flat" cmpd="sng" algn="ctr">
+            <a:solidFill>
+              <a:srgbClr val="4472C4">
+                <a:shade val="50000"/>
+              </a:srgbClr>
+            </a:solidFill>
+            <a:prstDash val="solid"/>
+            <a:miter lim="800000"/>
+          </a:ln>
+          <a:effectLst/>
+        </p:spPr>
+        <p:txBody>
+          <a:bodyPr rtlCol="0" anchor="ctr"/>
+          <a:lstStyle/>
+          <a:p>
+            <a:pPr algn="ctr" defTabSz="914126">
+              <a:defRPr/>
+            </a:pPr>
+            <a:r>
+              <a:rPr lang="en-US" sz="800" kern="0">
+                <a:solidFill>
+                  <a:prstClr val="white"/>
+                </a:solidFill>
+                <a:latin typeface="Calibri" panose="020F0502020204030204"/>
+                <a:ea typeface=""/>
+                <a:cs typeface=""/>
+              </a:rPr>
+              <a:t>Worker/Minion</a:t>
+            </a:r>
+          </a:p>
+        </p:txBody>
+      </p:sp>
+      <p:sp>
+        <p:nvSpPr>
+          <p:cNvPr id="60" name="Hexagon 59"/>
+          <p:cNvSpPr/>
+          <p:nvPr/>
+        </p:nvSpPr>
+        <p:spPr>
+          <a:xfrm>
+            <a:off x="4448192" y="1895287"/>
+            <a:ext cx="807412" cy="696045"/>
+          </a:xfrm>
+          <a:prstGeom prst="hexagon">
+            <a:avLst/>
+          </a:prstGeom>
+          <a:solidFill>
+            <a:srgbClr val="4472C4"/>
+          </a:solidFill>
+          <a:ln w="12700" cap="flat" cmpd="sng" algn="ctr">
+            <a:solidFill>
+              <a:srgbClr val="4472C4">
+                <a:shade val="50000"/>
+              </a:srgbClr>
+            </a:solidFill>
+            <a:prstDash val="solid"/>
+            <a:miter lim="800000"/>
+          </a:ln>
+          <a:effectLst/>
+        </p:spPr>
+        <p:txBody>
+          <a:bodyPr rtlCol="0" anchor="ctr"/>
+          <a:lstStyle/>
+          <a:p>
+            <a:pPr algn="ctr" defTabSz="914126">
+              <a:defRPr/>
+            </a:pPr>
+            <a:r>
+              <a:rPr lang="en-US" sz="800" kern="0">
+                <a:solidFill>
+                  <a:prstClr val="white"/>
+                </a:solidFill>
+                <a:latin typeface="Calibri" panose="020F0502020204030204"/>
+                <a:ea typeface=""/>
+                <a:cs typeface=""/>
+              </a:rPr>
+              <a:t>Worker/Minion</a:t>
+            </a:r>
+          </a:p>
+        </p:txBody>
+      </p:sp>
+      <p:sp>
+        <p:nvSpPr>
+          <p:cNvPr id="61" name="Hexagon 60"/>
+          <p:cNvSpPr/>
+          <p:nvPr/>
+        </p:nvSpPr>
+        <p:spPr>
+          <a:xfrm>
+            <a:off x="3773265" y="3008723"/>
+            <a:ext cx="807412" cy="696045"/>
+          </a:xfrm>
+          <a:prstGeom prst="hexagon">
+            <a:avLst/>
+          </a:prstGeom>
+          <a:solidFill>
+            <a:srgbClr val="4472C4"/>
+          </a:solidFill>
+          <a:ln w="12700" cap="flat" cmpd="sng" algn="ctr">
+            <a:solidFill>
+              <a:srgbClr val="4472C4">
+                <a:shade val="50000"/>
+              </a:srgbClr>
+            </a:solidFill>
+            <a:prstDash val="solid"/>
+            <a:miter lim="800000"/>
+          </a:ln>
+          <a:effectLst/>
+        </p:spPr>
+        <p:txBody>
+          <a:bodyPr rtlCol="0" anchor="ctr"/>
+          <a:lstStyle/>
+          <a:p>
+            <a:pPr algn="ctr" defTabSz="914126">
+              <a:defRPr/>
+            </a:pPr>
+            <a:r>
+              <a:rPr lang="en-US" sz="800" kern="0">
+                <a:solidFill>
+                  <a:prstClr val="white"/>
+                </a:solidFill>
+                <a:latin typeface="Calibri" panose="020F0502020204030204"/>
+                <a:ea typeface=""/>
+                <a:cs typeface=""/>
+              </a:rPr>
+              <a:t>Worker/Minion</a:t>
+            </a:r>
+          </a:p>
+        </p:txBody>
+      </p:sp>
+      <p:sp>
+        <p:nvSpPr>
+          <p:cNvPr id="62" name="Hexagon 61"/>
+          <p:cNvSpPr/>
+          <p:nvPr/>
+        </p:nvSpPr>
+        <p:spPr>
+          <a:xfrm>
+            <a:off x="4451977" y="2636958"/>
+            <a:ext cx="807412" cy="696045"/>
+          </a:xfrm>
+          <a:prstGeom prst="hexagon">
+            <a:avLst/>
+          </a:prstGeom>
+          <a:solidFill>
+            <a:srgbClr val="4472C4"/>
+          </a:solidFill>
+          <a:ln w="12700" cap="flat" cmpd="sng" algn="ctr">
+            <a:solidFill>
+              <a:srgbClr val="4472C4">
+                <a:shade val="50000"/>
+              </a:srgbClr>
+            </a:solidFill>
+            <a:prstDash val="solid"/>
+            <a:miter lim="800000"/>
+          </a:ln>
+          <a:effectLst/>
+        </p:spPr>
+        <p:txBody>
+          <a:bodyPr rtlCol="0" anchor="ctr"/>
+          <a:lstStyle/>
+          <a:p>
+            <a:pPr algn="ctr" defTabSz="914126">
+              <a:defRPr/>
+            </a:pPr>
+            <a:r>
+              <a:rPr lang="en-US" sz="800" kern="0">
+                <a:solidFill>
+                  <a:prstClr val="white"/>
+                </a:solidFill>
+                <a:latin typeface="Calibri" panose="020F0502020204030204"/>
+                <a:ea typeface=""/>
+                <a:cs typeface=""/>
+              </a:rPr>
+              <a:t>Worker/Minion</a:t>
+            </a:r>
+          </a:p>
+        </p:txBody>
+      </p:sp>
+      <p:sp>
+        <p:nvSpPr>
+          <p:cNvPr id="63" name="TextBox 62"/>
+          <p:cNvSpPr txBox="1"/>
+          <p:nvPr/>
+        </p:nvSpPr>
+        <p:spPr>
+          <a:xfrm flipH="1">
+            <a:off x="2683772" y="2942219"/>
+            <a:ext cx="512288" cy="369108"/>
+          </a:xfrm>
+          <a:prstGeom prst="rect">
+            <a:avLst/>
+          </a:prstGeom>
+          <a:noFill/>
+        </p:spPr>
+        <p:txBody>
+          <a:bodyPr wrap="square" rtlCol="0">
+            <a:spAutoFit/>
+          </a:bodyPr>
+          <a:lstStyle/>
+          <a:p>
+            <a:r>
+              <a:rPr lang="en-US" sz="1799">
+                <a:solidFill>
+                  <a:prstClr val="black"/>
+                </a:solidFill>
+                <a:latin typeface="Calibri" panose="020F0502020204030204"/>
+              </a:rPr>
+              <a:t>HA</a:t>
+            </a:r>
+          </a:p>
+        </p:txBody>
+      </p:sp>
+      <p:sp>
+        <p:nvSpPr>
+          <p:cNvPr id="64" name="Rectangle 63"/>
+          <p:cNvSpPr/>
+          <p:nvPr/>
+        </p:nvSpPr>
+        <p:spPr>
+          <a:xfrm>
+            <a:off x="2333619" y="1807525"/>
+            <a:ext cx="3040895" cy="1995370"/>
+          </a:xfrm>
+          <a:prstGeom prst="rect">
+            <a:avLst/>
+          </a:prstGeom>
+          <a:solidFill>
+            <a:sysClr val="window" lastClr="FFFFFF">
+              <a:alpha val="50000"/>
+            </a:sysClr>
+          </a:solidFill>
+          <a:ln w="12700" cap="flat" cmpd="sng" algn="ctr">
+            <a:noFill/>
+            <a:prstDash val="solid"/>
+            <a:miter lim="800000"/>
+          </a:ln>
+          <a:effectLst/>
+        </p:spPr>
+        <p:txBody>
+          <a:bodyPr rtlCol="0" anchor="ctr"/>
+          <a:lstStyle/>
+          <a:p>
+            <a:pPr algn="ctr" defTabSz="914126">
+              <a:defRPr/>
+            </a:pPr>
+            <a:endParaRPr lang="en-US" sz="1799" kern="0">
+              <a:solidFill>
+                <a:prstClr val="white"/>
+              </a:solidFill>
+              <a:latin typeface="Calibri" panose="020F0502020204030204"/>
+              <a:ea typeface=""/>
+              <a:cs typeface=""/>
+            </a:endParaRPr>
+          </a:p>
+        </p:txBody>
+      </p:sp>
+      <p:sp>
+        <p:nvSpPr>
+          <p:cNvPr id="65" name="Hexagon 64"/>
+          <p:cNvSpPr/>
+          <p:nvPr/>
+        </p:nvSpPr>
+        <p:spPr>
+          <a:xfrm>
+            <a:off x="6528722" y="2637602"/>
+            <a:ext cx="807412" cy="696045"/>
+          </a:xfrm>
+          <a:prstGeom prst="hexagon">
+            <a:avLst/>
+          </a:prstGeom>
+          <a:solidFill>
+            <a:srgbClr val="4472C4"/>
+          </a:solidFill>
+          <a:ln w="12700" cap="flat" cmpd="sng" algn="ctr">
+            <a:solidFill>
+              <a:srgbClr val="4472C4">
+                <a:shade val="50000"/>
+              </a:srgbClr>
+            </a:solidFill>
+            <a:prstDash val="solid"/>
+            <a:miter lim="800000"/>
+          </a:ln>
+          <a:effectLst/>
+        </p:spPr>
+        <p:txBody>
+          <a:bodyPr rtlCol="0" anchor="ctr"/>
+          <a:lstStyle/>
+          <a:p>
+            <a:pPr algn="ctr" defTabSz="914126">
+              <a:defRPr/>
+            </a:pPr>
+            <a:r>
+              <a:rPr lang="en-US" sz="800" kern="0">
+                <a:solidFill>
+                  <a:prstClr val="white"/>
+                </a:solidFill>
+                <a:latin typeface="Calibri" panose="020F0502020204030204"/>
+                <a:ea typeface=""/>
+                <a:cs typeface=""/>
+              </a:rPr>
+              <a:t>Worker/Minion</a:t>
+            </a:r>
+          </a:p>
+        </p:txBody>
+      </p:sp>
+      <p:sp>
+        <p:nvSpPr>
+          <p:cNvPr id="66" name="TextBox 65"/>
+          <p:cNvSpPr txBox="1"/>
+          <p:nvPr/>
+        </p:nvSpPr>
+        <p:spPr>
+          <a:xfrm>
+            <a:off x="6522352" y="1461442"/>
+            <a:ext cx="1526623" cy="369108"/>
+          </a:xfrm>
+          <a:prstGeom prst="rect">
+            <a:avLst/>
+          </a:prstGeom>
+          <a:noFill/>
+        </p:spPr>
+        <p:txBody>
+          <a:bodyPr wrap="none" rtlCol="0">
+            <a:spAutoFit/>
+          </a:bodyPr>
+          <a:lstStyle/>
+          <a:p>
+            <a:r>
+              <a:rPr lang="en-US" sz="1799">
+                <a:solidFill>
+                  <a:prstClr val="black"/>
+                </a:solidFill>
+                <a:latin typeface="Calibri" panose="020F0502020204030204"/>
+              </a:rPr>
+              <a:t>Shoot Clusters</a:t>
+            </a:r>
+          </a:p>
+        </p:txBody>
+      </p:sp>
+      <p:sp>
+        <p:nvSpPr>
+          <p:cNvPr id="67" name="Hexagon 66"/>
+          <p:cNvSpPr/>
+          <p:nvPr/>
+        </p:nvSpPr>
+        <p:spPr>
+          <a:xfrm>
+            <a:off x="5852005" y="2253964"/>
+            <a:ext cx="807412" cy="696045"/>
+          </a:xfrm>
+          <a:prstGeom prst="hexagon">
+            <a:avLst/>
+          </a:prstGeom>
+          <a:solidFill>
+            <a:srgbClr val="4472C4"/>
+          </a:solidFill>
+          <a:ln w="12700" cap="flat" cmpd="sng" algn="ctr">
+            <a:solidFill>
+              <a:srgbClr val="4472C4">
+                <a:shade val="50000"/>
+              </a:srgbClr>
+            </a:solidFill>
+            <a:prstDash val="solid"/>
+            <a:miter lim="800000"/>
+          </a:ln>
+          <a:effectLst/>
+        </p:spPr>
+        <p:txBody>
+          <a:bodyPr rtlCol="0" anchor="ctr"/>
+          <a:lstStyle/>
+          <a:p>
+            <a:pPr algn="ctr" defTabSz="914126">
+              <a:defRPr/>
+            </a:pPr>
+            <a:r>
+              <a:rPr lang="en-US" sz="800" kern="0">
+                <a:solidFill>
+                  <a:prstClr val="white"/>
+                </a:solidFill>
+                <a:latin typeface="Calibri" panose="020F0502020204030204"/>
+                <a:ea typeface=""/>
+                <a:cs typeface=""/>
+              </a:rPr>
+              <a:t>Worker/Minion</a:t>
+            </a:r>
+          </a:p>
+        </p:txBody>
+      </p:sp>
+      <p:sp>
+        <p:nvSpPr>
+          <p:cNvPr id="68" name="Hexagon 67"/>
+          <p:cNvSpPr/>
+          <p:nvPr/>
+        </p:nvSpPr>
+        <p:spPr>
+          <a:xfrm>
+            <a:off x="6528722" y="1894070"/>
+            <a:ext cx="807412" cy="696045"/>
+          </a:xfrm>
+          <a:prstGeom prst="hexagon">
+            <a:avLst/>
+          </a:prstGeom>
+          <a:solidFill>
+            <a:srgbClr val="4472C4"/>
+          </a:solidFill>
+          <a:ln w="12700" cap="flat" cmpd="sng" algn="ctr">
+            <a:solidFill>
+              <a:srgbClr val="4472C4">
+                <a:shade val="50000"/>
+              </a:srgbClr>
+            </a:solidFill>
+            <a:prstDash val="solid"/>
+            <a:miter lim="800000"/>
+          </a:ln>
+          <a:effectLst/>
+        </p:spPr>
+        <p:txBody>
+          <a:bodyPr rtlCol="0" anchor="ctr"/>
+          <a:lstStyle/>
+          <a:p>
+            <a:pPr algn="ctr" defTabSz="914126">
+              <a:defRPr/>
+            </a:pPr>
+            <a:r>
+              <a:rPr lang="en-US" sz="800" kern="0">
+                <a:solidFill>
+                  <a:prstClr val="white"/>
+                </a:solidFill>
+                <a:latin typeface="Calibri" panose="020F0502020204030204"/>
+                <a:ea typeface=""/>
+                <a:cs typeface=""/>
+              </a:rPr>
+              <a:t>Worker/Minion</a:t>
+            </a:r>
+          </a:p>
+        </p:txBody>
+      </p:sp>
+      <p:sp>
+        <p:nvSpPr>
+          <p:cNvPr id="69" name="Rectangle 68"/>
+          <p:cNvSpPr/>
+          <p:nvPr/>
+        </p:nvSpPr>
+        <p:spPr>
+          <a:xfrm>
+            <a:off x="5777723" y="1831323"/>
+            <a:ext cx="1638625" cy="1573554"/>
+          </a:xfrm>
+          <a:prstGeom prst="rect">
+            <a:avLst/>
+          </a:prstGeom>
+          <a:noFill/>
+          <a:ln w="25400" cap="flat" cmpd="sng" algn="ctr">
+            <a:solidFill>
+              <a:srgbClr val="70AD47"/>
+            </a:solidFill>
+            <a:prstDash val="solid"/>
+            <a:miter lim="800000"/>
+          </a:ln>
+          <a:effectLst/>
+        </p:spPr>
+        <p:txBody>
+          <a:bodyPr rtlCol="0" anchor="ctr"/>
+          <a:lstStyle/>
+          <a:p>
+            <a:pPr algn="ctr" defTabSz="914126">
+              <a:defRPr/>
+            </a:pPr>
+            <a:endParaRPr lang="en-US" sz="1799" kern="0">
+              <a:solidFill>
+                <a:prstClr val="white"/>
+              </a:solidFill>
+              <a:latin typeface="Calibri" panose="020F0502020204030204"/>
+              <a:ea typeface=""/>
+              <a:cs typeface=""/>
+            </a:endParaRPr>
+          </a:p>
+        </p:txBody>
+      </p:sp>
+      <p:sp>
+        <p:nvSpPr>
+          <p:cNvPr id="70" name="Hexagon 69"/>
+          <p:cNvSpPr/>
+          <p:nvPr/>
+        </p:nvSpPr>
+        <p:spPr>
+          <a:xfrm>
+            <a:off x="8221241" y="3909594"/>
+            <a:ext cx="807412" cy="696045"/>
+          </a:xfrm>
+          <a:prstGeom prst="hexagon">
+            <a:avLst/>
+          </a:prstGeom>
+          <a:solidFill>
+            <a:srgbClr val="4472C4"/>
+          </a:solidFill>
+          <a:ln w="12700" cap="flat" cmpd="sng" algn="ctr">
+            <a:solidFill>
+              <a:srgbClr val="4472C4">
+                <a:shade val="50000"/>
+              </a:srgbClr>
+            </a:solidFill>
+            <a:prstDash val="solid"/>
+            <a:miter lim="800000"/>
+          </a:ln>
+          <a:effectLst/>
+        </p:spPr>
+        <p:txBody>
+          <a:bodyPr rtlCol="0" anchor="ctr"/>
+          <a:lstStyle/>
+          <a:p>
+            <a:pPr algn="ctr" defTabSz="914126">
+              <a:defRPr/>
+            </a:pPr>
+            <a:r>
+              <a:rPr lang="en-US" sz="800" kern="0">
+                <a:solidFill>
+                  <a:prstClr val="white"/>
+                </a:solidFill>
+                <a:latin typeface="Calibri" panose="020F0502020204030204"/>
+                <a:ea typeface=""/>
+                <a:cs typeface=""/>
+              </a:rPr>
+              <a:t>Worker/Minion</a:t>
+            </a:r>
+          </a:p>
+        </p:txBody>
+      </p:sp>
+      <p:sp>
+        <p:nvSpPr>
+          <p:cNvPr id="71" name="Hexagon 70"/>
+          <p:cNvSpPr/>
+          <p:nvPr/>
+        </p:nvSpPr>
+        <p:spPr>
+          <a:xfrm>
+            <a:off x="7544524" y="3525956"/>
+            <a:ext cx="807412" cy="696045"/>
+          </a:xfrm>
+          <a:prstGeom prst="hexagon">
+            <a:avLst/>
+          </a:prstGeom>
+          <a:solidFill>
+            <a:srgbClr val="4472C4"/>
+          </a:solidFill>
+          <a:ln w="12700" cap="flat" cmpd="sng" algn="ctr">
+            <a:solidFill>
+              <a:srgbClr val="4472C4">
+                <a:shade val="50000"/>
+              </a:srgbClr>
+            </a:solidFill>
+            <a:prstDash val="solid"/>
+            <a:miter lim="800000"/>
+          </a:ln>
+          <a:effectLst/>
+        </p:spPr>
+        <p:txBody>
+          <a:bodyPr rtlCol="0" anchor="ctr"/>
+          <a:lstStyle/>
+          <a:p>
+            <a:pPr algn="ctr" defTabSz="914126">
+              <a:defRPr/>
+            </a:pPr>
+            <a:r>
+              <a:rPr lang="en-US" sz="800" kern="0" dirty="0">
+                <a:solidFill>
+                  <a:prstClr val="white"/>
+                </a:solidFill>
+                <a:latin typeface="Calibri" panose="020F0502020204030204"/>
+                <a:ea typeface=""/>
+                <a:cs typeface=""/>
+              </a:rPr>
+              <a:t>Worker/Minion</a:t>
+            </a:r>
+          </a:p>
+        </p:txBody>
+      </p:sp>
+      <p:sp>
+        <p:nvSpPr>
+          <p:cNvPr id="72" name="Hexagon 71"/>
+          <p:cNvSpPr/>
+          <p:nvPr/>
+        </p:nvSpPr>
+        <p:spPr>
+          <a:xfrm>
+            <a:off x="8221241" y="3166061"/>
+            <a:ext cx="807412" cy="696045"/>
+          </a:xfrm>
+          <a:prstGeom prst="hexagon">
+            <a:avLst/>
+          </a:prstGeom>
+          <a:solidFill>
+            <a:srgbClr val="4472C4"/>
+          </a:solidFill>
+          <a:ln w="12700" cap="flat" cmpd="sng" algn="ctr">
+            <a:solidFill>
+              <a:srgbClr val="4472C4">
+                <a:shade val="50000"/>
+              </a:srgbClr>
+            </a:solidFill>
+            <a:prstDash val="solid"/>
+            <a:miter lim="800000"/>
+          </a:ln>
+          <a:effectLst/>
+        </p:spPr>
+        <p:txBody>
+          <a:bodyPr rtlCol="0" anchor="ctr"/>
+          <a:lstStyle/>
+          <a:p>
+            <a:pPr algn="ctr" defTabSz="914126">
+              <a:defRPr/>
+            </a:pPr>
+            <a:r>
+              <a:rPr lang="en-US" sz="800" kern="0">
+                <a:solidFill>
+                  <a:prstClr val="white"/>
+                </a:solidFill>
+                <a:latin typeface="Calibri" panose="020F0502020204030204"/>
+                <a:ea typeface=""/>
+                <a:cs typeface=""/>
+              </a:rPr>
+              <a:t>Worker/Minion</a:t>
+            </a:r>
+          </a:p>
+        </p:txBody>
+      </p:sp>
+      <p:sp>
+        <p:nvSpPr>
+          <p:cNvPr id="73" name="Rectangle 72"/>
+          <p:cNvSpPr/>
+          <p:nvPr/>
+        </p:nvSpPr>
+        <p:spPr>
+          <a:xfrm>
+            <a:off x="7470243" y="3103316"/>
+            <a:ext cx="1638625" cy="2336051"/>
+          </a:xfrm>
+          <a:prstGeom prst="rect">
+            <a:avLst/>
+          </a:prstGeom>
+          <a:noFill/>
+          <a:ln w="25400" cap="flat" cmpd="sng" algn="ctr">
+            <a:solidFill>
+              <a:srgbClr val="70AD47"/>
+            </a:solidFill>
+            <a:prstDash val="solid"/>
+            <a:miter lim="800000"/>
+          </a:ln>
+          <a:effectLst/>
+        </p:spPr>
+        <p:txBody>
+          <a:bodyPr rtlCol="0" anchor="ctr"/>
+          <a:lstStyle/>
+          <a:p>
+            <a:pPr algn="ctr" defTabSz="914126">
+              <a:defRPr/>
+            </a:pPr>
+            <a:endParaRPr lang="en-US" sz="1799" kern="0">
+              <a:solidFill>
+                <a:prstClr val="white"/>
+              </a:solidFill>
+              <a:latin typeface="Calibri" panose="020F0502020204030204"/>
+              <a:ea typeface=""/>
+              <a:cs typeface=""/>
+            </a:endParaRPr>
+          </a:p>
+        </p:txBody>
+      </p:sp>
+      <p:sp>
+        <p:nvSpPr>
+          <p:cNvPr id="74" name="Hexagon 73"/>
+          <p:cNvSpPr/>
+          <p:nvPr/>
+        </p:nvSpPr>
+        <p:spPr>
+          <a:xfrm>
+            <a:off x="8221241" y="4652481"/>
+            <a:ext cx="807412" cy="696045"/>
+          </a:xfrm>
+          <a:prstGeom prst="hexagon">
+            <a:avLst/>
+          </a:prstGeom>
+          <a:solidFill>
+            <a:srgbClr val="4472C4"/>
+          </a:solidFill>
+          <a:ln w="12700" cap="flat" cmpd="sng" algn="ctr">
+            <a:solidFill>
+              <a:srgbClr val="4472C4">
+                <a:shade val="50000"/>
+              </a:srgbClr>
+            </a:solidFill>
+            <a:prstDash val="solid"/>
+            <a:miter lim="800000"/>
+          </a:ln>
+          <a:effectLst/>
+        </p:spPr>
+        <p:txBody>
+          <a:bodyPr rtlCol="0" anchor="ctr"/>
+          <a:lstStyle/>
+          <a:p>
+            <a:pPr algn="ctr" defTabSz="914126">
+              <a:defRPr/>
+            </a:pPr>
+            <a:r>
+              <a:rPr lang="en-US" sz="800" kern="0">
+                <a:solidFill>
+                  <a:prstClr val="white"/>
+                </a:solidFill>
+                <a:latin typeface="Calibri" panose="020F0502020204030204"/>
+                <a:ea typeface=""/>
+                <a:cs typeface=""/>
+              </a:rPr>
+              <a:t>Worker/Minion</a:t>
+            </a:r>
+          </a:p>
+        </p:txBody>
+      </p:sp>
+      <p:sp>
+        <p:nvSpPr>
+          <p:cNvPr id="75" name="Hexagon 74"/>
+          <p:cNvSpPr/>
+          <p:nvPr/>
+        </p:nvSpPr>
+        <p:spPr>
+          <a:xfrm>
+            <a:off x="7544524" y="4268843"/>
+            <a:ext cx="807412" cy="696045"/>
+          </a:xfrm>
+          <a:prstGeom prst="hexagon">
+            <a:avLst/>
+          </a:prstGeom>
+          <a:solidFill>
+            <a:srgbClr val="4472C4"/>
+          </a:solidFill>
+          <a:ln w="12700" cap="flat" cmpd="sng" algn="ctr">
+            <a:solidFill>
+              <a:srgbClr val="4472C4">
+                <a:shade val="50000"/>
+              </a:srgbClr>
+            </a:solidFill>
+            <a:prstDash val="solid"/>
+            <a:miter lim="800000"/>
+          </a:ln>
+          <a:effectLst/>
+        </p:spPr>
+        <p:txBody>
+          <a:bodyPr rtlCol="0" anchor="ctr"/>
+          <a:lstStyle/>
+          <a:p>
+            <a:pPr algn="ctr" defTabSz="914126">
+              <a:defRPr/>
+            </a:pPr>
+            <a:r>
+              <a:rPr lang="en-US" sz="800" kern="0">
+                <a:solidFill>
+                  <a:prstClr val="white"/>
+                </a:solidFill>
+                <a:latin typeface="Calibri" panose="020F0502020204030204"/>
+                <a:ea typeface=""/>
+                <a:cs typeface=""/>
+              </a:rPr>
+              <a:t>Worker/Minion</a:t>
+            </a:r>
+          </a:p>
+        </p:txBody>
+      </p:sp>
+      <p:sp>
+        <p:nvSpPr>
+          <p:cNvPr id="76" name="Rectangle 75"/>
+          <p:cNvSpPr/>
+          <p:nvPr/>
+        </p:nvSpPr>
+        <p:spPr>
+          <a:xfrm>
+            <a:off x="7470243" y="1830678"/>
+            <a:ext cx="1638625" cy="1206854"/>
+          </a:xfrm>
+          <a:prstGeom prst="rect">
+            <a:avLst/>
+          </a:prstGeom>
+          <a:noFill/>
+          <a:ln w="25400" cap="flat" cmpd="sng" algn="ctr">
+            <a:solidFill>
+              <a:srgbClr val="70AD47"/>
+            </a:solidFill>
+            <a:prstDash val="solid"/>
+            <a:miter lim="800000"/>
+          </a:ln>
+          <a:effectLst/>
+        </p:spPr>
+        <p:txBody>
+          <a:bodyPr rtlCol="0" anchor="ctr"/>
+          <a:lstStyle/>
+          <a:p>
+            <a:pPr algn="ctr" defTabSz="914126">
+              <a:defRPr/>
+            </a:pPr>
+            <a:endParaRPr lang="en-US" sz="1799" kern="0">
+              <a:solidFill>
+                <a:prstClr val="white"/>
+              </a:solidFill>
+              <a:latin typeface="Calibri" panose="020F0502020204030204"/>
+              <a:ea typeface=""/>
+              <a:cs typeface=""/>
+            </a:endParaRPr>
+          </a:p>
+        </p:txBody>
+      </p:sp>
+      <p:sp>
+        <p:nvSpPr>
+          <p:cNvPr id="77" name="Hexagon 76"/>
+          <p:cNvSpPr/>
+          <p:nvPr/>
+        </p:nvSpPr>
+        <p:spPr>
+          <a:xfrm>
+            <a:off x="7550019" y="1894070"/>
+            <a:ext cx="807412" cy="696045"/>
+          </a:xfrm>
+          <a:prstGeom prst="hexagon">
+            <a:avLst/>
+          </a:prstGeom>
+          <a:solidFill>
+            <a:srgbClr val="4472C4"/>
+          </a:solidFill>
+          <a:ln w="12700" cap="flat" cmpd="sng" algn="ctr">
+            <a:solidFill>
+              <a:srgbClr val="4472C4">
+                <a:shade val="50000"/>
+              </a:srgbClr>
+            </a:solidFill>
+            <a:prstDash val="solid"/>
+            <a:miter lim="800000"/>
+          </a:ln>
+          <a:effectLst/>
+        </p:spPr>
+        <p:txBody>
+          <a:bodyPr rtlCol="0" anchor="ctr"/>
+          <a:lstStyle/>
+          <a:p>
+            <a:pPr algn="ctr" defTabSz="914126">
+              <a:defRPr/>
+            </a:pPr>
+            <a:r>
+              <a:rPr lang="en-US" sz="800" kern="0">
+                <a:solidFill>
+                  <a:prstClr val="white"/>
+                </a:solidFill>
+                <a:latin typeface="Calibri" panose="020F0502020204030204"/>
+                <a:ea typeface=""/>
+                <a:cs typeface=""/>
+              </a:rPr>
+              <a:t>Worker/Minion</a:t>
+            </a:r>
+          </a:p>
+        </p:txBody>
+      </p:sp>
+      <p:sp>
+        <p:nvSpPr>
+          <p:cNvPr id="78" name="Hexagon 77"/>
+          <p:cNvSpPr/>
+          <p:nvPr/>
+        </p:nvSpPr>
+        <p:spPr>
+          <a:xfrm>
+            <a:off x="8218242" y="2257351"/>
+            <a:ext cx="807412" cy="696045"/>
+          </a:xfrm>
+          <a:prstGeom prst="hexagon">
+            <a:avLst/>
+          </a:prstGeom>
+          <a:solidFill>
+            <a:srgbClr val="4472C4"/>
+          </a:solidFill>
+          <a:ln w="12700" cap="flat" cmpd="sng" algn="ctr">
+            <a:solidFill>
+              <a:srgbClr val="4472C4">
+                <a:shade val="50000"/>
+              </a:srgbClr>
+            </a:solidFill>
+            <a:prstDash val="solid"/>
+            <a:miter lim="800000"/>
+          </a:ln>
+          <a:effectLst/>
+        </p:spPr>
+        <p:txBody>
+          <a:bodyPr rtlCol="0" anchor="ctr"/>
+          <a:lstStyle/>
+          <a:p>
+            <a:pPr algn="ctr" defTabSz="914126">
+              <a:defRPr/>
+            </a:pPr>
+            <a:r>
+              <a:rPr lang="en-US" sz="800" kern="0">
+                <a:solidFill>
+                  <a:prstClr val="white"/>
+                </a:solidFill>
+                <a:latin typeface="Calibri" panose="020F0502020204030204"/>
+                <a:ea typeface=""/>
+                <a:cs typeface=""/>
+              </a:rPr>
+              <a:t>Worker/Minion</a:t>
+            </a:r>
+          </a:p>
+        </p:txBody>
+      </p:sp>
+      <p:sp>
+        <p:nvSpPr>
+          <p:cNvPr id="79" name="Rectangle 78"/>
+          <p:cNvSpPr/>
+          <p:nvPr/>
+        </p:nvSpPr>
+        <p:spPr>
+          <a:xfrm>
+            <a:off x="6442135" y="3467623"/>
+            <a:ext cx="974212" cy="827784"/>
+          </a:xfrm>
+          <a:prstGeom prst="rect">
+            <a:avLst/>
+          </a:prstGeom>
+          <a:noFill/>
+          <a:ln w="25400" cap="flat" cmpd="sng" algn="ctr">
+            <a:solidFill>
+              <a:srgbClr val="70AD47"/>
+            </a:solidFill>
+            <a:prstDash val="solid"/>
+            <a:miter lim="800000"/>
+          </a:ln>
+          <a:effectLst/>
+        </p:spPr>
+        <p:txBody>
+          <a:bodyPr rtlCol="0" anchor="ctr"/>
+          <a:lstStyle/>
+          <a:p>
+            <a:pPr algn="ctr" defTabSz="914126">
+              <a:defRPr/>
+            </a:pPr>
+            <a:endParaRPr lang="en-US" sz="1799" kern="0">
+              <a:solidFill>
+                <a:prstClr val="white"/>
+              </a:solidFill>
+              <a:latin typeface="Calibri" panose="020F0502020204030204"/>
+              <a:ea typeface=""/>
+              <a:cs typeface=""/>
+            </a:endParaRPr>
+          </a:p>
+        </p:txBody>
+      </p:sp>
+      <p:sp>
+        <p:nvSpPr>
+          <p:cNvPr id="80" name="Hexagon 79"/>
+          <p:cNvSpPr/>
+          <p:nvPr/>
+        </p:nvSpPr>
+        <p:spPr>
+          <a:xfrm>
+            <a:off x="6522349" y="3531014"/>
+            <a:ext cx="807412" cy="696045"/>
+          </a:xfrm>
+          <a:prstGeom prst="hexagon">
+            <a:avLst/>
+          </a:prstGeom>
+          <a:solidFill>
+            <a:srgbClr val="4472C4"/>
+          </a:solidFill>
+          <a:ln w="12700" cap="flat" cmpd="sng" algn="ctr">
+            <a:solidFill>
+              <a:srgbClr val="4472C4">
+                <a:shade val="50000"/>
+              </a:srgbClr>
+            </a:solidFill>
+            <a:prstDash val="solid"/>
+            <a:miter lim="800000"/>
+          </a:ln>
+          <a:effectLst/>
+        </p:spPr>
+        <p:txBody>
+          <a:bodyPr rtlCol="0" anchor="ctr"/>
+          <a:lstStyle/>
+          <a:p>
+            <a:pPr algn="ctr" defTabSz="914126">
+              <a:defRPr/>
+            </a:pPr>
+            <a:r>
+              <a:rPr lang="en-US" sz="800" kern="0">
+                <a:solidFill>
+                  <a:prstClr val="white"/>
+                </a:solidFill>
+                <a:latin typeface="Calibri" panose="020F0502020204030204"/>
+                <a:ea typeface=""/>
+                <a:cs typeface=""/>
+              </a:rPr>
+              <a:t>Worker/Minion</a:t>
+            </a:r>
+          </a:p>
+        </p:txBody>
+      </p:sp>
+      <p:cxnSp>
+        <p:nvCxnSpPr>
+          <p:cNvPr id="81" name="Straight Arrow Connector 80"/>
+          <p:cNvCxnSpPr/>
+          <p:nvPr/>
+        </p:nvCxnSpPr>
+        <p:spPr>
+          <a:xfrm>
+            <a:off x="5400262" y="3344873"/>
+            <a:ext cx="329975" cy="0"/>
+          </a:xfrm>
+          <a:prstGeom prst="straightConnector1">
+            <a:avLst/>
+          </a:prstGeom>
+          <a:noFill/>
+          <a:ln w="25400" cap="flat" cmpd="sng" algn="ctr">
+            <a:solidFill>
+              <a:srgbClr val="C00000"/>
+            </a:solidFill>
+            <a:prstDash val="solid"/>
+            <a:miter lim="800000"/>
+            <a:tailEnd type="triangle" w="lg" len="lg"/>
+          </a:ln>
+          <a:effectLst/>
+        </p:spPr>
+      </p:cxnSp>
+      <p:sp>
+        <p:nvSpPr>
+          <p:cNvPr id="82" name="TextBox 81"/>
+          <p:cNvSpPr txBox="1"/>
+          <p:nvPr/>
+        </p:nvSpPr>
+        <p:spPr>
+          <a:xfrm>
+            <a:off x="5313178" y="3367230"/>
+            <a:ext cx="1031102" cy="369236"/>
+          </a:xfrm>
+          <a:prstGeom prst="rect">
+            <a:avLst/>
+          </a:prstGeom>
+          <a:noFill/>
+        </p:spPr>
+        <p:txBody>
+          <a:bodyPr wrap="square" rtlCol="0">
+            <a:spAutoFit/>
+          </a:bodyPr>
+          <a:lstStyle/>
+          <a:p>
+            <a:r>
+              <a:rPr lang="en-US" sz="1799" dirty="0">
+                <a:solidFill>
+                  <a:prstClr val="black"/>
+                </a:solidFill>
+                <a:latin typeface="Calibri" panose="020F0502020204030204"/>
+              </a:rPr>
+              <a:t>manages</a:t>
+            </a:r>
+          </a:p>
+        </p:txBody>
+      </p:sp>
+      <p:cxnSp>
+        <p:nvCxnSpPr>
+          <p:cNvPr id="83" name="Straight Arrow Connector 82"/>
+          <p:cNvCxnSpPr/>
+          <p:nvPr/>
+        </p:nvCxnSpPr>
+        <p:spPr>
+          <a:xfrm>
+            <a:off x="5400262" y="3213036"/>
+            <a:ext cx="329975" cy="0"/>
+          </a:xfrm>
+          <a:prstGeom prst="straightConnector1">
+            <a:avLst/>
+          </a:prstGeom>
+          <a:noFill/>
+          <a:ln w="25400" cap="flat" cmpd="sng" algn="ctr">
+            <a:solidFill>
+              <a:srgbClr val="C00000"/>
+            </a:solidFill>
+            <a:prstDash val="solid"/>
+            <a:miter lim="800000"/>
+            <a:tailEnd type="triangle" w="lg" len="lg"/>
+          </a:ln>
+          <a:effectLst/>
+        </p:spPr>
+      </p:cxnSp>
+      <p:cxnSp>
+        <p:nvCxnSpPr>
+          <p:cNvPr id="84" name="Straight Arrow Connector 83"/>
+          <p:cNvCxnSpPr/>
+          <p:nvPr/>
+        </p:nvCxnSpPr>
+        <p:spPr>
+          <a:xfrm>
+            <a:off x="5400262" y="3081200"/>
+            <a:ext cx="329975" cy="0"/>
+          </a:xfrm>
+          <a:prstGeom prst="straightConnector1">
+            <a:avLst/>
+          </a:prstGeom>
+          <a:noFill/>
+          <a:ln w="25400" cap="flat" cmpd="sng" algn="ctr">
+            <a:solidFill>
+              <a:srgbClr val="C00000"/>
+            </a:solidFill>
+            <a:prstDash val="solid"/>
+            <a:miter lim="800000"/>
+            <a:tailEnd type="triangle" w="lg" len="lg"/>
+          </a:ln>
+          <a:effectLst/>
+        </p:spPr>
+      </p:cxnSp>
+      <p:cxnSp>
+        <p:nvCxnSpPr>
+          <p:cNvPr id="85" name="Straight Arrow Connector 84"/>
+          <p:cNvCxnSpPr/>
+          <p:nvPr/>
+        </p:nvCxnSpPr>
+        <p:spPr>
+          <a:xfrm>
+            <a:off x="5400262" y="2949363"/>
+            <a:ext cx="329975" cy="0"/>
+          </a:xfrm>
+          <a:prstGeom prst="straightConnector1">
+            <a:avLst/>
+          </a:prstGeom>
+          <a:noFill/>
+          <a:ln w="25400" cap="flat" cmpd="sng" algn="ctr">
+            <a:solidFill>
+              <a:srgbClr val="C00000"/>
+            </a:solidFill>
+            <a:prstDash val="solid"/>
+            <a:miter lim="800000"/>
+            <a:tailEnd type="triangle" w="lg" len="lg"/>
+          </a:ln>
+          <a:effectLst/>
+        </p:spPr>
+      </p:cxnSp>
+      <p:sp>
+        <p:nvSpPr>
+          <p:cNvPr id="86" name="Hexagon 85"/>
+          <p:cNvSpPr/>
+          <p:nvPr/>
+        </p:nvSpPr>
+        <p:spPr>
+          <a:xfrm>
+            <a:off x="3240372" y="3481508"/>
+            <a:ext cx="3778328" cy="3257180"/>
+          </a:xfrm>
+          <a:prstGeom prst="hexagon">
+            <a:avLst/>
+          </a:prstGeom>
+          <a:solidFill>
+            <a:srgbClr val="4472C4"/>
+          </a:solidFill>
+          <a:ln w="12700" cap="flat" cmpd="sng" algn="ctr">
+            <a:solidFill>
+              <a:srgbClr val="4472C4">
+                <a:shade val="50000"/>
+              </a:srgbClr>
+            </a:solidFill>
+            <a:prstDash val="solid"/>
+            <a:miter lim="800000"/>
+          </a:ln>
+          <a:effectLst/>
+        </p:spPr>
+        <p:txBody>
+          <a:bodyPr rtlCol="0" anchor="t"/>
+          <a:lstStyle/>
+          <a:p>
+            <a:pPr defTabSz="914126">
+              <a:defRPr/>
+            </a:pPr>
+            <a:r>
+              <a:rPr lang="en-US" sz="1799" kern="0">
+                <a:solidFill>
+                  <a:prstClr val="white"/>
+                </a:solidFill>
+                <a:latin typeface="Calibri" panose="020F0502020204030204"/>
+                <a:ea typeface=""/>
+                <a:cs typeface=""/>
+              </a:rPr>
+              <a:t>    Worker/Minion</a:t>
+            </a:r>
+          </a:p>
+        </p:txBody>
+      </p:sp>
+      <p:sp>
+        <p:nvSpPr>
+          <p:cNvPr id="87" name="TextBox 86"/>
+          <p:cNvSpPr txBox="1"/>
+          <p:nvPr/>
+        </p:nvSpPr>
+        <p:spPr>
+          <a:xfrm>
+            <a:off x="845294" y="4844746"/>
+            <a:ext cx="2433122" cy="646163"/>
+          </a:xfrm>
+          <a:prstGeom prst="rect">
+            <a:avLst/>
+          </a:prstGeom>
+          <a:noFill/>
+        </p:spPr>
+        <p:txBody>
+          <a:bodyPr wrap="square" rtlCol="0">
+            <a:spAutoFit/>
+          </a:bodyPr>
+          <a:lstStyle/>
+          <a:p>
+            <a:r>
+              <a:rPr lang="en-US" sz="1799" b="1" dirty="0">
+                <a:solidFill>
+                  <a:prstClr val="black"/>
+                </a:solidFill>
+                <a:latin typeface="Calibri" panose="020F0502020204030204"/>
+              </a:rPr>
+              <a:t>Think outside the box /</a:t>
+            </a:r>
+          </a:p>
+          <a:p>
+            <a:r>
+              <a:rPr lang="en-US" sz="1799" b="1" dirty="0">
+                <a:solidFill>
+                  <a:prstClr val="black"/>
+                </a:solidFill>
+                <a:latin typeface="Calibri" panose="020F0502020204030204"/>
+              </a:rPr>
+              <a:t>Move outside the box!</a:t>
+            </a:r>
+          </a:p>
+        </p:txBody>
+      </p:sp>
+      <p:sp>
+        <p:nvSpPr>
+          <p:cNvPr id="88" name="Rectangle 87"/>
+          <p:cNvSpPr/>
+          <p:nvPr/>
+        </p:nvSpPr>
+        <p:spPr>
+          <a:xfrm>
+            <a:off x="4914520" y="5581519"/>
+            <a:ext cx="807412" cy="310230"/>
+          </a:xfrm>
+          <a:prstGeom prst="rect">
+            <a:avLst/>
+          </a:prstGeom>
+          <a:solidFill>
+            <a:srgbClr val="86040C"/>
+          </a:solidFill>
+          <a:ln w="12700" cap="flat" cmpd="sng" algn="ctr">
+            <a:solidFill>
+              <a:srgbClr val="86040C"/>
+            </a:solidFill>
+            <a:prstDash val="solid"/>
+            <a:miter lim="800000"/>
+          </a:ln>
+          <a:effectLst/>
+        </p:spPr>
+        <p:txBody>
+          <a:bodyPr rtlCol="0" anchor="ctr"/>
+          <a:lstStyle/>
+          <a:p>
+            <a:pPr algn="ctr" defTabSz="914126">
+              <a:defRPr/>
+            </a:pPr>
+            <a:r>
+              <a:rPr lang="en-US" sz="1799" kern="0">
+                <a:solidFill>
+                  <a:prstClr val="white">
+                    <a:lumMod val="75000"/>
+                  </a:prstClr>
+                </a:solidFill>
+                <a:latin typeface="Calibri" panose="020F0502020204030204"/>
+                <a:ea typeface=""/>
+                <a:cs typeface=""/>
+              </a:rPr>
+              <a:t>ETCD</a:t>
+            </a:r>
+          </a:p>
+        </p:txBody>
+      </p:sp>
+      <p:sp>
+        <p:nvSpPr>
+          <p:cNvPr id="89" name="Rectangle 88"/>
+          <p:cNvSpPr/>
+          <p:nvPr/>
+        </p:nvSpPr>
+        <p:spPr>
+          <a:xfrm>
+            <a:off x="4539560" y="4393539"/>
+            <a:ext cx="1195131" cy="310230"/>
+          </a:xfrm>
+          <a:prstGeom prst="rect">
+            <a:avLst/>
+          </a:prstGeom>
+          <a:solidFill>
+            <a:srgbClr val="C00000"/>
+          </a:solidFill>
+          <a:ln w="12700" cap="flat" cmpd="sng" algn="ctr">
+            <a:solidFill>
+              <a:srgbClr val="ED7D31">
+                <a:lumMod val="75000"/>
+              </a:srgbClr>
+            </a:solidFill>
+            <a:prstDash val="solid"/>
+            <a:miter lim="800000"/>
+          </a:ln>
+          <a:effectLst/>
+        </p:spPr>
+        <p:txBody>
+          <a:bodyPr rtlCol="0" anchor="ctr"/>
+          <a:lstStyle/>
+          <a:p>
+            <a:pPr algn="ctr" defTabSz="914126">
+              <a:defRPr/>
+            </a:pPr>
+            <a:r>
+              <a:rPr lang="en-US" sz="1799" kern="0">
+                <a:solidFill>
+                  <a:prstClr val="white"/>
+                </a:solidFill>
+                <a:latin typeface="Calibri" panose="020F0502020204030204"/>
+                <a:ea typeface=""/>
+                <a:cs typeface=""/>
+              </a:rPr>
+              <a:t>API Server</a:t>
+            </a:r>
+          </a:p>
+        </p:txBody>
+      </p:sp>
+      <p:sp>
+        <p:nvSpPr>
+          <p:cNvPr id="90" name="Rectangle 89"/>
+          <p:cNvSpPr/>
+          <p:nvPr/>
+        </p:nvSpPr>
+        <p:spPr>
+          <a:xfrm>
+            <a:off x="3653916" y="4789532"/>
+            <a:ext cx="1186322" cy="310230"/>
+          </a:xfrm>
+          <a:prstGeom prst="rect">
+            <a:avLst/>
+          </a:prstGeom>
+          <a:solidFill>
+            <a:srgbClr val="C00000"/>
+          </a:solidFill>
+          <a:ln w="12700" cap="flat" cmpd="sng" algn="ctr">
+            <a:solidFill>
+              <a:srgbClr val="ED7D31">
+                <a:lumMod val="75000"/>
+              </a:srgbClr>
+            </a:solidFill>
+            <a:prstDash val="solid"/>
+            <a:miter lim="800000"/>
+          </a:ln>
+          <a:effectLst/>
+        </p:spPr>
+        <p:txBody>
+          <a:bodyPr rtlCol="0" anchor="ctr"/>
+          <a:lstStyle/>
+          <a:p>
+            <a:pPr algn="ctr" defTabSz="914126">
+              <a:defRPr/>
+            </a:pPr>
+            <a:r>
+              <a:rPr lang="en-US" sz="1799" kern="0">
+                <a:solidFill>
+                  <a:prstClr val="white"/>
+                </a:solidFill>
+                <a:latin typeface="Calibri" panose="020F0502020204030204"/>
+                <a:ea typeface=""/>
+                <a:cs typeface=""/>
+              </a:rPr>
+              <a:t>Scheduler</a:t>
+            </a:r>
+          </a:p>
+        </p:txBody>
+      </p:sp>
+      <p:sp>
+        <p:nvSpPr>
+          <p:cNvPr id="91" name="Rectangle 90"/>
+          <p:cNvSpPr/>
+          <p:nvPr/>
+        </p:nvSpPr>
+        <p:spPr>
+          <a:xfrm>
+            <a:off x="4915762" y="4789532"/>
+            <a:ext cx="1704573" cy="310230"/>
+          </a:xfrm>
+          <a:prstGeom prst="rect">
+            <a:avLst/>
+          </a:prstGeom>
+          <a:solidFill>
+            <a:srgbClr val="C00000"/>
+          </a:solidFill>
+          <a:ln w="12700" cap="flat" cmpd="sng" algn="ctr">
+            <a:solidFill>
+              <a:srgbClr val="ED7D31">
+                <a:lumMod val="75000"/>
+              </a:srgbClr>
+            </a:solidFill>
+            <a:prstDash val="solid"/>
+            <a:miter lim="800000"/>
+          </a:ln>
+          <a:effectLst/>
+        </p:spPr>
+        <p:txBody>
+          <a:bodyPr rtlCol="0" anchor="ctr"/>
+          <a:lstStyle/>
+          <a:p>
+            <a:pPr algn="ctr" defTabSz="914126">
+              <a:defRPr/>
+            </a:pPr>
+            <a:r>
+              <a:rPr lang="en-US" sz="1799" kern="0">
+                <a:solidFill>
+                  <a:prstClr val="white"/>
+                </a:solidFill>
+                <a:latin typeface="Calibri" panose="020F0502020204030204"/>
+                <a:ea typeface=""/>
+                <a:cs typeface=""/>
+              </a:rPr>
+              <a:t>Controller Mgr</a:t>
+            </a:r>
+          </a:p>
+        </p:txBody>
+      </p:sp>
+      <p:sp>
+        <p:nvSpPr>
+          <p:cNvPr id="92" name="Rectangle 91"/>
+          <p:cNvSpPr/>
+          <p:nvPr/>
+        </p:nvSpPr>
+        <p:spPr>
+          <a:xfrm>
+            <a:off x="3653916" y="5581519"/>
+            <a:ext cx="1186322" cy="310230"/>
+          </a:xfrm>
+          <a:prstGeom prst="rect">
+            <a:avLst/>
+          </a:prstGeom>
+          <a:solidFill>
+            <a:srgbClr val="86040C"/>
+          </a:solidFill>
+          <a:ln w="12700" cap="flat" cmpd="sng" algn="ctr">
+            <a:solidFill>
+              <a:srgbClr val="86040C"/>
+            </a:solidFill>
+            <a:prstDash val="solid"/>
+            <a:miter lim="800000"/>
+          </a:ln>
+          <a:effectLst/>
+        </p:spPr>
+        <p:txBody>
+          <a:bodyPr rtlCol="0" anchor="ctr"/>
+          <a:lstStyle/>
+          <a:p>
+            <a:pPr algn="ctr" defTabSz="914126">
+              <a:defRPr/>
+            </a:pPr>
+            <a:r>
+              <a:rPr lang="en-US" sz="1799" kern="0">
+                <a:solidFill>
+                  <a:prstClr val="white">
+                    <a:lumMod val="75000"/>
+                  </a:prstClr>
+                </a:solidFill>
+                <a:latin typeface="Calibri" panose="020F0502020204030204"/>
+                <a:ea typeface=""/>
+                <a:cs typeface=""/>
+              </a:rPr>
+              <a:t>API Server</a:t>
+            </a:r>
+          </a:p>
+        </p:txBody>
+      </p:sp>
+      <p:sp>
+        <p:nvSpPr>
+          <p:cNvPr id="93" name="Rectangle 92"/>
+          <p:cNvSpPr/>
+          <p:nvPr/>
+        </p:nvSpPr>
+        <p:spPr>
+          <a:xfrm>
+            <a:off x="5812921" y="4393539"/>
+            <a:ext cx="807412" cy="310230"/>
+          </a:xfrm>
+          <a:prstGeom prst="rect">
+            <a:avLst/>
+          </a:prstGeom>
+          <a:solidFill>
+            <a:srgbClr val="86040C"/>
+          </a:solidFill>
+          <a:ln w="12700" cap="flat" cmpd="sng" algn="ctr">
+            <a:solidFill>
+              <a:srgbClr val="86040C"/>
+            </a:solidFill>
+            <a:prstDash val="solid"/>
+            <a:miter lim="800000"/>
+          </a:ln>
+          <a:effectLst/>
+        </p:spPr>
+        <p:txBody>
+          <a:bodyPr rtlCol="0" anchor="ctr"/>
+          <a:lstStyle/>
+          <a:p>
+            <a:pPr algn="ctr" defTabSz="914126">
+              <a:defRPr/>
+            </a:pPr>
+            <a:r>
+              <a:rPr lang="en-US" sz="1799" kern="0">
+                <a:solidFill>
+                  <a:prstClr val="white">
+                    <a:lumMod val="75000"/>
+                  </a:prstClr>
+                </a:solidFill>
+                <a:latin typeface="Calibri" panose="020F0502020204030204"/>
+                <a:ea typeface=""/>
+                <a:cs typeface=""/>
+              </a:rPr>
+              <a:t>ETCD</a:t>
+            </a:r>
+          </a:p>
+        </p:txBody>
+      </p:sp>
+      <p:sp>
+        <p:nvSpPr>
+          <p:cNvPr id="94" name="Rectangle 93"/>
+          <p:cNvSpPr/>
+          <p:nvPr/>
+        </p:nvSpPr>
+        <p:spPr>
+          <a:xfrm>
+            <a:off x="5433984" y="5185525"/>
+            <a:ext cx="1186350" cy="310230"/>
+          </a:xfrm>
+          <a:prstGeom prst="rect">
+            <a:avLst/>
+          </a:prstGeom>
+          <a:solidFill>
+            <a:srgbClr val="86040C"/>
+          </a:solidFill>
+          <a:ln w="12700" cap="flat" cmpd="sng" algn="ctr">
+            <a:solidFill>
+              <a:srgbClr val="86040C"/>
+            </a:solidFill>
+            <a:prstDash val="solid"/>
+            <a:miter lim="800000"/>
+          </a:ln>
+          <a:effectLst/>
+        </p:spPr>
+        <p:txBody>
+          <a:bodyPr rtlCol="0" anchor="ctr"/>
+          <a:lstStyle/>
+          <a:p>
+            <a:pPr algn="ctr" defTabSz="914126">
+              <a:defRPr/>
+            </a:pPr>
+            <a:r>
+              <a:rPr lang="en-US" sz="1799" kern="0">
+                <a:solidFill>
+                  <a:prstClr val="white">
+                    <a:lumMod val="75000"/>
+                  </a:prstClr>
+                </a:solidFill>
+                <a:latin typeface="Calibri" panose="020F0502020204030204"/>
+                <a:ea typeface=""/>
+                <a:cs typeface=""/>
+              </a:rPr>
+              <a:t>Scheduler</a:t>
+            </a:r>
+          </a:p>
+        </p:txBody>
+      </p:sp>
+      <p:sp>
+        <p:nvSpPr>
+          <p:cNvPr id="95" name="Rectangle 94"/>
+          <p:cNvSpPr/>
+          <p:nvPr/>
+        </p:nvSpPr>
+        <p:spPr>
+          <a:xfrm>
+            <a:off x="3653917" y="5185525"/>
+            <a:ext cx="1704573" cy="310230"/>
+          </a:xfrm>
+          <a:prstGeom prst="rect">
+            <a:avLst/>
+          </a:prstGeom>
+          <a:solidFill>
+            <a:srgbClr val="86040C"/>
+          </a:solidFill>
+          <a:ln w="12700" cap="flat" cmpd="sng" algn="ctr">
+            <a:solidFill>
+              <a:srgbClr val="86040C"/>
+            </a:solidFill>
+            <a:prstDash val="solid"/>
+            <a:miter lim="800000"/>
+          </a:ln>
+          <a:effectLst/>
+        </p:spPr>
+        <p:txBody>
+          <a:bodyPr rtlCol="0" anchor="ctr"/>
+          <a:lstStyle/>
+          <a:p>
+            <a:pPr algn="ctr" defTabSz="914126">
+              <a:defRPr/>
+            </a:pPr>
+            <a:r>
+              <a:rPr lang="en-US" sz="1799" kern="0">
+                <a:solidFill>
+                  <a:prstClr val="white">
+                    <a:lumMod val="75000"/>
+                  </a:prstClr>
+                </a:solidFill>
+                <a:latin typeface="Calibri" panose="020F0502020204030204"/>
+                <a:ea typeface=""/>
+                <a:cs typeface=""/>
+              </a:rPr>
+              <a:t>Controller Mgr</a:t>
+            </a:r>
+          </a:p>
+        </p:txBody>
+      </p:sp>
+      <p:sp>
+        <p:nvSpPr>
+          <p:cNvPr id="96" name="TextBox 95"/>
+          <p:cNvSpPr txBox="1"/>
+          <p:nvPr/>
+        </p:nvSpPr>
+        <p:spPr>
+          <a:xfrm>
+            <a:off x="5721339" y="5581517"/>
+            <a:ext cx="343275" cy="369108"/>
+          </a:xfrm>
+          <a:prstGeom prst="rect">
+            <a:avLst/>
+          </a:prstGeom>
+          <a:noFill/>
+        </p:spPr>
+        <p:txBody>
+          <a:bodyPr wrap="none" rtlCol="0">
+            <a:spAutoFit/>
+          </a:bodyPr>
+          <a:lstStyle/>
+          <a:p>
+            <a:r>
+              <a:rPr lang="mr-IN" sz="1799">
+                <a:solidFill>
+                  <a:prstClr val="white">
+                    <a:lumMod val="75000"/>
+                  </a:prstClr>
+                </a:solidFill>
+                <a:latin typeface="Calibri" panose="020F0502020204030204"/>
+                <a:cs typeface="Mangal" charset="0"/>
+              </a:rPr>
+              <a:t>…</a:t>
+            </a:r>
+            <a:endParaRPr lang="en-US" sz="1799">
+              <a:solidFill>
+                <a:prstClr val="white">
+                  <a:lumMod val="75000"/>
+                </a:prstClr>
+              </a:solidFill>
+              <a:latin typeface="Calibri" panose="020F0502020204030204"/>
+            </a:endParaRPr>
+          </a:p>
+        </p:txBody>
+      </p:sp>
+      <p:cxnSp>
+        <p:nvCxnSpPr>
+          <p:cNvPr id="97" name="Straight Arrow Connector 96"/>
+          <p:cNvCxnSpPr/>
+          <p:nvPr/>
+        </p:nvCxnSpPr>
+        <p:spPr>
+          <a:xfrm flipV="1">
+            <a:off x="5633848" y="3022024"/>
+            <a:ext cx="828886" cy="1312508"/>
+          </a:xfrm>
+          <a:prstGeom prst="straightConnector1">
+            <a:avLst/>
+          </a:prstGeom>
+          <a:noFill/>
+          <a:ln w="25400" cap="flat" cmpd="sng" algn="ctr">
+            <a:solidFill>
+              <a:srgbClr val="C00000"/>
+            </a:solidFill>
+            <a:prstDash val="solid"/>
+            <a:miter lim="800000"/>
+            <a:tailEnd type="triangle" w="lg" len="lg"/>
+          </a:ln>
+          <a:effectLst/>
+        </p:spPr>
+      </p:cxnSp>
+      <p:cxnSp>
+        <p:nvCxnSpPr>
+          <p:cNvPr id="98" name="Straight Connector 97"/>
+          <p:cNvCxnSpPr/>
+          <p:nvPr/>
+        </p:nvCxnSpPr>
+        <p:spPr>
+          <a:xfrm flipV="1">
+            <a:off x="3244861" y="3363095"/>
+            <a:ext cx="524017" cy="1779579"/>
+          </a:xfrm>
+          <a:prstGeom prst="line">
+            <a:avLst/>
+          </a:prstGeom>
+          <a:noFill/>
+          <a:ln w="6350" cap="flat" cmpd="sng" algn="ctr">
+            <a:solidFill>
+              <a:srgbClr val="4472C4">
+                <a:alpha val="50000"/>
+              </a:srgbClr>
+            </a:solidFill>
+            <a:prstDash val="solid"/>
+            <a:miter lim="800000"/>
+          </a:ln>
+          <a:effectLst/>
+        </p:spPr>
+      </p:cxnSp>
+      <p:cxnSp>
+        <p:nvCxnSpPr>
+          <p:cNvPr id="99" name="Straight Connector 98"/>
+          <p:cNvCxnSpPr/>
+          <p:nvPr/>
+        </p:nvCxnSpPr>
+        <p:spPr>
+          <a:xfrm>
+            <a:off x="4585068" y="3356745"/>
+            <a:ext cx="74283" cy="154194"/>
+          </a:xfrm>
+          <a:prstGeom prst="line">
+            <a:avLst/>
+          </a:prstGeom>
+          <a:noFill/>
+          <a:ln w="6350" cap="flat" cmpd="sng" algn="ctr">
+            <a:solidFill>
+              <a:srgbClr val="4472C4">
+                <a:alpha val="50000"/>
+              </a:srgbClr>
+            </a:solidFill>
+            <a:prstDash val="solid"/>
+            <a:miter lim="800000"/>
+          </a:ln>
+          <a:effectLst/>
+        </p:spPr>
+      </p:cxnSp>
+      <p:sp>
+        <p:nvSpPr>
+          <p:cNvPr id="100" name="Rectangle 99"/>
+          <p:cNvSpPr/>
+          <p:nvPr/>
+        </p:nvSpPr>
+        <p:spPr>
+          <a:xfrm>
+            <a:off x="3653914" y="4393539"/>
+            <a:ext cx="807412" cy="310230"/>
+          </a:xfrm>
+          <a:prstGeom prst="rect">
+            <a:avLst/>
+          </a:prstGeom>
+          <a:solidFill>
+            <a:srgbClr val="C00000"/>
+          </a:solidFill>
+          <a:ln w="12700" cap="flat" cmpd="sng" algn="ctr">
+            <a:solidFill>
+              <a:srgbClr val="ED7D31">
+                <a:lumMod val="75000"/>
+              </a:srgbClr>
+            </a:solidFill>
+            <a:prstDash val="solid"/>
+            <a:miter lim="800000"/>
+          </a:ln>
+          <a:effectLst/>
+        </p:spPr>
+        <p:txBody>
+          <a:bodyPr rtlCol="0" anchor="ctr"/>
+          <a:lstStyle/>
+          <a:p>
+            <a:pPr algn="ctr" defTabSz="914126">
+              <a:defRPr/>
+            </a:pPr>
+            <a:r>
+              <a:rPr lang="en-US" sz="1799" kern="0">
+                <a:solidFill>
+                  <a:prstClr val="white"/>
+                </a:solidFill>
+                <a:latin typeface="Calibri" panose="020F0502020204030204"/>
+                <a:ea typeface=""/>
+                <a:cs typeface=""/>
+              </a:rPr>
+              <a:t>ETCD</a:t>
+            </a:r>
+          </a:p>
+        </p:txBody>
+      </p:sp>
+      <p:sp>
+        <p:nvSpPr>
+          <p:cNvPr id="101" name="Rectangle 100"/>
+          <p:cNvSpPr/>
+          <p:nvPr/>
+        </p:nvSpPr>
+        <p:spPr>
+          <a:xfrm>
+            <a:off x="7470244" y="3100925"/>
+            <a:ext cx="2298233" cy="2336051"/>
+          </a:xfrm>
+          <a:prstGeom prst="rect">
+            <a:avLst/>
+          </a:prstGeom>
+          <a:noFill/>
+          <a:ln w="25400" cap="flat" cmpd="sng" algn="ctr">
+            <a:solidFill>
+              <a:srgbClr val="70AD47"/>
+            </a:solidFill>
+            <a:prstDash val="solid"/>
+            <a:miter lim="800000"/>
+          </a:ln>
+          <a:effectLst/>
+        </p:spPr>
+        <p:txBody>
+          <a:bodyPr rtlCol="0" anchor="ctr"/>
+          <a:lstStyle/>
+          <a:p>
+            <a:pPr algn="ctr" defTabSz="914126">
+              <a:defRPr/>
+            </a:pPr>
+            <a:endParaRPr lang="en-US" sz="1799" kern="0">
+              <a:solidFill>
+                <a:prstClr val="white"/>
+              </a:solidFill>
+              <a:latin typeface="Calibri" panose="020F0502020204030204"/>
+              <a:ea typeface=""/>
+              <a:cs typeface=""/>
+            </a:endParaRPr>
+          </a:p>
+        </p:txBody>
+      </p:sp>
+      <p:sp>
+        <p:nvSpPr>
+          <p:cNvPr id="102" name="Hexagon 101"/>
+          <p:cNvSpPr/>
+          <p:nvPr/>
+        </p:nvSpPr>
+        <p:spPr>
+          <a:xfrm>
+            <a:off x="8894409" y="3525956"/>
+            <a:ext cx="807412" cy="696045"/>
+          </a:xfrm>
+          <a:prstGeom prst="hexagon">
+            <a:avLst/>
+          </a:prstGeom>
+          <a:solidFill>
+            <a:srgbClr val="4472C4"/>
+          </a:solidFill>
+          <a:ln w="12700" cap="flat" cmpd="sng" algn="ctr">
+            <a:solidFill>
+              <a:srgbClr val="4472C4">
+                <a:shade val="50000"/>
+              </a:srgbClr>
+            </a:solidFill>
+            <a:prstDash val="solid"/>
+            <a:miter lim="800000"/>
+          </a:ln>
+          <a:effectLst/>
+        </p:spPr>
+        <p:txBody>
+          <a:bodyPr rtlCol="0" anchor="ctr"/>
+          <a:lstStyle/>
+          <a:p>
+            <a:pPr algn="ctr" defTabSz="914126">
+              <a:defRPr/>
+            </a:pPr>
+            <a:r>
+              <a:rPr lang="en-US" sz="800" kern="0" dirty="0">
+                <a:solidFill>
+                  <a:prstClr val="white"/>
+                </a:solidFill>
+                <a:latin typeface="Calibri" panose="020F0502020204030204"/>
+                <a:ea typeface=""/>
+                <a:cs typeface=""/>
+              </a:rPr>
+              <a:t>Worker/Minion</a:t>
+            </a:r>
+          </a:p>
+        </p:txBody>
+      </p:sp>
+      <p:sp>
+        <p:nvSpPr>
+          <p:cNvPr id="103" name="Hexagon 102"/>
+          <p:cNvSpPr/>
+          <p:nvPr/>
+        </p:nvSpPr>
+        <p:spPr>
+          <a:xfrm>
+            <a:off x="8894409" y="4268843"/>
+            <a:ext cx="807412" cy="696045"/>
+          </a:xfrm>
+          <a:prstGeom prst="hexagon">
+            <a:avLst/>
+          </a:prstGeom>
+          <a:solidFill>
+            <a:srgbClr val="4472C4"/>
+          </a:solidFill>
+          <a:ln w="12700" cap="flat" cmpd="sng" algn="ctr">
+            <a:solidFill>
+              <a:srgbClr val="4472C4">
+                <a:shade val="50000"/>
+              </a:srgbClr>
+            </a:solidFill>
+            <a:prstDash val="solid"/>
+            <a:miter lim="800000"/>
+          </a:ln>
+          <a:effectLst/>
+        </p:spPr>
+        <p:txBody>
+          <a:bodyPr rtlCol="0" anchor="ctr"/>
+          <a:lstStyle/>
+          <a:p>
+            <a:pPr algn="ctr" defTabSz="914126">
+              <a:defRPr/>
+            </a:pPr>
+            <a:r>
+              <a:rPr lang="en-US" sz="800" kern="0">
+                <a:solidFill>
+                  <a:prstClr val="white"/>
+                </a:solidFill>
+                <a:latin typeface="Calibri" panose="020F0502020204030204"/>
+                <a:ea typeface=""/>
+                <a:cs typeface=""/>
+              </a:rPr>
+              <a:t>Worker/Minion</a:t>
+            </a:r>
+          </a:p>
+        </p:txBody>
+      </p:sp>
+      <p:sp>
+        <p:nvSpPr>
+          <p:cNvPr id="104" name="TextBox 103"/>
+          <p:cNvSpPr txBox="1"/>
+          <p:nvPr/>
+        </p:nvSpPr>
+        <p:spPr>
+          <a:xfrm>
+            <a:off x="9768475" y="4703768"/>
+            <a:ext cx="2423526" cy="738472"/>
+          </a:xfrm>
+          <a:prstGeom prst="rect">
+            <a:avLst/>
+          </a:prstGeom>
+          <a:noFill/>
+        </p:spPr>
+        <p:txBody>
+          <a:bodyPr wrap="square" rtlCol="0">
+            <a:spAutoFit/>
+          </a:bodyPr>
+          <a:lstStyle/>
+          <a:p>
+            <a:r>
+              <a:rPr lang="en-US" sz="1400" b="1" dirty="0">
+                <a:solidFill>
+                  <a:prstClr val="black"/>
+                </a:solidFill>
+                <a:latin typeface="Calibri" panose="020F0502020204030204"/>
+              </a:rPr>
+              <a:t>Auto-scaling via native</a:t>
+            </a:r>
+          </a:p>
+          <a:p>
+            <a:r>
+              <a:rPr lang="en-US" sz="1400" b="1" dirty="0" err="1">
+                <a:solidFill>
+                  <a:prstClr val="black"/>
+                </a:solidFill>
+                <a:latin typeface="Calibri" panose="020F0502020204030204"/>
+              </a:rPr>
+              <a:t>hyperscale</a:t>
+            </a:r>
+            <a:r>
+              <a:rPr lang="en-US" sz="1400" b="1" dirty="0">
+                <a:solidFill>
+                  <a:prstClr val="black"/>
+                </a:solidFill>
+                <a:latin typeface="Calibri" panose="020F0502020204030204"/>
+              </a:rPr>
+              <a:t> provider service</a:t>
+            </a:r>
+          </a:p>
+          <a:p>
+            <a:r>
+              <a:rPr lang="en-US" sz="1400" b="1" dirty="0">
+                <a:solidFill>
+                  <a:prstClr val="black"/>
+                </a:solidFill>
+                <a:latin typeface="Calibri" panose="020F0502020204030204"/>
+              </a:rPr>
+              <a:t>or controller on bare metal</a:t>
+            </a:r>
+          </a:p>
+        </p:txBody>
+      </p:sp>
+    </p:spTree>
+    <p:extLst>
+      <p:ext uri="{BB962C8B-B14F-4D97-AF65-F5344CB8AC3E}">
+        <p14:creationId xmlns:p14="http://schemas.microsoft.com/office/powerpoint/2010/main" val="564255781"/>
+      </p:ext>
+    </p:extLst>
+  </p:cSld>
+  <p:clrMapOvr>
+    <a:masterClrMapping/>
+  </p:clrMapOvr>
+  <p:timing>
+    <p:tnLst>
+      <p:par>
+        <p:cTn id="1" dur="indefinite" restart="never" nodeType="tmRoot">
+          <p:childTnLst>
+            <p:seq concurrent="1" nextAc="seek">
+              <p:cTn id="2" dur="indefinite" nodeType="mainSeq">
+                <p:childTnLst>
+                  <p:par>
+                    <p:cTn id="3" fill="hold">
+                      <p:stCondLst>
+                        <p:cond delay="indefinite"/>
+                      </p:stCondLst>
+                      <p:childTnLst>
+                        <p:par>
+                          <p:cTn id="4" fill="hold">
+                            <p:stCondLst>
+                              <p:cond delay="0"/>
+                            </p:stCondLst>
+                            <p:childTnLst>
+                              <p:par>
+                                <p:cTn id="5" presetID="1" presetClass="entr" presetSubtype="0" fill="hold" grpId="0" nodeType="clickEffect">
+                                  <p:stCondLst>
+                                    <p:cond delay="0"/>
+                                  </p:stCondLst>
+                                  <p:childTnLst>
+                                    <p:set>
+                                      <p:cBhvr>
+                                        <p:cTn id="6" dur="1" fill="hold">
+                                          <p:stCondLst>
+                                            <p:cond delay="0"/>
+                                          </p:stCondLst>
+                                        </p:cTn>
+                                        <p:tgtEl>
+                                          <p:spTgt spid="54"/>
+                                        </p:tgtEl>
+                                        <p:attrNameLst>
+                                          <p:attrName>style.visibility</p:attrName>
+                                        </p:attrNameLst>
+                                      </p:cBhvr>
+                                      <p:to>
+                                        <p:strVal val="visible"/>
+                                      </p:to>
+                                    </p:set>
+                                  </p:childTnLst>
+                                </p:cTn>
+                              </p:par>
+                            </p:childTnLst>
+                          </p:cTn>
+                        </p:par>
+                      </p:childTnLst>
+                    </p:cTn>
+                  </p:par>
+                  <p:par>
+                    <p:cTn id="7" fill="hold">
+                      <p:stCondLst>
+                        <p:cond delay="indefinite"/>
+                      </p:stCondLst>
+                      <p:childTnLst>
+                        <p:par>
+                          <p:cTn id="8" fill="hold">
+                            <p:stCondLst>
+                              <p:cond delay="0"/>
+                            </p:stCondLst>
+                            <p:childTnLst>
+                              <p:par>
+                                <p:cTn id="9" presetID="1" presetClass="entr" presetSubtype="0" fill="hold" grpId="0" nodeType="clickEffect">
+                                  <p:stCondLst>
+                                    <p:cond delay="0"/>
+                                  </p:stCondLst>
+                                  <p:childTnLst>
+                                    <p:set>
+                                      <p:cBhvr>
+                                        <p:cTn id="10" dur="1" fill="hold">
+                                          <p:stCondLst>
+                                            <p:cond delay="0"/>
+                                          </p:stCondLst>
+                                        </p:cTn>
+                                        <p:tgtEl>
+                                          <p:spTgt spid="65"/>
+                                        </p:tgtEl>
+                                        <p:attrNameLst>
+                                          <p:attrName>style.visibility</p:attrName>
+                                        </p:attrNameLst>
+                                      </p:cBhvr>
+                                      <p:to>
+                                        <p:strVal val="visible"/>
+                                      </p:to>
+                                    </p:set>
+                                  </p:childTnLst>
+                                </p:cTn>
+                              </p:par>
+                              <p:par>
+                                <p:cTn id="11" presetID="1" presetClass="entr" presetSubtype="0" fill="hold" grpId="0" nodeType="withEffect">
+                                  <p:stCondLst>
+                                    <p:cond delay="0"/>
+                                  </p:stCondLst>
+                                  <p:childTnLst>
+                                    <p:set>
+                                      <p:cBhvr>
+                                        <p:cTn id="12" dur="1" fill="hold">
+                                          <p:stCondLst>
+                                            <p:cond delay="0"/>
+                                          </p:stCondLst>
+                                        </p:cTn>
+                                        <p:tgtEl>
+                                          <p:spTgt spid="67"/>
+                                        </p:tgtEl>
+                                        <p:attrNameLst>
+                                          <p:attrName>style.visibility</p:attrName>
+                                        </p:attrNameLst>
+                                      </p:cBhvr>
+                                      <p:to>
+                                        <p:strVal val="visible"/>
+                                      </p:to>
+                                    </p:set>
+                                  </p:childTnLst>
+                                </p:cTn>
+                              </p:par>
+                              <p:par>
+                                <p:cTn id="13" presetID="1" presetClass="entr" presetSubtype="0" fill="hold" grpId="0" nodeType="withEffect">
+                                  <p:stCondLst>
+                                    <p:cond delay="0"/>
+                                  </p:stCondLst>
+                                  <p:childTnLst>
+                                    <p:set>
+                                      <p:cBhvr>
+                                        <p:cTn id="14" dur="1" fill="hold">
+                                          <p:stCondLst>
+                                            <p:cond delay="0"/>
+                                          </p:stCondLst>
+                                        </p:cTn>
+                                        <p:tgtEl>
+                                          <p:spTgt spid="68"/>
+                                        </p:tgtEl>
+                                        <p:attrNameLst>
+                                          <p:attrName>style.visibility</p:attrName>
+                                        </p:attrNameLst>
+                                      </p:cBhvr>
+                                      <p:to>
+                                        <p:strVal val="visible"/>
+                                      </p:to>
+                                    </p:set>
+                                  </p:childTnLst>
+                                </p:cTn>
+                              </p:par>
+                              <p:par>
+                                <p:cTn id="15" presetID="1" presetClass="entr" presetSubtype="0" fill="hold" grpId="0" nodeType="withEffect">
+                                  <p:stCondLst>
+                                    <p:cond delay="0"/>
+                                  </p:stCondLst>
+                                  <p:childTnLst>
+                                    <p:set>
+                                      <p:cBhvr>
+                                        <p:cTn id="16" dur="1" fill="hold">
+                                          <p:stCondLst>
+                                            <p:cond delay="0"/>
+                                          </p:stCondLst>
+                                        </p:cTn>
+                                        <p:tgtEl>
+                                          <p:spTgt spid="69"/>
+                                        </p:tgtEl>
+                                        <p:attrNameLst>
+                                          <p:attrName>style.visibility</p:attrName>
+                                        </p:attrNameLst>
+                                      </p:cBhvr>
+                                      <p:to>
+                                        <p:strVal val="visible"/>
+                                      </p:to>
+                                    </p:set>
+                                  </p:childTnLst>
+                                </p:cTn>
+                              </p:par>
+                              <p:par>
+                                <p:cTn id="17" presetID="1" presetClass="entr" presetSubtype="0" fill="hold" grpId="0" nodeType="withEffect">
+                                  <p:stCondLst>
+                                    <p:cond delay="0"/>
+                                  </p:stCondLst>
+                                  <p:childTnLst>
+                                    <p:set>
+                                      <p:cBhvr>
+                                        <p:cTn id="18" dur="1" fill="hold">
+                                          <p:stCondLst>
+                                            <p:cond delay="0"/>
+                                          </p:stCondLst>
+                                        </p:cTn>
+                                        <p:tgtEl>
+                                          <p:spTgt spid="71"/>
+                                        </p:tgtEl>
+                                        <p:attrNameLst>
+                                          <p:attrName>style.visibility</p:attrName>
+                                        </p:attrNameLst>
+                                      </p:cBhvr>
+                                      <p:to>
+                                        <p:strVal val="visible"/>
+                                      </p:to>
+                                    </p:set>
+                                  </p:childTnLst>
+                                </p:cTn>
+                              </p:par>
+                              <p:par>
+                                <p:cTn id="19" presetID="1" presetClass="entr" presetSubtype="0" fill="hold" grpId="0" nodeType="withEffect">
+                                  <p:stCondLst>
+                                    <p:cond delay="0"/>
+                                  </p:stCondLst>
+                                  <p:childTnLst>
+                                    <p:set>
+                                      <p:cBhvr>
+                                        <p:cTn id="20" dur="1" fill="hold">
+                                          <p:stCondLst>
+                                            <p:cond delay="0"/>
+                                          </p:stCondLst>
+                                        </p:cTn>
+                                        <p:tgtEl>
+                                          <p:spTgt spid="72"/>
+                                        </p:tgtEl>
+                                        <p:attrNameLst>
+                                          <p:attrName>style.visibility</p:attrName>
+                                        </p:attrNameLst>
+                                      </p:cBhvr>
+                                      <p:to>
+                                        <p:strVal val="visible"/>
+                                      </p:to>
+                                    </p:set>
+                                  </p:childTnLst>
+                                </p:cTn>
+                              </p:par>
+                              <p:par>
+                                <p:cTn id="21" presetID="1" presetClass="entr" presetSubtype="0" fill="hold" grpId="0" nodeType="withEffect">
+                                  <p:stCondLst>
+                                    <p:cond delay="0"/>
+                                  </p:stCondLst>
+                                  <p:childTnLst>
+                                    <p:set>
+                                      <p:cBhvr>
+                                        <p:cTn id="22" dur="1" fill="hold">
+                                          <p:stCondLst>
+                                            <p:cond delay="0"/>
+                                          </p:stCondLst>
+                                        </p:cTn>
+                                        <p:tgtEl>
+                                          <p:spTgt spid="76"/>
+                                        </p:tgtEl>
+                                        <p:attrNameLst>
+                                          <p:attrName>style.visibility</p:attrName>
+                                        </p:attrNameLst>
+                                      </p:cBhvr>
+                                      <p:to>
+                                        <p:strVal val="visible"/>
+                                      </p:to>
+                                    </p:set>
+                                  </p:childTnLst>
+                                </p:cTn>
+                              </p:par>
+                              <p:par>
+                                <p:cTn id="23" presetID="1" presetClass="entr" presetSubtype="0" fill="hold" grpId="0" nodeType="withEffect">
+                                  <p:stCondLst>
+                                    <p:cond delay="0"/>
+                                  </p:stCondLst>
+                                  <p:childTnLst>
+                                    <p:set>
+                                      <p:cBhvr>
+                                        <p:cTn id="24" dur="1" fill="hold">
+                                          <p:stCondLst>
+                                            <p:cond delay="0"/>
+                                          </p:stCondLst>
+                                        </p:cTn>
+                                        <p:tgtEl>
+                                          <p:spTgt spid="77"/>
+                                        </p:tgtEl>
+                                        <p:attrNameLst>
+                                          <p:attrName>style.visibility</p:attrName>
+                                        </p:attrNameLst>
+                                      </p:cBhvr>
+                                      <p:to>
+                                        <p:strVal val="visible"/>
+                                      </p:to>
+                                    </p:set>
+                                  </p:childTnLst>
+                                </p:cTn>
+                              </p:par>
+                              <p:par>
+                                <p:cTn id="25" presetID="1" presetClass="entr" presetSubtype="0" fill="hold" grpId="0" nodeType="withEffect">
+                                  <p:stCondLst>
+                                    <p:cond delay="0"/>
+                                  </p:stCondLst>
+                                  <p:childTnLst>
+                                    <p:set>
+                                      <p:cBhvr>
+                                        <p:cTn id="26" dur="1" fill="hold">
+                                          <p:stCondLst>
+                                            <p:cond delay="0"/>
+                                          </p:stCondLst>
+                                        </p:cTn>
+                                        <p:tgtEl>
+                                          <p:spTgt spid="78"/>
+                                        </p:tgtEl>
+                                        <p:attrNameLst>
+                                          <p:attrName>style.visibility</p:attrName>
+                                        </p:attrNameLst>
+                                      </p:cBhvr>
+                                      <p:to>
+                                        <p:strVal val="visible"/>
+                                      </p:to>
+                                    </p:set>
+                                  </p:childTnLst>
+                                </p:cTn>
+                              </p:par>
+                              <p:par>
+                                <p:cTn id="27" presetID="1" presetClass="entr" presetSubtype="0" fill="hold" grpId="0" nodeType="withEffect">
+                                  <p:stCondLst>
+                                    <p:cond delay="0"/>
+                                  </p:stCondLst>
+                                  <p:childTnLst>
+                                    <p:set>
+                                      <p:cBhvr>
+                                        <p:cTn id="28" dur="1" fill="hold">
+                                          <p:stCondLst>
+                                            <p:cond delay="0"/>
+                                          </p:stCondLst>
+                                        </p:cTn>
+                                        <p:tgtEl>
+                                          <p:spTgt spid="79"/>
+                                        </p:tgtEl>
+                                        <p:attrNameLst>
+                                          <p:attrName>style.visibility</p:attrName>
+                                        </p:attrNameLst>
+                                      </p:cBhvr>
+                                      <p:to>
+                                        <p:strVal val="visible"/>
+                                      </p:to>
+                                    </p:set>
+                                  </p:childTnLst>
+                                </p:cTn>
+                              </p:par>
+                              <p:par>
+                                <p:cTn id="29" presetID="1" presetClass="entr" presetSubtype="0" fill="hold" grpId="0" nodeType="withEffect">
+                                  <p:stCondLst>
+                                    <p:cond delay="0"/>
+                                  </p:stCondLst>
+                                  <p:childTnLst>
+                                    <p:set>
+                                      <p:cBhvr>
+                                        <p:cTn id="30" dur="1" fill="hold">
+                                          <p:stCondLst>
+                                            <p:cond delay="0"/>
+                                          </p:stCondLst>
+                                        </p:cTn>
+                                        <p:tgtEl>
+                                          <p:spTgt spid="80"/>
+                                        </p:tgtEl>
+                                        <p:attrNameLst>
+                                          <p:attrName>style.visibility</p:attrName>
+                                        </p:attrNameLst>
+                                      </p:cBhvr>
+                                      <p:to>
+                                        <p:strVal val="visible"/>
+                                      </p:to>
+                                    </p:set>
+                                  </p:childTnLst>
+                                </p:cTn>
+                              </p:par>
+                              <p:par>
+                                <p:cTn id="31" presetID="1" presetClass="entr" presetSubtype="0" fill="hold" nodeType="withEffect">
+                                  <p:stCondLst>
+                                    <p:cond delay="0"/>
+                                  </p:stCondLst>
+                                  <p:childTnLst>
+                                    <p:set>
+                                      <p:cBhvr>
+                                        <p:cTn id="32" dur="1" fill="hold">
+                                          <p:stCondLst>
+                                            <p:cond delay="0"/>
+                                          </p:stCondLst>
+                                        </p:cTn>
+                                        <p:tgtEl>
+                                          <p:spTgt spid="81"/>
+                                        </p:tgtEl>
+                                        <p:attrNameLst>
+                                          <p:attrName>style.visibility</p:attrName>
+                                        </p:attrNameLst>
+                                      </p:cBhvr>
+                                      <p:to>
+                                        <p:strVal val="visible"/>
+                                      </p:to>
+                                    </p:set>
+                                  </p:childTnLst>
+                                </p:cTn>
+                              </p:par>
+                              <p:par>
+                                <p:cTn id="33" presetID="1" presetClass="entr" presetSubtype="0" fill="hold" nodeType="withEffect">
+                                  <p:stCondLst>
+                                    <p:cond delay="0"/>
+                                  </p:stCondLst>
+                                  <p:childTnLst>
+                                    <p:set>
+                                      <p:cBhvr>
+                                        <p:cTn id="34" dur="1" fill="hold">
+                                          <p:stCondLst>
+                                            <p:cond delay="0"/>
+                                          </p:stCondLst>
+                                        </p:cTn>
+                                        <p:tgtEl>
+                                          <p:spTgt spid="83"/>
+                                        </p:tgtEl>
+                                        <p:attrNameLst>
+                                          <p:attrName>style.visibility</p:attrName>
+                                        </p:attrNameLst>
+                                      </p:cBhvr>
+                                      <p:to>
+                                        <p:strVal val="visible"/>
+                                      </p:to>
+                                    </p:set>
+                                  </p:childTnLst>
+                                </p:cTn>
+                              </p:par>
+                              <p:par>
+                                <p:cTn id="35" presetID="1" presetClass="entr" presetSubtype="0" fill="hold" nodeType="withEffect">
+                                  <p:stCondLst>
+                                    <p:cond delay="0"/>
+                                  </p:stCondLst>
+                                  <p:childTnLst>
+                                    <p:set>
+                                      <p:cBhvr>
+                                        <p:cTn id="36" dur="1" fill="hold">
+                                          <p:stCondLst>
+                                            <p:cond delay="0"/>
+                                          </p:stCondLst>
+                                        </p:cTn>
+                                        <p:tgtEl>
+                                          <p:spTgt spid="84"/>
+                                        </p:tgtEl>
+                                        <p:attrNameLst>
+                                          <p:attrName>style.visibility</p:attrName>
+                                        </p:attrNameLst>
+                                      </p:cBhvr>
+                                      <p:to>
+                                        <p:strVal val="visible"/>
+                                      </p:to>
+                                    </p:set>
+                                  </p:childTnLst>
+                                </p:cTn>
+                              </p:par>
+                              <p:par>
+                                <p:cTn id="37" presetID="1" presetClass="entr" presetSubtype="0" fill="hold" nodeType="withEffect">
+                                  <p:stCondLst>
+                                    <p:cond delay="0"/>
+                                  </p:stCondLst>
+                                  <p:childTnLst>
+                                    <p:set>
+                                      <p:cBhvr>
+                                        <p:cTn id="38" dur="1" fill="hold">
+                                          <p:stCondLst>
+                                            <p:cond delay="0"/>
+                                          </p:stCondLst>
+                                        </p:cTn>
+                                        <p:tgtEl>
+                                          <p:spTgt spid="85"/>
+                                        </p:tgtEl>
+                                        <p:attrNameLst>
+                                          <p:attrName>style.visibility</p:attrName>
+                                        </p:attrNameLst>
+                                      </p:cBhvr>
+                                      <p:to>
+                                        <p:strVal val="visible"/>
+                                      </p:to>
+                                    </p:set>
+                                  </p:childTnLst>
+                                </p:cTn>
+                              </p:par>
+                              <p:par>
+                                <p:cTn id="39" presetID="1" presetClass="entr" presetSubtype="0" fill="hold" grpId="0" nodeType="withEffect">
+                                  <p:stCondLst>
+                                    <p:cond delay="0"/>
+                                  </p:stCondLst>
+                                  <p:childTnLst>
+                                    <p:set>
+                                      <p:cBhvr>
+                                        <p:cTn id="40" dur="1" fill="hold">
+                                          <p:stCondLst>
+                                            <p:cond delay="0"/>
+                                          </p:stCondLst>
+                                        </p:cTn>
+                                        <p:tgtEl>
+                                          <p:spTgt spid="70"/>
+                                        </p:tgtEl>
+                                        <p:attrNameLst>
+                                          <p:attrName>style.visibility</p:attrName>
+                                        </p:attrNameLst>
+                                      </p:cBhvr>
+                                      <p:to>
+                                        <p:strVal val="visible"/>
+                                      </p:to>
+                                    </p:set>
+                                  </p:childTnLst>
+                                </p:cTn>
+                              </p:par>
+                              <p:par>
+                                <p:cTn id="41" presetID="1" presetClass="entr" presetSubtype="0" fill="hold" grpId="0" nodeType="withEffect">
+                                  <p:stCondLst>
+                                    <p:cond delay="0"/>
+                                  </p:stCondLst>
+                                  <p:childTnLst>
+                                    <p:set>
+                                      <p:cBhvr>
+                                        <p:cTn id="42" dur="1" fill="hold">
+                                          <p:stCondLst>
+                                            <p:cond delay="0"/>
+                                          </p:stCondLst>
+                                        </p:cTn>
+                                        <p:tgtEl>
+                                          <p:spTgt spid="74"/>
+                                        </p:tgtEl>
+                                        <p:attrNameLst>
+                                          <p:attrName>style.visibility</p:attrName>
+                                        </p:attrNameLst>
+                                      </p:cBhvr>
+                                      <p:to>
+                                        <p:strVal val="visible"/>
+                                      </p:to>
+                                    </p:set>
+                                  </p:childTnLst>
+                                </p:cTn>
+                              </p:par>
+                              <p:par>
+                                <p:cTn id="43" presetID="1" presetClass="entr" presetSubtype="0" fill="hold" grpId="0" nodeType="withEffect">
+                                  <p:stCondLst>
+                                    <p:cond delay="0"/>
+                                  </p:stCondLst>
+                                  <p:childTnLst>
+                                    <p:set>
+                                      <p:cBhvr>
+                                        <p:cTn id="44" dur="1" fill="hold">
+                                          <p:stCondLst>
+                                            <p:cond delay="0"/>
+                                          </p:stCondLst>
+                                        </p:cTn>
+                                        <p:tgtEl>
+                                          <p:spTgt spid="75"/>
+                                        </p:tgtEl>
+                                        <p:attrNameLst>
+                                          <p:attrName>style.visibility</p:attrName>
+                                        </p:attrNameLst>
+                                      </p:cBhvr>
+                                      <p:to>
+                                        <p:strVal val="visible"/>
+                                      </p:to>
+                                    </p:set>
+                                  </p:childTnLst>
+                                </p:cTn>
+                              </p:par>
+                              <p:par>
+                                <p:cTn id="45" presetID="1" presetClass="entr" presetSubtype="0" fill="hold" grpId="0" nodeType="withEffect">
+                                  <p:stCondLst>
+                                    <p:cond delay="0"/>
+                                  </p:stCondLst>
+                                  <p:childTnLst>
+                                    <p:set>
+                                      <p:cBhvr>
+                                        <p:cTn id="46" dur="1" fill="hold">
+                                          <p:stCondLst>
+                                            <p:cond delay="0"/>
+                                          </p:stCondLst>
+                                        </p:cTn>
+                                        <p:tgtEl>
+                                          <p:spTgt spid="73"/>
+                                        </p:tgtEl>
+                                        <p:attrNameLst>
+                                          <p:attrName>style.visibility</p:attrName>
+                                        </p:attrNameLst>
+                                      </p:cBhvr>
+                                      <p:to>
+                                        <p:strVal val="visible"/>
+                                      </p:to>
+                                    </p:set>
+                                  </p:childTnLst>
+                                </p:cTn>
+                              </p:par>
+                              <p:par>
+                                <p:cTn id="47" presetID="1" presetClass="entr" presetSubtype="0" fill="hold" grpId="0" nodeType="withEffect">
+                                  <p:stCondLst>
+                                    <p:cond delay="0"/>
+                                  </p:stCondLst>
+                                  <p:childTnLst>
+                                    <p:set>
+                                      <p:cBhvr>
+                                        <p:cTn id="48" dur="1" fill="hold">
+                                          <p:stCondLst>
+                                            <p:cond delay="0"/>
+                                          </p:stCondLst>
+                                        </p:cTn>
+                                        <p:tgtEl>
+                                          <p:spTgt spid="82"/>
+                                        </p:tgtEl>
+                                        <p:attrNameLst>
+                                          <p:attrName>style.visibility</p:attrName>
+                                        </p:attrNameLst>
+                                      </p:cBhvr>
+                                      <p:to>
+                                        <p:strVal val="visible"/>
+                                      </p:to>
+                                    </p:set>
+                                  </p:childTnLst>
+                                </p:cTn>
+                              </p:par>
+                            </p:childTnLst>
+                          </p:cTn>
+                        </p:par>
+                      </p:childTnLst>
+                    </p:cTn>
+                  </p:par>
+                  <p:par>
+                    <p:cTn id="49" fill="hold">
+                      <p:stCondLst>
+                        <p:cond delay="indefinite"/>
+                      </p:stCondLst>
+                      <p:childTnLst>
+                        <p:par>
+                          <p:cTn id="50" fill="hold">
+                            <p:stCondLst>
+                              <p:cond delay="0"/>
+                            </p:stCondLst>
+                            <p:childTnLst>
+                              <p:par>
+                                <p:cTn id="51" presetID="1" presetClass="entr" presetSubtype="0" fill="hold" grpId="0" nodeType="clickEffect">
+                                  <p:stCondLst>
+                                    <p:cond delay="0"/>
+                                  </p:stCondLst>
+                                  <p:childTnLst>
+                                    <p:set>
+                                      <p:cBhvr>
+                                        <p:cTn id="52" dur="1" fill="hold">
+                                          <p:stCondLst>
+                                            <p:cond delay="0"/>
+                                          </p:stCondLst>
+                                        </p:cTn>
+                                        <p:tgtEl>
+                                          <p:spTgt spid="66"/>
+                                        </p:tgtEl>
+                                        <p:attrNameLst>
+                                          <p:attrName>style.visibility</p:attrName>
+                                        </p:attrNameLst>
+                                      </p:cBhvr>
+                                      <p:to>
+                                        <p:strVal val="visible"/>
+                                      </p:to>
+                                    </p:set>
+                                  </p:childTnLst>
+                                </p:cTn>
+                              </p:par>
+                            </p:childTnLst>
+                          </p:cTn>
+                        </p:par>
+                      </p:childTnLst>
+                    </p:cTn>
+                  </p:par>
+                  <p:par>
+                    <p:cTn id="53" fill="hold">
+                      <p:stCondLst>
+                        <p:cond delay="indefinite"/>
+                      </p:stCondLst>
+                      <p:childTnLst>
+                        <p:par>
+                          <p:cTn id="54" fill="hold">
+                            <p:stCondLst>
+                              <p:cond delay="0"/>
+                            </p:stCondLst>
+                            <p:childTnLst>
+                              <p:par>
+                                <p:cTn id="55" presetID="1" presetClass="entr" presetSubtype="0" fill="hold" grpId="0" nodeType="clickEffect">
+                                  <p:stCondLst>
+                                    <p:cond delay="0"/>
+                                  </p:stCondLst>
+                                  <p:childTnLst>
+                                    <p:set>
+                                      <p:cBhvr>
+                                        <p:cTn id="56" dur="1" fill="hold">
+                                          <p:stCondLst>
+                                            <p:cond delay="0"/>
+                                          </p:stCondLst>
+                                        </p:cTn>
+                                        <p:tgtEl>
+                                          <p:spTgt spid="87"/>
+                                        </p:tgtEl>
+                                        <p:attrNameLst>
+                                          <p:attrName>style.visibility</p:attrName>
+                                        </p:attrNameLst>
+                                      </p:cBhvr>
+                                      <p:to>
+                                        <p:strVal val="visible"/>
+                                      </p:to>
+                                    </p:set>
+                                  </p:childTnLst>
+                                </p:cTn>
+                              </p:par>
+                              <p:par>
+                                <p:cTn id="57" presetID="1" presetClass="entr" presetSubtype="0" fill="hold" grpId="0" nodeType="withEffect">
+                                  <p:stCondLst>
+                                    <p:cond delay="0"/>
+                                  </p:stCondLst>
+                                  <p:childTnLst>
+                                    <p:set>
+                                      <p:cBhvr>
+                                        <p:cTn id="58" dur="1" fill="hold">
+                                          <p:stCondLst>
+                                            <p:cond delay="0"/>
+                                          </p:stCondLst>
+                                        </p:cTn>
+                                        <p:tgtEl>
+                                          <p:spTgt spid="64"/>
+                                        </p:tgtEl>
+                                        <p:attrNameLst>
+                                          <p:attrName>style.visibility</p:attrName>
+                                        </p:attrNameLst>
+                                      </p:cBhvr>
+                                      <p:to>
+                                        <p:strVal val="visible"/>
+                                      </p:to>
+                                    </p:set>
+                                  </p:childTnLst>
+                                </p:cTn>
+                              </p:par>
+                              <p:par>
+                                <p:cTn id="59" presetID="1" presetClass="entr" presetSubtype="0" fill="hold" nodeType="withEffect">
+                                  <p:stCondLst>
+                                    <p:cond delay="0"/>
+                                  </p:stCondLst>
+                                  <p:childTnLst>
+                                    <p:set>
+                                      <p:cBhvr>
+                                        <p:cTn id="60" dur="1" fill="hold">
+                                          <p:stCondLst>
+                                            <p:cond delay="0"/>
+                                          </p:stCondLst>
+                                        </p:cTn>
+                                        <p:tgtEl>
+                                          <p:spTgt spid="98"/>
+                                        </p:tgtEl>
+                                        <p:attrNameLst>
+                                          <p:attrName>style.visibility</p:attrName>
+                                        </p:attrNameLst>
+                                      </p:cBhvr>
+                                      <p:to>
+                                        <p:strVal val="visible"/>
+                                      </p:to>
+                                    </p:set>
+                                  </p:childTnLst>
+                                </p:cTn>
+                              </p:par>
+                              <p:par>
+                                <p:cTn id="61" presetID="1" presetClass="entr" presetSubtype="0" fill="hold" nodeType="withEffect">
+                                  <p:stCondLst>
+                                    <p:cond delay="0"/>
+                                  </p:stCondLst>
+                                  <p:childTnLst>
+                                    <p:set>
+                                      <p:cBhvr>
+                                        <p:cTn id="62" dur="1" fill="hold">
+                                          <p:stCondLst>
+                                            <p:cond delay="0"/>
+                                          </p:stCondLst>
+                                        </p:cTn>
+                                        <p:tgtEl>
+                                          <p:spTgt spid="99"/>
+                                        </p:tgtEl>
+                                        <p:attrNameLst>
+                                          <p:attrName>style.visibility</p:attrName>
+                                        </p:attrNameLst>
+                                      </p:cBhvr>
+                                      <p:to>
+                                        <p:strVal val="visible"/>
+                                      </p:to>
+                                    </p:set>
+                                  </p:childTnLst>
+                                </p:cTn>
+                              </p:par>
+                              <p:par>
+                                <p:cTn id="63" presetID="1" presetClass="entr" presetSubtype="0" fill="hold" grpId="0" nodeType="withEffect">
+                                  <p:stCondLst>
+                                    <p:cond delay="0"/>
+                                  </p:stCondLst>
+                                  <p:childTnLst>
+                                    <p:set>
+                                      <p:cBhvr>
+                                        <p:cTn id="64" dur="1" fill="hold">
+                                          <p:stCondLst>
+                                            <p:cond delay="0"/>
+                                          </p:stCondLst>
+                                        </p:cTn>
+                                        <p:tgtEl>
+                                          <p:spTgt spid="88"/>
+                                        </p:tgtEl>
+                                        <p:attrNameLst>
+                                          <p:attrName>style.visibility</p:attrName>
+                                        </p:attrNameLst>
+                                      </p:cBhvr>
+                                      <p:to>
+                                        <p:strVal val="visible"/>
+                                      </p:to>
+                                    </p:set>
+                                  </p:childTnLst>
+                                </p:cTn>
+                              </p:par>
+                              <p:par>
+                                <p:cTn id="65" presetID="1" presetClass="entr" presetSubtype="0" fill="hold" grpId="0" nodeType="withEffect">
+                                  <p:stCondLst>
+                                    <p:cond delay="0"/>
+                                  </p:stCondLst>
+                                  <p:childTnLst>
+                                    <p:set>
+                                      <p:cBhvr>
+                                        <p:cTn id="66" dur="1" fill="hold">
+                                          <p:stCondLst>
+                                            <p:cond delay="0"/>
+                                          </p:stCondLst>
+                                        </p:cTn>
+                                        <p:tgtEl>
+                                          <p:spTgt spid="100"/>
+                                        </p:tgtEl>
+                                        <p:attrNameLst>
+                                          <p:attrName>style.visibility</p:attrName>
+                                        </p:attrNameLst>
+                                      </p:cBhvr>
+                                      <p:to>
+                                        <p:strVal val="visible"/>
+                                      </p:to>
+                                    </p:set>
+                                  </p:childTnLst>
+                                </p:cTn>
+                              </p:par>
+                              <p:par>
+                                <p:cTn id="67" presetID="1" presetClass="entr" presetSubtype="0" fill="hold" grpId="0" nodeType="withEffect">
+                                  <p:stCondLst>
+                                    <p:cond delay="0"/>
+                                  </p:stCondLst>
+                                  <p:childTnLst>
+                                    <p:set>
+                                      <p:cBhvr>
+                                        <p:cTn id="68" dur="1" fill="hold">
+                                          <p:stCondLst>
+                                            <p:cond delay="0"/>
+                                          </p:stCondLst>
+                                        </p:cTn>
+                                        <p:tgtEl>
+                                          <p:spTgt spid="89"/>
+                                        </p:tgtEl>
+                                        <p:attrNameLst>
+                                          <p:attrName>style.visibility</p:attrName>
+                                        </p:attrNameLst>
+                                      </p:cBhvr>
+                                      <p:to>
+                                        <p:strVal val="visible"/>
+                                      </p:to>
+                                    </p:set>
+                                  </p:childTnLst>
+                                </p:cTn>
+                              </p:par>
+                              <p:par>
+                                <p:cTn id="69" presetID="1" presetClass="entr" presetSubtype="0" fill="hold" grpId="0" nodeType="withEffect">
+                                  <p:stCondLst>
+                                    <p:cond delay="0"/>
+                                  </p:stCondLst>
+                                  <p:childTnLst>
+                                    <p:set>
+                                      <p:cBhvr>
+                                        <p:cTn id="70" dur="1" fill="hold">
+                                          <p:stCondLst>
+                                            <p:cond delay="0"/>
+                                          </p:stCondLst>
+                                        </p:cTn>
+                                        <p:tgtEl>
+                                          <p:spTgt spid="90"/>
+                                        </p:tgtEl>
+                                        <p:attrNameLst>
+                                          <p:attrName>style.visibility</p:attrName>
+                                        </p:attrNameLst>
+                                      </p:cBhvr>
+                                      <p:to>
+                                        <p:strVal val="visible"/>
+                                      </p:to>
+                                    </p:set>
+                                  </p:childTnLst>
+                                </p:cTn>
+                              </p:par>
+                              <p:par>
+                                <p:cTn id="71" presetID="1" presetClass="entr" presetSubtype="0" fill="hold" grpId="0" nodeType="withEffect">
+                                  <p:stCondLst>
+                                    <p:cond delay="0"/>
+                                  </p:stCondLst>
+                                  <p:childTnLst>
+                                    <p:set>
+                                      <p:cBhvr>
+                                        <p:cTn id="72" dur="1" fill="hold">
+                                          <p:stCondLst>
+                                            <p:cond delay="0"/>
+                                          </p:stCondLst>
+                                        </p:cTn>
+                                        <p:tgtEl>
+                                          <p:spTgt spid="91"/>
+                                        </p:tgtEl>
+                                        <p:attrNameLst>
+                                          <p:attrName>style.visibility</p:attrName>
+                                        </p:attrNameLst>
+                                      </p:cBhvr>
+                                      <p:to>
+                                        <p:strVal val="visible"/>
+                                      </p:to>
+                                    </p:set>
+                                  </p:childTnLst>
+                                </p:cTn>
+                              </p:par>
+                              <p:par>
+                                <p:cTn id="73" presetID="1" presetClass="entr" presetSubtype="0" fill="hold" grpId="0" nodeType="withEffect">
+                                  <p:stCondLst>
+                                    <p:cond delay="0"/>
+                                  </p:stCondLst>
+                                  <p:childTnLst>
+                                    <p:set>
+                                      <p:cBhvr>
+                                        <p:cTn id="74" dur="1" fill="hold">
+                                          <p:stCondLst>
+                                            <p:cond delay="0"/>
+                                          </p:stCondLst>
+                                        </p:cTn>
+                                        <p:tgtEl>
+                                          <p:spTgt spid="92"/>
+                                        </p:tgtEl>
+                                        <p:attrNameLst>
+                                          <p:attrName>style.visibility</p:attrName>
+                                        </p:attrNameLst>
+                                      </p:cBhvr>
+                                      <p:to>
+                                        <p:strVal val="visible"/>
+                                      </p:to>
+                                    </p:set>
+                                  </p:childTnLst>
+                                </p:cTn>
+                              </p:par>
+                              <p:par>
+                                <p:cTn id="75" presetID="1" presetClass="entr" presetSubtype="0" fill="hold" grpId="0" nodeType="withEffect">
+                                  <p:stCondLst>
+                                    <p:cond delay="0"/>
+                                  </p:stCondLst>
+                                  <p:childTnLst>
+                                    <p:set>
+                                      <p:cBhvr>
+                                        <p:cTn id="76" dur="1" fill="hold">
+                                          <p:stCondLst>
+                                            <p:cond delay="0"/>
+                                          </p:stCondLst>
+                                        </p:cTn>
+                                        <p:tgtEl>
+                                          <p:spTgt spid="93"/>
+                                        </p:tgtEl>
+                                        <p:attrNameLst>
+                                          <p:attrName>style.visibility</p:attrName>
+                                        </p:attrNameLst>
+                                      </p:cBhvr>
+                                      <p:to>
+                                        <p:strVal val="visible"/>
+                                      </p:to>
+                                    </p:set>
+                                  </p:childTnLst>
+                                </p:cTn>
+                              </p:par>
+                              <p:par>
+                                <p:cTn id="77" presetID="1" presetClass="entr" presetSubtype="0" fill="hold" grpId="0" nodeType="withEffect">
+                                  <p:stCondLst>
+                                    <p:cond delay="0"/>
+                                  </p:stCondLst>
+                                  <p:childTnLst>
+                                    <p:set>
+                                      <p:cBhvr>
+                                        <p:cTn id="78" dur="1" fill="hold">
+                                          <p:stCondLst>
+                                            <p:cond delay="0"/>
+                                          </p:stCondLst>
+                                        </p:cTn>
+                                        <p:tgtEl>
+                                          <p:spTgt spid="94"/>
+                                        </p:tgtEl>
+                                        <p:attrNameLst>
+                                          <p:attrName>style.visibility</p:attrName>
+                                        </p:attrNameLst>
+                                      </p:cBhvr>
+                                      <p:to>
+                                        <p:strVal val="visible"/>
+                                      </p:to>
+                                    </p:set>
+                                  </p:childTnLst>
+                                </p:cTn>
+                              </p:par>
+                              <p:par>
+                                <p:cTn id="79" presetID="1" presetClass="entr" presetSubtype="0" fill="hold" grpId="0" nodeType="withEffect">
+                                  <p:stCondLst>
+                                    <p:cond delay="0"/>
+                                  </p:stCondLst>
+                                  <p:childTnLst>
+                                    <p:set>
+                                      <p:cBhvr>
+                                        <p:cTn id="80" dur="1" fill="hold">
+                                          <p:stCondLst>
+                                            <p:cond delay="0"/>
+                                          </p:stCondLst>
+                                        </p:cTn>
+                                        <p:tgtEl>
+                                          <p:spTgt spid="95"/>
+                                        </p:tgtEl>
+                                        <p:attrNameLst>
+                                          <p:attrName>style.visibility</p:attrName>
+                                        </p:attrNameLst>
+                                      </p:cBhvr>
+                                      <p:to>
+                                        <p:strVal val="visible"/>
+                                      </p:to>
+                                    </p:set>
+                                  </p:childTnLst>
+                                </p:cTn>
+                              </p:par>
+                              <p:par>
+                                <p:cTn id="81" presetID="1" presetClass="entr" presetSubtype="0" fill="hold" grpId="0" nodeType="withEffect">
+                                  <p:stCondLst>
+                                    <p:cond delay="0"/>
+                                  </p:stCondLst>
+                                  <p:childTnLst>
+                                    <p:set>
+                                      <p:cBhvr>
+                                        <p:cTn id="82" dur="1" fill="hold">
+                                          <p:stCondLst>
+                                            <p:cond delay="0"/>
+                                          </p:stCondLst>
+                                        </p:cTn>
+                                        <p:tgtEl>
+                                          <p:spTgt spid="86"/>
+                                        </p:tgtEl>
+                                        <p:attrNameLst>
+                                          <p:attrName>style.visibility</p:attrName>
+                                        </p:attrNameLst>
+                                      </p:cBhvr>
+                                      <p:to>
+                                        <p:strVal val="visible"/>
+                                      </p:to>
+                                    </p:set>
+                                  </p:childTnLst>
+                                </p:cTn>
+                              </p:par>
+                              <p:par>
+                                <p:cTn id="83" presetID="1" presetClass="entr" presetSubtype="0" fill="hold" grpId="0" nodeType="withEffect">
+                                  <p:stCondLst>
+                                    <p:cond delay="0"/>
+                                  </p:stCondLst>
+                                  <p:childTnLst>
+                                    <p:set>
+                                      <p:cBhvr>
+                                        <p:cTn id="84" dur="1" fill="hold">
+                                          <p:stCondLst>
+                                            <p:cond delay="0"/>
+                                          </p:stCondLst>
+                                        </p:cTn>
+                                        <p:tgtEl>
+                                          <p:spTgt spid="96"/>
+                                        </p:tgtEl>
+                                        <p:attrNameLst>
+                                          <p:attrName>style.visibility</p:attrName>
+                                        </p:attrNameLst>
+                                      </p:cBhvr>
+                                      <p:to>
+                                        <p:strVal val="visible"/>
+                                      </p:to>
+                                    </p:set>
+                                  </p:childTnLst>
+                                </p:cTn>
+                              </p:par>
+                              <p:par>
+                                <p:cTn id="85" presetID="1" presetClass="entr" presetSubtype="0" fill="hold" nodeType="withEffect">
+                                  <p:stCondLst>
+                                    <p:cond delay="0"/>
+                                  </p:stCondLst>
+                                  <p:childTnLst>
+                                    <p:set>
+                                      <p:cBhvr>
+                                        <p:cTn id="86" dur="1" fill="hold">
+                                          <p:stCondLst>
+                                            <p:cond delay="0"/>
+                                          </p:stCondLst>
+                                        </p:cTn>
+                                        <p:tgtEl>
+                                          <p:spTgt spid="97"/>
+                                        </p:tgtEl>
+                                        <p:attrNameLst>
+                                          <p:attrName>style.visibility</p:attrName>
+                                        </p:attrNameLst>
+                                      </p:cBhvr>
+                                      <p:to>
+                                        <p:strVal val="visible"/>
+                                      </p:to>
+                                    </p:set>
+                                  </p:childTnLst>
+                                </p:cTn>
+                              </p:par>
+                              <p:par>
+                                <p:cTn id="87" presetID="1" presetClass="exit" presetSubtype="0" fill="hold" nodeType="withEffect">
+                                  <p:stCondLst>
+                                    <p:cond delay="0"/>
+                                  </p:stCondLst>
+                                  <p:childTnLst>
+                                    <p:set>
+                                      <p:cBhvr>
+                                        <p:cTn id="88" dur="1" fill="hold">
+                                          <p:stCondLst>
+                                            <p:cond delay="0"/>
+                                          </p:stCondLst>
+                                        </p:cTn>
+                                        <p:tgtEl>
+                                          <p:spTgt spid="85"/>
+                                        </p:tgtEl>
+                                        <p:attrNameLst>
+                                          <p:attrName>style.visibility</p:attrName>
+                                        </p:attrNameLst>
+                                      </p:cBhvr>
+                                      <p:to>
+                                        <p:strVal val="hidden"/>
+                                      </p:to>
+                                    </p:set>
+                                  </p:childTnLst>
+                                </p:cTn>
+                              </p:par>
+                              <p:par>
+                                <p:cTn id="89" presetID="1" presetClass="exit" presetSubtype="0" fill="hold" nodeType="withEffect">
+                                  <p:stCondLst>
+                                    <p:cond delay="0"/>
+                                  </p:stCondLst>
+                                  <p:childTnLst>
+                                    <p:set>
+                                      <p:cBhvr>
+                                        <p:cTn id="90" dur="1" fill="hold">
+                                          <p:stCondLst>
+                                            <p:cond delay="0"/>
+                                          </p:stCondLst>
+                                        </p:cTn>
+                                        <p:tgtEl>
+                                          <p:spTgt spid="84"/>
+                                        </p:tgtEl>
+                                        <p:attrNameLst>
+                                          <p:attrName>style.visibility</p:attrName>
+                                        </p:attrNameLst>
+                                      </p:cBhvr>
+                                      <p:to>
+                                        <p:strVal val="hidden"/>
+                                      </p:to>
+                                    </p:set>
+                                  </p:childTnLst>
+                                </p:cTn>
+                              </p:par>
+                              <p:par>
+                                <p:cTn id="91" presetID="1" presetClass="exit" presetSubtype="0" fill="hold" nodeType="withEffect">
+                                  <p:stCondLst>
+                                    <p:cond delay="0"/>
+                                  </p:stCondLst>
+                                  <p:childTnLst>
+                                    <p:set>
+                                      <p:cBhvr>
+                                        <p:cTn id="92" dur="1" fill="hold">
+                                          <p:stCondLst>
+                                            <p:cond delay="0"/>
+                                          </p:stCondLst>
+                                        </p:cTn>
+                                        <p:tgtEl>
+                                          <p:spTgt spid="83"/>
+                                        </p:tgtEl>
+                                        <p:attrNameLst>
+                                          <p:attrName>style.visibility</p:attrName>
+                                        </p:attrNameLst>
+                                      </p:cBhvr>
+                                      <p:to>
+                                        <p:strVal val="hidden"/>
+                                      </p:to>
+                                    </p:set>
+                                  </p:childTnLst>
+                                </p:cTn>
+                              </p:par>
+                              <p:par>
+                                <p:cTn id="93" presetID="1" presetClass="exit" presetSubtype="0" fill="hold" nodeType="withEffect">
+                                  <p:stCondLst>
+                                    <p:cond delay="0"/>
+                                  </p:stCondLst>
+                                  <p:childTnLst>
+                                    <p:set>
+                                      <p:cBhvr>
+                                        <p:cTn id="94" dur="1" fill="hold">
+                                          <p:stCondLst>
+                                            <p:cond delay="0"/>
+                                          </p:stCondLst>
+                                        </p:cTn>
+                                        <p:tgtEl>
+                                          <p:spTgt spid="81"/>
+                                        </p:tgtEl>
+                                        <p:attrNameLst>
+                                          <p:attrName>style.visibility</p:attrName>
+                                        </p:attrNameLst>
+                                      </p:cBhvr>
+                                      <p:to>
+                                        <p:strVal val="hidden"/>
+                                      </p:to>
+                                    </p:set>
+                                  </p:childTnLst>
+                                </p:cTn>
+                              </p:par>
+                            </p:childTnLst>
+                          </p:cTn>
+                        </p:par>
+                      </p:childTnLst>
+                    </p:cTn>
+                  </p:par>
+                  <p:par>
+                    <p:cTn id="95" fill="hold">
+                      <p:stCondLst>
+                        <p:cond delay="indefinite"/>
+                      </p:stCondLst>
+                      <p:childTnLst>
+                        <p:par>
+                          <p:cTn id="96" fill="hold">
+                            <p:stCondLst>
+                              <p:cond delay="0"/>
+                            </p:stCondLst>
+                            <p:childTnLst>
+                              <p:par>
+                                <p:cTn id="97" presetID="1" presetClass="exit" presetSubtype="0" fill="hold" grpId="1" nodeType="clickEffect">
+                                  <p:stCondLst>
+                                    <p:cond delay="0"/>
+                                  </p:stCondLst>
+                                  <p:childTnLst>
+                                    <p:set>
+                                      <p:cBhvr>
+                                        <p:cTn id="98" dur="1" fill="hold">
+                                          <p:stCondLst>
+                                            <p:cond delay="0"/>
+                                          </p:stCondLst>
+                                        </p:cTn>
+                                        <p:tgtEl>
+                                          <p:spTgt spid="73"/>
+                                        </p:tgtEl>
+                                        <p:attrNameLst>
+                                          <p:attrName>style.visibility</p:attrName>
+                                        </p:attrNameLst>
+                                      </p:cBhvr>
+                                      <p:to>
+                                        <p:strVal val="hidden"/>
+                                      </p:to>
+                                    </p:set>
+                                  </p:childTnLst>
+                                </p:cTn>
+                              </p:par>
+                              <p:par>
+                                <p:cTn id="99" presetID="1" presetClass="entr" presetSubtype="0" fill="hold" grpId="0" nodeType="withEffect">
+                                  <p:stCondLst>
+                                    <p:cond delay="0"/>
+                                  </p:stCondLst>
+                                  <p:childTnLst>
+                                    <p:set>
+                                      <p:cBhvr>
+                                        <p:cTn id="100" dur="1" fill="hold">
+                                          <p:stCondLst>
+                                            <p:cond delay="0"/>
+                                          </p:stCondLst>
+                                        </p:cTn>
+                                        <p:tgtEl>
+                                          <p:spTgt spid="102"/>
+                                        </p:tgtEl>
+                                        <p:attrNameLst>
+                                          <p:attrName>style.visibility</p:attrName>
+                                        </p:attrNameLst>
+                                      </p:cBhvr>
+                                      <p:to>
+                                        <p:strVal val="visible"/>
+                                      </p:to>
+                                    </p:set>
+                                  </p:childTnLst>
+                                </p:cTn>
+                              </p:par>
+                              <p:par>
+                                <p:cTn id="101" presetID="1" presetClass="entr" presetSubtype="0" fill="hold" grpId="0" nodeType="withEffect">
+                                  <p:stCondLst>
+                                    <p:cond delay="0"/>
+                                  </p:stCondLst>
+                                  <p:childTnLst>
+                                    <p:set>
+                                      <p:cBhvr>
+                                        <p:cTn id="102" dur="1" fill="hold">
+                                          <p:stCondLst>
+                                            <p:cond delay="0"/>
+                                          </p:stCondLst>
+                                        </p:cTn>
+                                        <p:tgtEl>
+                                          <p:spTgt spid="103"/>
+                                        </p:tgtEl>
+                                        <p:attrNameLst>
+                                          <p:attrName>style.visibility</p:attrName>
+                                        </p:attrNameLst>
+                                      </p:cBhvr>
+                                      <p:to>
+                                        <p:strVal val="visible"/>
+                                      </p:to>
+                                    </p:set>
+                                  </p:childTnLst>
+                                </p:cTn>
+                              </p:par>
+                              <p:par>
+                                <p:cTn id="103" presetID="1" presetClass="entr" presetSubtype="0" fill="hold" grpId="0" nodeType="withEffect">
+                                  <p:stCondLst>
+                                    <p:cond delay="0"/>
+                                  </p:stCondLst>
+                                  <p:childTnLst>
+                                    <p:set>
+                                      <p:cBhvr>
+                                        <p:cTn id="104" dur="1" fill="hold">
+                                          <p:stCondLst>
+                                            <p:cond delay="0"/>
+                                          </p:stCondLst>
+                                        </p:cTn>
+                                        <p:tgtEl>
+                                          <p:spTgt spid="101"/>
+                                        </p:tgtEl>
+                                        <p:attrNameLst>
+                                          <p:attrName>style.visibility</p:attrName>
+                                        </p:attrNameLst>
+                                      </p:cBhvr>
+                                      <p:to>
+                                        <p:strVal val="visible"/>
+                                      </p:to>
+                                    </p:set>
+                                  </p:childTnLst>
+                                </p:cTn>
+                              </p:par>
+                              <p:par>
+                                <p:cTn id="105" presetID="1" presetClass="entr" presetSubtype="0" fill="hold" grpId="0" nodeType="withEffect">
+                                  <p:stCondLst>
+                                    <p:cond delay="0"/>
+                                  </p:stCondLst>
+                                  <p:childTnLst>
+                                    <p:set>
+                                      <p:cBhvr>
+                                        <p:cTn id="106" dur="1" fill="hold">
+                                          <p:stCondLst>
+                                            <p:cond delay="0"/>
+                                          </p:stCondLst>
+                                        </p:cTn>
+                                        <p:tgtEl>
+                                          <p:spTgt spid="104"/>
+                                        </p:tgtEl>
+                                        <p:attrNameLst>
+                                          <p:attrName>style.visibility</p:attrName>
+                                        </p:attrNameLst>
+                                      </p:cBhvr>
+                                      <p:to>
+                                        <p:strVal val="visible"/>
+                                      </p:to>
+                                    </p:set>
+                                  </p:childTnLst>
+                                </p:cTn>
+                              </p:par>
+                            </p:childTnLst>
+                          </p:cTn>
+                        </p:par>
+                      </p:childTnLst>
+                    </p:cTn>
+                  </p:par>
+                  <p:par>
+                    <p:cTn id="107" fill="hold">
+                      <p:stCondLst>
+                        <p:cond delay="indefinite"/>
+                      </p:stCondLst>
+                      <p:childTnLst>
+                        <p:par>
+                          <p:cTn id="108" fill="hold">
+                            <p:stCondLst>
+                              <p:cond delay="0"/>
+                            </p:stCondLst>
+                            <p:childTnLst>
+                              <p:par>
+                                <p:cTn id="109" presetID="1" presetClass="exit" presetSubtype="0" fill="hold" grpId="1" nodeType="clickEffect">
+                                  <p:stCondLst>
+                                    <p:cond delay="0"/>
+                                  </p:stCondLst>
+                                  <p:childTnLst>
+                                    <p:set>
+                                      <p:cBhvr>
+                                        <p:cTn id="110" dur="1" fill="hold">
+                                          <p:stCondLst>
+                                            <p:cond delay="0"/>
+                                          </p:stCondLst>
+                                        </p:cTn>
+                                        <p:tgtEl>
+                                          <p:spTgt spid="101"/>
+                                        </p:tgtEl>
+                                        <p:attrNameLst>
+                                          <p:attrName>style.visibility</p:attrName>
+                                        </p:attrNameLst>
+                                      </p:cBhvr>
+                                      <p:to>
+                                        <p:strVal val="hidden"/>
+                                      </p:to>
+                                    </p:set>
+                                  </p:childTnLst>
+                                </p:cTn>
+                              </p:par>
+                              <p:par>
+                                <p:cTn id="111" presetID="1" presetClass="exit" presetSubtype="0" fill="hold" grpId="1" nodeType="withEffect">
+                                  <p:stCondLst>
+                                    <p:cond delay="0"/>
+                                  </p:stCondLst>
+                                  <p:childTnLst>
+                                    <p:set>
+                                      <p:cBhvr>
+                                        <p:cTn id="112" dur="1" fill="hold">
+                                          <p:stCondLst>
+                                            <p:cond delay="0"/>
+                                          </p:stCondLst>
+                                        </p:cTn>
+                                        <p:tgtEl>
+                                          <p:spTgt spid="102"/>
+                                        </p:tgtEl>
+                                        <p:attrNameLst>
+                                          <p:attrName>style.visibility</p:attrName>
+                                        </p:attrNameLst>
+                                      </p:cBhvr>
+                                      <p:to>
+                                        <p:strVal val="hidden"/>
+                                      </p:to>
+                                    </p:set>
+                                  </p:childTnLst>
+                                </p:cTn>
+                              </p:par>
+                              <p:par>
+                                <p:cTn id="113" presetID="1" presetClass="exit" presetSubtype="0" fill="hold" grpId="1" nodeType="withEffect">
+                                  <p:stCondLst>
+                                    <p:cond delay="0"/>
+                                  </p:stCondLst>
+                                  <p:childTnLst>
+                                    <p:set>
+                                      <p:cBhvr>
+                                        <p:cTn id="114" dur="1" fill="hold">
+                                          <p:stCondLst>
+                                            <p:cond delay="0"/>
+                                          </p:stCondLst>
+                                        </p:cTn>
+                                        <p:tgtEl>
+                                          <p:spTgt spid="103"/>
+                                        </p:tgtEl>
+                                        <p:attrNameLst>
+                                          <p:attrName>style.visibility</p:attrName>
+                                        </p:attrNameLst>
+                                      </p:cBhvr>
+                                      <p:to>
+                                        <p:strVal val="hidden"/>
+                                      </p:to>
+                                    </p:set>
+                                  </p:childTnLst>
+                                </p:cTn>
+                              </p:par>
+                              <p:par>
+                                <p:cTn id="115" presetID="1" presetClass="exit" presetSubtype="0" fill="hold" grpId="1" nodeType="withEffect">
+                                  <p:stCondLst>
+                                    <p:cond delay="0"/>
+                                  </p:stCondLst>
+                                  <p:childTnLst>
+                                    <p:set>
+                                      <p:cBhvr>
+                                        <p:cTn id="116" dur="1" fill="hold">
+                                          <p:stCondLst>
+                                            <p:cond delay="0"/>
+                                          </p:stCondLst>
+                                        </p:cTn>
+                                        <p:tgtEl>
+                                          <p:spTgt spid="104"/>
+                                        </p:tgtEl>
+                                        <p:attrNameLst>
+                                          <p:attrName>style.visibility</p:attrName>
+                                        </p:attrNameLst>
+                                      </p:cBhvr>
+                                      <p:to>
+                                        <p:strVal val="hidden"/>
+                                      </p:to>
+                                    </p:set>
+                                  </p:childTnLst>
+                                </p:cTn>
+                              </p:par>
+                              <p:par>
+                                <p:cTn id="117" presetID="1" presetClass="entr" presetSubtype="0" fill="hold" grpId="2" nodeType="withEffect">
+                                  <p:stCondLst>
+                                    <p:cond delay="0"/>
+                                  </p:stCondLst>
+                                  <p:childTnLst>
+                                    <p:set>
+                                      <p:cBhvr>
+                                        <p:cTn id="118" dur="1" fill="hold">
+                                          <p:stCondLst>
+                                            <p:cond delay="0"/>
+                                          </p:stCondLst>
+                                        </p:cTn>
+                                        <p:tgtEl>
+                                          <p:spTgt spid="73"/>
+                                        </p:tgtEl>
+                                        <p:attrNameLst>
+                                          <p:attrName>style.visibility</p:attrName>
+                                        </p:attrNameLst>
+                                      </p:cBhvr>
+                                      <p:to>
+                                        <p:strVal val="visible"/>
+                                      </p:to>
+                                    </p:set>
+                                  </p:childTnLst>
+                                </p:cTn>
+                              </p:par>
+                            </p:childTnLst>
+                          </p:cTn>
+                        </p:par>
+                      </p:childTnLst>
+                    </p:cTn>
+                  </p:par>
+                  <p:par>
+                    <p:cTn id="119" fill="hold">
+                      <p:stCondLst>
+                        <p:cond delay="indefinite"/>
+                      </p:stCondLst>
+                      <p:childTnLst>
+                        <p:par>
+                          <p:cTn id="120" fill="hold">
+                            <p:stCondLst>
+                              <p:cond delay="0"/>
+                            </p:stCondLst>
+                            <p:childTnLst>
+                              <p:par>
+                                <p:cTn id="121" presetID="1" presetClass="entr" presetSubtype="0" fill="hold" nodeType="clickEffect">
+                                  <p:stCondLst>
+                                    <p:cond delay="0"/>
+                                  </p:stCondLst>
+                                  <p:childTnLst>
+                                    <p:set>
+                                      <p:cBhvr>
+                                        <p:cTn id="122" dur="1" fill="hold">
+                                          <p:stCondLst>
+                                            <p:cond delay="0"/>
+                                          </p:stCondLst>
+                                        </p:cTn>
+                                        <p:tgtEl>
+                                          <p:spTgt spid="4"/>
+                                        </p:tgtEl>
+                                        <p:attrNameLst>
+                                          <p:attrName>style.visibility</p:attrName>
+                                        </p:attrNameLst>
+                                      </p:cBhvr>
+                                      <p:to>
+                                        <p:strVal val="visible"/>
+                                      </p:to>
+                                    </p:set>
+                                  </p:childTnLst>
+                                </p:cTn>
+                              </p:par>
+                            </p:childTnLst>
+                          </p:cTn>
+                        </p:par>
+                      </p:childTnLst>
+                    </p:cTn>
+                  </p:par>
+                </p:childTnLst>
+              </p:cTn>
+              <p:prevCondLst>
+                <p:cond evt="onPrev" delay="0">
+                  <p:tgtEl>
+                    <p:sldTgt/>
+                  </p:tgtEl>
+                </p:cond>
+              </p:prevCondLst>
+              <p:nextCondLst>
+                <p:cond evt="onNext" delay="0">
+                  <p:tgtEl>
+                    <p:sldTgt/>
+                  </p:tgtEl>
+                </p:cond>
+              </p:nextCondLst>
+            </p:seq>
+          </p:childTnLst>
+        </p:cTn>
+      </p:par>
+    </p:tnLst>
+    <p:bldLst>
+      <p:bldP spid="54" grpId="0"/>
+      <p:bldP spid="64" grpId="0" animBg="1"/>
+      <p:bldP spid="65" grpId="0" animBg="1"/>
+      <p:bldP spid="66" grpId="0"/>
+      <p:bldP spid="67" grpId="0" animBg="1"/>
+      <p:bldP spid="68" grpId="0" animBg="1"/>
+      <p:bldP spid="69" grpId="0" animBg="1"/>
+      <p:bldP spid="70" grpId="0" animBg="1"/>
+      <p:bldP spid="71" grpId="0" animBg="1"/>
+      <p:bldP spid="72" grpId="0" animBg="1"/>
+      <p:bldP spid="73" grpId="0" animBg="1"/>
+      <p:bldP spid="73" grpId="1" animBg="1"/>
+      <p:bldP spid="73" grpId="2" animBg="1"/>
+      <p:bldP spid="74" grpId="0" animBg="1"/>
+      <p:bldP spid="75" grpId="0" animBg="1"/>
+      <p:bldP spid="76" grpId="0" animBg="1"/>
+      <p:bldP spid="77" grpId="0" animBg="1"/>
+      <p:bldP spid="78" grpId="0" animBg="1"/>
+      <p:bldP spid="79" grpId="0" animBg="1"/>
+      <p:bldP spid="80" grpId="0" animBg="1"/>
+      <p:bldP spid="82" grpId="0"/>
+      <p:bldP spid="86" grpId="0" animBg="1"/>
+      <p:bldP spid="87" grpId="0"/>
+      <p:bldP spid="88" grpId="0" animBg="1"/>
+      <p:bldP spid="89" grpId="0" animBg="1"/>
+      <p:bldP spid="90" grpId="0" animBg="1"/>
+      <p:bldP spid="91" grpId="0" animBg="1"/>
+      <p:bldP spid="92" grpId="0" animBg="1"/>
+      <p:bldP spid="93" grpId="0" animBg="1"/>
+      <p:bldP spid="94" grpId="0" animBg="1"/>
+      <p:bldP spid="95" grpId="0" animBg="1"/>
+      <p:bldP spid="96" grpId="0"/>
+      <p:bldP spid="100" grpId="0" animBg="1"/>
+      <p:bldP spid="101" grpId="0" animBg="1"/>
+      <p:bldP spid="101" grpId="1" animBg="1"/>
+      <p:bldP spid="102" grpId="0" animBg="1"/>
+      <p:bldP spid="102" grpId="1" animBg="1"/>
+      <p:bldP spid="103" grpId="0" animBg="1"/>
+      <p:bldP spid="103" grpId="1" animBg="1"/>
+      <p:bldP spid="104" grpId="0"/>
+      <p:bldP spid="104" grpId="1"/>
+    </p:bldLst>
+  </p:timing>
 </p:sld>
 </file>
 
@@ -23407,6 +29944,32 @@
   <p:clrMapOvr>
     <a:masterClrMapping/>
   </p:clrMapOvr>
+</p:sld>
+</file>
+
+<file path=ppt/slides/slide20.xml><?xml version="1.0" encoding="utf-8"?>
+<p:sld xmlns:a="http://schemas.openxmlformats.org/drawingml/2006/main" xmlns:r="http://schemas.openxmlformats.org/officeDocument/2006/relationships" xmlns:p="http://schemas.openxmlformats.org/presentationml/2006/main" show="0">
+  <p:cSld>
+    <p:spTree>
+      <p:nvGrpSpPr>
+        <p:cNvPr id="1" name=""/>
+        <p:cNvGrpSpPr/>
+        <p:nvPr/>
+      </p:nvGrpSpPr>
+      <p:grpSpPr>
+        <a:xfrm>
+          <a:off x="0" y="0"/>
+          <a:ext cx="0" cy="0"/>
+          <a:chOff x="0" y="0"/>
+          <a:chExt cx="0" cy="0"/>
+        </a:xfrm>
+      </p:grpSpPr>
+    </p:spTree>
+  </p:cSld>
+  <p:clrMapOvr>
+    <a:masterClrMapping/>
+  </p:clrMapOvr>
+  <p:transition spd="med"/>
 </p:sld>
 </file>
 
